--- a/05- Ensemble models-SVM/ML4NuerScience_ensemble models_kernel_models.pptx
+++ b/05- Ensemble models-SVM/ML4NuerScience_ensemble models_kernel_models.pptx
@@ -346,7 +346,7 @@
               <a:pPr>
                 <a:defRPr/>
               </a:pPr>
-              <a:t>14/12/2022</a:t>
+              <a:t>09/01/2023</a:t>
             </a:fld>
             <a:endParaRPr lang="en-GB" altLang="en-US" dirty="0"/>
           </a:p>
@@ -580,7 +580,7 @@
               <a:pPr>
                 <a:defRPr/>
               </a:pPr>
-              <a:t>14/12/2022</a:t>
+              <a:t>09/01/2023</a:t>
             </a:fld>
             <a:endParaRPr lang="en-GB" altLang="en-US" dirty="0"/>
           </a:p>
@@ -1355,7 +1355,7 @@
               <a:pPr>
                 <a:defRPr/>
               </a:pPr>
-              <a:t>14/12/2022</a:t>
+              <a:t>09/01/2023</a:t>
             </a:fld>
             <a:endParaRPr lang="en-GB" altLang="en-US" dirty="0"/>
           </a:p>
@@ -1618,7 +1618,7 @@
               <a:pPr>
                 <a:defRPr/>
               </a:pPr>
-              <a:t>14/12/2022</a:t>
+              <a:t>09/01/2023</a:t>
             </a:fld>
             <a:endParaRPr lang="en-GB" altLang="en-US" dirty="0"/>
           </a:p>
@@ -1856,7 +1856,7 @@
               <a:pPr>
                 <a:defRPr/>
               </a:pPr>
-              <a:t>14/12/2022</a:t>
+              <a:t>09/01/2023</a:t>
             </a:fld>
             <a:endParaRPr lang="en-GB" altLang="en-US" dirty="0"/>
           </a:p>
@@ -2190,7 +2190,7 @@
               <a:pPr>
                 <a:defRPr/>
               </a:pPr>
-              <a:t>14/12/2022</a:t>
+              <a:t>09/01/2023</a:t>
             </a:fld>
             <a:endParaRPr lang="en-GB" altLang="en-US" dirty="0"/>
           </a:p>
@@ -2663,7 +2663,7 @@
               <a:pPr>
                 <a:defRPr/>
               </a:pPr>
-              <a:t>14/12/2022</a:t>
+              <a:t>09/01/2023</a:t>
             </a:fld>
             <a:endParaRPr lang="en-GB" altLang="en-US" dirty="0"/>
           </a:p>
@@ -2827,7 +2827,7 @@
               <a:pPr>
                 <a:defRPr/>
               </a:pPr>
-              <a:t>14/12/2022</a:t>
+              <a:t>09/01/2023</a:t>
             </a:fld>
             <a:endParaRPr lang="en-GB" altLang="en-US" dirty="0"/>
           </a:p>
@@ -2968,7 +2968,7 @@
               <a:pPr>
                 <a:defRPr/>
               </a:pPr>
-              <a:t>14/12/2022</a:t>
+              <a:t>09/01/2023</a:t>
             </a:fld>
             <a:endParaRPr lang="en-GB" altLang="en-US" dirty="0"/>
           </a:p>
@@ -3268,7 +3268,7 @@
               <a:pPr>
                 <a:defRPr/>
               </a:pPr>
-              <a:t>14/12/2022</a:t>
+              <a:t>09/01/2023</a:t>
             </a:fld>
             <a:endParaRPr lang="en-GB" altLang="en-US" dirty="0"/>
           </a:p>
@@ -3594,7 +3594,7 @@
               <a:pPr>
                 <a:defRPr/>
               </a:pPr>
-              <a:t>14/12/2022</a:t>
+              <a:t>09/01/2023</a:t>
             </a:fld>
             <a:endParaRPr lang="en-GB" altLang="en-US" dirty="0"/>
           </a:p>
@@ -4947,13 +4947,18 @@
               <a:buNone/>
             </a:pPr>
             <a:r>
-              <a:rPr lang="en-GB" altLang="en-US" sz="1333" dirty="0">
+              <a:rPr lang="en-GB" altLang="en-US" sz="1333">
                 <a:solidFill>
                   <a:srgbClr val="003D7D"/>
                 </a:solidFill>
               </a:rPr>
-              <a:t>Autumn 2022</a:t>
-            </a:r>
+              <a:t>January 2023</a:t>
+            </a:r>
+            <a:endParaRPr lang="en-GB" altLang="en-US" sz="1333" dirty="0">
+              <a:solidFill>
+                <a:srgbClr val="003D7D"/>
+              </a:solidFill>
+            </a:endParaRPr>
           </a:p>
         </p:txBody>
       </p:sp>
@@ -9046,8 +9051,8 @@
           </a:p>
         </p:txBody>
       </p:sp>
-      <mc:AlternateContent xmlns:mc="http://schemas.openxmlformats.org/markup-compatibility/2006">
-        <mc:Choice xmlns:a14="http://schemas.microsoft.com/office/drawing/2010/main" Requires="a14">
+      <mc:AlternateContent xmlns:mc="http://schemas.openxmlformats.org/markup-compatibility/2006" xmlns:a14="http://schemas.microsoft.com/office/drawing/2010/main">
+        <mc:Choice Requires="a14">
           <p:sp>
             <p:nvSpPr>
               <p:cNvPr id="3" name="Content Placeholder 2">
@@ -9221,7 +9226,7 @@
             </p:txBody>
           </p:sp>
         </mc:Choice>
-        <mc:Fallback>
+        <mc:Fallback xmlns="">
           <p:sp>
             <p:nvSpPr>
               <p:cNvPr id="3" name="Content Placeholder 2">

--- a/05- Ensemble models-SVM/ML4NuerScience_ensemble models_kernel_models.pptx
+++ b/05- Ensemble models-SVM/ML4NuerScience_ensemble models_kernel_models.pptx
@@ -5,10 +5,10 @@
     <p:sldMasterId id="2147483685" r:id="rId1"/>
   </p:sldMasterIdLst>
   <p:notesMasterIdLst>
-    <p:notesMasterId r:id="rId51"/>
+    <p:notesMasterId r:id="rId52"/>
   </p:notesMasterIdLst>
   <p:handoutMasterIdLst>
-    <p:handoutMasterId r:id="rId52"/>
+    <p:handoutMasterId r:id="rId53"/>
   </p:handoutMasterIdLst>
   <p:sldIdLst>
     <p:sldId id="297" r:id="rId2"/>
@@ -30,36 +30,37 @@
     <p:sldId id="1261" r:id="rId18"/>
     <p:sldId id="1262" r:id="rId19"/>
     <p:sldId id="1263" r:id="rId20"/>
-    <p:sldId id="1264" r:id="rId21"/>
-    <p:sldId id="1265" r:id="rId22"/>
-    <p:sldId id="1268" r:id="rId23"/>
-    <p:sldId id="1272" r:id="rId24"/>
-    <p:sldId id="1273" r:id="rId25"/>
-    <p:sldId id="1274" r:id="rId26"/>
-    <p:sldId id="1275" r:id="rId27"/>
-    <p:sldId id="1276" r:id="rId28"/>
-    <p:sldId id="1277" r:id="rId29"/>
-    <p:sldId id="1267" r:id="rId30"/>
-    <p:sldId id="1270" r:id="rId31"/>
-    <p:sldId id="1266" r:id="rId32"/>
-    <p:sldId id="1278" r:id="rId33"/>
-    <p:sldId id="1280" r:id="rId34"/>
-    <p:sldId id="1281" r:id="rId35"/>
-    <p:sldId id="1279" r:id="rId36"/>
-    <p:sldId id="1282" r:id="rId37"/>
-    <p:sldId id="1285" r:id="rId38"/>
-    <p:sldId id="1286" r:id="rId39"/>
-    <p:sldId id="1283" r:id="rId40"/>
-    <p:sldId id="1284" r:id="rId41"/>
-    <p:sldId id="1287" r:id="rId42"/>
-    <p:sldId id="1288" r:id="rId43"/>
-    <p:sldId id="1289" r:id="rId44"/>
-    <p:sldId id="1290" r:id="rId45"/>
-    <p:sldId id="1291" r:id="rId46"/>
-    <p:sldId id="1292" r:id="rId47"/>
-    <p:sldId id="1293" r:id="rId48"/>
-    <p:sldId id="1294" r:id="rId49"/>
-    <p:sldId id="1149" r:id="rId50"/>
+    <p:sldId id="1296" r:id="rId21"/>
+    <p:sldId id="1264" r:id="rId22"/>
+    <p:sldId id="1265" r:id="rId23"/>
+    <p:sldId id="1268" r:id="rId24"/>
+    <p:sldId id="1272" r:id="rId25"/>
+    <p:sldId id="1273" r:id="rId26"/>
+    <p:sldId id="1274" r:id="rId27"/>
+    <p:sldId id="1275" r:id="rId28"/>
+    <p:sldId id="1276" r:id="rId29"/>
+    <p:sldId id="1277" r:id="rId30"/>
+    <p:sldId id="1267" r:id="rId31"/>
+    <p:sldId id="1270" r:id="rId32"/>
+    <p:sldId id="1266" r:id="rId33"/>
+    <p:sldId id="1278" r:id="rId34"/>
+    <p:sldId id="1280" r:id="rId35"/>
+    <p:sldId id="1281" r:id="rId36"/>
+    <p:sldId id="1279" r:id="rId37"/>
+    <p:sldId id="1282" r:id="rId38"/>
+    <p:sldId id="1285" r:id="rId39"/>
+    <p:sldId id="1286" r:id="rId40"/>
+    <p:sldId id="1283" r:id="rId41"/>
+    <p:sldId id="1284" r:id="rId42"/>
+    <p:sldId id="1287" r:id="rId43"/>
+    <p:sldId id="1288" r:id="rId44"/>
+    <p:sldId id="1289" r:id="rId45"/>
+    <p:sldId id="1290" r:id="rId46"/>
+    <p:sldId id="1291" r:id="rId47"/>
+    <p:sldId id="1292" r:id="rId48"/>
+    <p:sldId id="1293" r:id="rId49"/>
+    <p:sldId id="1294" r:id="rId50"/>
+    <p:sldId id="1149" r:id="rId51"/>
   </p:sldIdLst>
   <p:sldSz cx="9144000" cy="5715000" type="screen16x10"/>
   <p:notesSz cx="7099300" cy="10234613"/>
@@ -347,7 +348,7 @@
               <a:pPr>
                 <a:defRPr/>
               </a:pPr>
-              <a:t>19/01/2023</a:t>
+              <a:t>20/01/2023</a:t>
             </a:fld>
             <a:endParaRPr lang="en-GB" altLang="en-US" dirty="0"/>
           </a:p>
@@ -777,7 +778,7 @@
               <a:pPr>
                 <a:defRPr/>
               </a:pPr>
-              <a:t>19/01/2023</a:t>
+              <a:t>20/01/2023</a:t>
             </a:fld>
             <a:endParaRPr lang="en-GB" altLang="en-US" dirty="0"/>
           </a:p>
@@ -1552,7 +1553,7 @@
               <a:pPr>
                 <a:defRPr/>
               </a:pPr>
-              <a:t>19/01/2023</a:t>
+              <a:t>20/01/2023</a:t>
             </a:fld>
             <a:endParaRPr lang="en-GB" altLang="en-US" dirty="0"/>
           </a:p>
@@ -1815,7 +1816,7 @@
               <a:pPr>
                 <a:defRPr/>
               </a:pPr>
-              <a:t>19/01/2023</a:t>
+              <a:t>20/01/2023</a:t>
             </a:fld>
             <a:endParaRPr lang="en-GB" altLang="en-US" dirty="0"/>
           </a:p>
@@ -2053,7 +2054,7 @@
               <a:pPr>
                 <a:defRPr/>
               </a:pPr>
-              <a:t>19/01/2023</a:t>
+              <a:t>20/01/2023</a:t>
             </a:fld>
             <a:endParaRPr lang="en-GB" altLang="en-US" dirty="0"/>
           </a:p>
@@ -2387,7 +2388,7 @@
               <a:pPr>
                 <a:defRPr/>
               </a:pPr>
-              <a:t>19/01/2023</a:t>
+              <a:t>20/01/2023</a:t>
             </a:fld>
             <a:endParaRPr lang="en-GB" altLang="en-US" dirty="0"/>
           </a:p>
@@ -2860,7 +2861,7 @@
               <a:pPr>
                 <a:defRPr/>
               </a:pPr>
-              <a:t>19/01/2023</a:t>
+              <a:t>20/01/2023</a:t>
             </a:fld>
             <a:endParaRPr lang="en-GB" altLang="en-US" dirty="0"/>
           </a:p>
@@ -3024,7 +3025,7 @@
               <a:pPr>
                 <a:defRPr/>
               </a:pPr>
-              <a:t>19/01/2023</a:t>
+              <a:t>20/01/2023</a:t>
             </a:fld>
             <a:endParaRPr lang="en-GB" altLang="en-US" dirty="0"/>
           </a:p>
@@ -3165,7 +3166,7 @@
               <a:pPr>
                 <a:defRPr/>
               </a:pPr>
-              <a:t>19/01/2023</a:t>
+              <a:t>20/01/2023</a:t>
             </a:fld>
             <a:endParaRPr lang="en-GB" altLang="en-US" dirty="0"/>
           </a:p>
@@ -3465,7 +3466,7 @@
               <a:pPr>
                 <a:defRPr/>
               </a:pPr>
-              <a:t>19/01/2023</a:t>
+              <a:t>20/01/2023</a:t>
             </a:fld>
             <a:endParaRPr lang="en-GB" altLang="en-US" dirty="0"/>
           </a:p>
@@ -3791,7 +3792,7 @@
               <a:pPr>
                 <a:defRPr/>
               </a:pPr>
-              <a:t>19/01/2023</a:t>
+              <a:t>20/01/2023</a:t>
             </a:fld>
             <a:endParaRPr lang="en-GB" altLang="en-US" dirty="0"/>
           </a:p>
@@ -7653,8 +7654,8 @@
             <a:chExt cx="987480" cy="1462320"/>
           </a:xfrm>
         </p:grpSpPr>
-        <mc:AlternateContent xmlns:mc="http://schemas.openxmlformats.org/markup-compatibility/2006">
-          <mc:Choice xmlns:p14="http://schemas.microsoft.com/office/powerpoint/2010/main" Requires="p14">
+        <mc:AlternateContent xmlns:mc="http://schemas.openxmlformats.org/markup-compatibility/2006" xmlns:p14="http://schemas.microsoft.com/office/powerpoint/2010/main">
+          <mc:Choice Requires="p14">
             <p:contentPart p14:bwMode="auto" r:id="rId3">
               <p14:nvContentPartPr>
                 <p14:cNvPr id="6" name="Ink 5">
@@ -7673,7 +7674,7 @@
               </p14:xfrm>
             </p:contentPart>
           </mc:Choice>
-          <mc:Fallback>
+          <mc:Fallback xmlns="">
             <p:pic>
               <p:nvPicPr>
                 <p:cNvPr id="6" name="Ink 5">
@@ -7704,8 +7705,8 @@
             </p:pic>
           </mc:Fallback>
         </mc:AlternateContent>
-        <mc:AlternateContent xmlns:mc="http://schemas.openxmlformats.org/markup-compatibility/2006">
-          <mc:Choice xmlns:p14="http://schemas.microsoft.com/office/powerpoint/2010/main" Requires="p14">
+        <mc:AlternateContent xmlns:mc="http://schemas.openxmlformats.org/markup-compatibility/2006" xmlns:p14="http://schemas.microsoft.com/office/powerpoint/2010/main">
+          <mc:Choice Requires="p14">
             <p:contentPart p14:bwMode="auto" r:id="rId5">
               <p14:nvContentPartPr>
                 <p14:cNvPr id="7" name="Ink 6">
@@ -7724,7 +7725,7 @@
               </p14:xfrm>
             </p:contentPart>
           </mc:Choice>
-          <mc:Fallback>
+          <mc:Fallback xmlns="">
             <p:pic>
               <p:nvPicPr>
                 <p:cNvPr id="7" name="Ink 6">
@@ -7776,8 +7777,8 @@
             <a:chExt cx="371160" cy="97560"/>
           </a:xfrm>
         </p:grpSpPr>
-        <mc:AlternateContent xmlns:mc="http://schemas.openxmlformats.org/markup-compatibility/2006">
-          <mc:Choice xmlns:p14="http://schemas.microsoft.com/office/powerpoint/2010/main" Requires="p14">
+        <mc:AlternateContent xmlns:mc="http://schemas.openxmlformats.org/markup-compatibility/2006" xmlns:p14="http://schemas.microsoft.com/office/powerpoint/2010/main">
+          <mc:Choice Requires="p14">
             <p:contentPart p14:bwMode="auto" r:id="rId7">
               <p14:nvContentPartPr>
                 <p14:cNvPr id="9" name="Ink 8">
@@ -7796,7 +7797,7 @@
               </p14:xfrm>
             </p:contentPart>
           </mc:Choice>
-          <mc:Fallback>
+          <mc:Fallback xmlns="">
             <p:pic>
               <p:nvPicPr>
                 <p:cNvPr id="9" name="Ink 8">
@@ -7827,8 +7828,8 @@
             </p:pic>
           </mc:Fallback>
         </mc:AlternateContent>
-        <mc:AlternateContent xmlns:mc="http://schemas.openxmlformats.org/markup-compatibility/2006">
-          <mc:Choice xmlns:p14="http://schemas.microsoft.com/office/powerpoint/2010/main" Requires="p14">
+        <mc:AlternateContent xmlns:mc="http://schemas.openxmlformats.org/markup-compatibility/2006" xmlns:p14="http://schemas.microsoft.com/office/powerpoint/2010/main">
+          <mc:Choice Requires="p14">
             <p:contentPart p14:bwMode="auto" r:id="rId9">
               <p14:nvContentPartPr>
                 <p14:cNvPr id="10" name="Ink 9">
@@ -7847,7 +7848,7 @@
               </p14:xfrm>
             </p:contentPart>
           </mc:Choice>
-          <mc:Fallback>
+          <mc:Fallback xmlns="">
             <p:pic>
               <p:nvPicPr>
                 <p:cNvPr id="10" name="Ink 9">
@@ -7899,8 +7900,8 @@
             <a:chExt cx="307440" cy="87840"/>
           </a:xfrm>
         </p:grpSpPr>
-        <mc:AlternateContent xmlns:mc="http://schemas.openxmlformats.org/markup-compatibility/2006">
-          <mc:Choice xmlns:p14="http://schemas.microsoft.com/office/powerpoint/2010/main" Requires="p14">
+        <mc:AlternateContent xmlns:mc="http://schemas.openxmlformats.org/markup-compatibility/2006" xmlns:p14="http://schemas.microsoft.com/office/powerpoint/2010/main">
+          <mc:Choice Requires="p14">
             <p:contentPart p14:bwMode="auto" r:id="rId11">
               <p14:nvContentPartPr>
                 <p14:cNvPr id="12" name="Ink 11">
@@ -7919,7 +7920,7 @@
               </p14:xfrm>
             </p:contentPart>
           </mc:Choice>
-          <mc:Fallback>
+          <mc:Fallback xmlns="">
             <p:pic>
               <p:nvPicPr>
                 <p:cNvPr id="12" name="Ink 11">
@@ -7950,8 +7951,8 @@
             </p:pic>
           </mc:Fallback>
         </mc:AlternateContent>
-        <mc:AlternateContent xmlns:mc="http://schemas.openxmlformats.org/markup-compatibility/2006">
-          <mc:Choice xmlns:p14="http://schemas.microsoft.com/office/powerpoint/2010/main" Requires="p14">
+        <mc:AlternateContent xmlns:mc="http://schemas.openxmlformats.org/markup-compatibility/2006" xmlns:p14="http://schemas.microsoft.com/office/powerpoint/2010/main">
+          <mc:Choice Requires="p14">
             <p:contentPart p14:bwMode="auto" r:id="rId13">
               <p14:nvContentPartPr>
                 <p14:cNvPr id="13" name="Ink 12">
@@ -7970,7 +7971,7 @@
               </p14:xfrm>
             </p:contentPart>
           </mc:Choice>
-          <mc:Fallback>
+          <mc:Fallback xmlns="">
             <p:pic>
               <p:nvPicPr>
                 <p:cNvPr id="13" name="Ink 12">
@@ -8041,8 +8042,8 @@
           </a:prstGeom>
         </p:spPr>
       </p:pic>
-      <mc:AlternateContent xmlns:mc="http://schemas.openxmlformats.org/markup-compatibility/2006">
-        <mc:Choice xmlns:p14="http://schemas.microsoft.com/office/powerpoint/2010/main" Requires="p14">
+      <mc:AlternateContent xmlns:mc="http://schemas.openxmlformats.org/markup-compatibility/2006" xmlns:p14="http://schemas.microsoft.com/office/powerpoint/2010/main">
+        <mc:Choice Requires="p14">
           <p:contentPart p14:bwMode="auto" r:id="rId17">
             <p14:nvContentPartPr>
               <p14:cNvPr id="18" name="Ink 17">
@@ -8061,7 +8062,7 @@
             </p14:xfrm>
           </p:contentPart>
         </mc:Choice>
-        <mc:Fallback>
+        <mc:Fallback xmlns="">
           <p:pic>
             <p:nvPicPr>
               <p:cNvPr id="18" name="Ink 17">
@@ -8323,7 +8324,7 @@
           <p:cNvPr id="2" name="Title 1">
             <a:extLst>
               <a:ext uri="{FF2B5EF4-FFF2-40B4-BE49-F238E27FC236}">
-                <a16:creationId xmlns:a16="http://schemas.microsoft.com/office/drawing/2014/main" id="{6CF37E28-C5C2-3A5D-BAC4-0FE4D9958720}"/>
+                <a16:creationId xmlns:a16="http://schemas.microsoft.com/office/drawing/2014/main" id="{D62EF3F5-A2B0-0E71-3DBC-290C7F18CA01}"/>
               </a:ext>
             </a:extLst>
           </p:cNvPr>
@@ -8341,17 +8342,17 @@
           <a:p>
             <a:r>
               <a:rPr lang="en-GB" dirty="0"/>
-              <a:t>SVM with different kernels</a:t>
-            </a:r>
-          </a:p>
-        </p:txBody>
-      </p:sp>
-      <p:sp>
-        <p:nvSpPr>
-          <p:cNvPr id="4" name="Slide Number Placeholder 3">
-            <a:extLst>
-              <a:ext uri="{FF2B5EF4-FFF2-40B4-BE49-F238E27FC236}">
-                <a16:creationId xmlns:a16="http://schemas.microsoft.com/office/drawing/2014/main" id="{C4D0F89C-D3A9-4DDC-8C3E-9CDE848309EA}"/>
+              <a:t>Mathematical formulation* </a:t>
+            </a:r>
+          </a:p>
+        </p:txBody>
+      </p:sp>
+      <p:sp>
+        <p:nvSpPr>
+          <p:cNvPr id="3" name="Slide Number Placeholder 2">
+            <a:extLst>
+              <a:ext uri="{FF2B5EF4-FFF2-40B4-BE49-F238E27FC236}">
+                <a16:creationId xmlns:a16="http://schemas.microsoft.com/office/drawing/2014/main" id="{50A316FB-B401-8EF0-4985-7A97963FE3F7}"/>
               </a:ext>
             </a:extLst>
           </p:cNvPr>
@@ -8367,7 +8368,7 @@
           <a:bodyPr/>
           <a:lstStyle/>
           <a:p>
-            <a:fld id="{44E22EE9-B8A0-0641-9265-052CFE9B95A7}" type="slidenum">
+            <a:fld id="{BB98F552-A29D-2D4E-8192-F20670493719}" type="slidenum">
               <a:rPr lang="en-GB" altLang="en-US" smtClean="0"/>
               <a:pPr/>
               <a:t>20</a:t>
@@ -8376,12 +8377,68 @@
           </a:p>
         </p:txBody>
       </p:sp>
+      <p:sp>
+        <p:nvSpPr>
+          <p:cNvPr id="5" name="TextBox 4">
+            <a:extLst>
+              <a:ext uri="{FF2B5EF4-FFF2-40B4-BE49-F238E27FC236}">
+                <a16:creationId xmlns:a16="http://schemas.microsoft.com/office/drawing/2014/main" id="{861E7962-D784-983B-1687-794B053FA2B7}"/>
+              </a:ext>
+            </a:extLst>
+          </p:cNvPr>
+          <p:cNvSpPr txBox="1"/>
+          <p:nvPr/>
+        </p:nvSpPr>
+        <p:spPr>
+          <a:xfrm>
+            <a:off x="459770" y="5179626"/>
+            <a:ext cx="6030416" cy="276999"/>
+          </a:xfrm>
+          <a:prstGeom prst="rect">
+            <a:avLst/>
+          </a:prstGeom>
+          <a:noFill/>
+        </p:spPr>
+        <p:txBody>
+          <a:bodyPr wrap="square">
+            <a:spAutoFit/>
+          </a:bodyPr>
+          <a:lstStyle/>
+          <a:p>
+            <a:r>
+              <a:rPr lang="en-GB" sz="1200" b="1" dirty="0">
+                <a:solidFill>
+                  <a:srgbClr val="FF0000"/>
+                </a:solidFill>
+              </a:rPr>
+              <a:t>Source</a:t>
+            </a:r>
+            <a:r>
+              <a:rPr lang="en-GB" sz="1200" dirty="0"/>
+              <a:t>: https://scikit-</a:t>
+            </a:r>
+            <a:r>
+              <a:rPr lang="en-GB" sz="1200" dirty="0" err="1"/>
+              <a:t>learn.org</a:t>
+            </a:r>
+            <a:r>
+              <a:rPr lang="en-GB" sz="1200" dirty="0"/>
+              <a:t>/stable/modules/</a:t>
+            </a:r>
+            <a:r>
+              <a:rPr lang="en-GB" sz="1200" dirty="0" err="1"/>
+              <a:t>svm.html</a:t>
+            </a:r>
+            <a:endParaRPr lang="en-GB" sz="1200" dirty="0"/>
+          </a:p>
+        </p:txBody>
+      </p:sp>
       <p:pic>
         <p:nvPicPr>
-          <p:cNvPr id="5" name="Picture 3" descr="Screen Shot 2017-02-21 at 21.02.25.png">
-            <a:extLst>
-              <a:ext uri="{FF2B5EF4-FFF2-40B4-BE49-F238E27FC236}">
-                <a16:creationId xmlns:a16="http://schemas.microsoft.com/office/drawing/2014/main" id="{0C53E78D-2D63-84FC-8D43-ED6004E02E6F}"/>
+          <p:cNvPr id="7" name="Picture 6" descr="Chart, scatter chart&#10;&#10;Description automatically generated">
+            <a:extLst>
+              <a:ext uri="{FF2B5EF4-FFF2-40B4-BE49-F238E27FC236}">
+                <a16:creationId xmlns:a16="http://schemas.microsoft.com/office/drawing/2014/main" id="{F8DD320A-DF45-BA5C-15F6-6B3C42F9FAE8}"/>
               </a:ext>
             </a:extLst>
           </p:cNvPr>
@@ -8398,142 +8455,60 @@
               </a:ext>
             </a:extLst>
           </a:blip>
-          <a:srcRect/>
           <a:stretch>
             <a:fillRect/>
           </a:stretch>
         </p:blipFill>
-        <p:spPr bwMode="auto">
+        <p:spPr>
           <a:xfrm>
-            <a:off x="1619672" y="1262054"/>
-            <a:ext cx="5508600" cy="4056072"/>
+            <a:off x="1547664" y="768077"/>
+            <a:ext cx="4688795" cy="3039988"/>
           </a:xfrm>
           <a:prstGeom prst="rect">
             <a:avLst/>
           </a:prstGeom>
-          <a:noFill/>
-          <a:ln>
-            <a:noFill/>
-          </a:ln>
-          <a:extLst>
-            <a:ext uri="{909E8E84-426E-40DD-AFC4-6F175D3DCCD1}">
-              <a14:hiddenFill xmlns:a14="http://schemas.microsoft.com/office/drawing/2010/main">
-                <a:solidFill>
-                  <a:srgbClr val="FFFFFF"/>
-                </a:solidFill>
-              </a14:hiddenFill>
-            </a:ext>
-            <a:ext uri="{91240B29-F687-4F45-9708-019B960494DF}">
-              <a14:hiddenLine xmlns:a14="http://schemas.microsoft.com/office/drawing/2010/main" w="9525">
-                <a:solidFill>
-                  <a:srgbClr val="000000"/>
-                </a:solidFill>
-                <a:miter lim="800000"/>
-                <a:headEnd/>
-                <a:tailEnd/>
-              </a14:hiddenLine>
-            </a:ext>
-          </a:extLst>
         </p:spPr>
       </p:pic>
-      <p:sp>
-        <p:nvSpPr>
-          <p:cNvPr id="6" name="TextBox 5">
-            <a:extLst>
-              <a:ext uri="{FF2B5EF4-FFF2-40B4-BE49-F238E27FC236}">
-                <a16:creationId xmlns:a16="http://schemas.microsoft.com/office/drawing/2014/main" id="{F935F9DD-E627-F565-AE23-03157F7F89DC}"/>
-              </a:ext>
-            </a:extLst>
-          </p:cNvPr>
-          <p:cNvSpPr txBox="1"/>
+      <p:pic>
+        <p:nvPicPr>
+          <p:cNvPr id="9" name="Picture 8" descr="Logo&#10;&#10;Description automatically generated">
+            <a:extLst>
+              <a:ext uri="{FF2B5EF4-FFF2-40B4-BE49-F238E27FC236}">
+                <a16:creationId xmlns:a16="http://schemas.microsoft.com/office/drawing/2014/main" id="{2CA6C5C9-37A0-E0EE-0B25-7B37390CF55C}"/>
+              </a:ext>
+            </a:extLst>
+          </p:cNvPr>
+          <p:cNvPicPr>
+            <a:picLocks noChangeAspect="1"/>
+          </p:cNvPicPr>
           <p:nvPr/>
-        </p:nvSpPr>
+        </p:nvPicPr>
+        <p:blipFill>
+          <a:blip r:embed="rId3">
+            <a:extLst>
+              <a:ext uri="{28A0092B-C50C-407E-A947-70E740481C1C}">
+                <a14:useLocalDpi xmlns:a14="http://schemas.microsoft.com/office/drawing/2010/main" val="0"/>
+              </a:ext>
+            </a:extLst>
+          </a:blip>
+          <a:stretch>
+            <a:fillRect/>
+          </a:stretch>
+        </p:blipFill>
         <p:spPr>
           <a:xfrm>
-            <a:off x="450776" y="5324740"/>
-            <a:ext cx="6102424" cy="230832"/>
+            <a:off x="2339752" y="3808065"/>
+            <a:ext cx="2788146" cy="1067409"/>
           </a:xfrm>
           <a:prstGeom prst="rect">
             <a:avLst/>
           </a:prstGeom>
-          <a:noFill/>
         </p:spPr>
-        <p:txBody>
-          <a:bodyPr wrap="square">
-            <a:spAutoFit/>
-          </a:bodyPr>
-          <a:lstStyle/>
-          <a:p>
-            <a:r>
-              <a:rPr lang="en-GB" sz="900" dirty="0">
-                <a:latin typeface="Gill Sans MT" panose="020B0502020104020203" pitchFamily="34" charset="77"/>
-              </a:rPr>
-              <a:t>Source: https://</a:t>
-            </a:r>
-            <a:r>
-              <a:rPr lang="en-GB" sz="900" dirty="0" err="1">
-                <a:latin typeface="Gill Sans MT" panose="020B0502020104020203" pitchFamily="34" charset="77"/>
-              </a:rPr>
-              <a:t>vovkos.github.io</a:t>
-            </a:r>
-            <a:r>
-              <a:rPr lang="en-GB" sz="900" dirty="0">
-                <a:latin typeface="Gill Sans MT" panose="020B0502020104020203" pitchFamily="34" charset="77"/>
-              </a:rPr>
-              <a:t>/</a:t>
-            </a:r>
-            <a:r>
-              <a:rPr lang="en-GB" sz="900" dirty="0" err="1">
-                <a:latin typeface="Gill Sans MT" panose="020B0502020104020203" pitchFamily="34" charset="77"/>
-              </a:rPr>
-              <a:t>doxyrest</a:t>
-            </a:r>
-            <a:r>
-              <a:rPr lang="en-GB" sz="900" dirty="0">
-                <a:latin typeface="Gill Sans MT" panose="020B0502020104020203" pitchFamily="34" charset="77"/>
-              </a:rPr>
-              <a:t>-showcase/</a:t>
-            </a:r>
-            <a:r>
-              <a:rPr lang="en-GB" sz="900" dirty="0" err="1">
-                <a:latin typeface="Gill Sans MT" panose="020B0502020104020203" pitchFamily="34" charset="77"/>
-              </a:rPr>
-              <a:t>opencv</a:t>
-            </a:r>
-            <a:r>
-              <a:rPr lang="en-GB" sz="900" dirty="0">
-                <a:latin typeface="Gill Sans MT" panose="020B0502020104020203" pitchFamily="34" charset="77"/>
-              </a:rPr>
-              <a:t>/</a:t>
-            </a:r>
-            <a:r>
-              <a:rPr lang="en-GB" sz="900" dirty="0" err="1">
-                <a:latin typeface="Gill Sans MT" panose="020B0502020104020203" pitchFamily="34" charset="77"/>
-              </a:rPr>
-              <a:t>sphinx_rtd_theme</a:t>
-            </a:r>
-            <a:r>
-              <a:rPr lang="en-GB" sz="900" dirty="0">
-                <a:latin typeface="Gill Sans MT" panose="020B0502020104020203" pitchFamily="34" charset="77"/>
-              </a:rPr>
-              <a:t>/</a:t>
-            </a:r>
-            <a:r>
-              <a:rPr lang="en-GB" sz="900" dirty="0" err="1">
-                <a:latin typeface="Gill Sans MT" panose="020B0502020104020203" pitchFamily="34" charset="77"/>
-              </a:rPr>
-              <a:t>page_tutorial_introduction_to_svm.html</a:t>
-            </a:r>
-            <a:endParaRPr lang="en-GB" sz="900" dirty="0">
-              <a:latin typeface="Gill Sans MT" panose="020B0502020104020203" pitchFamily="34" charset="77"/>
-            </a:endParaRPr>
-          </a:p>
-        </p:txBody>
-      </p:sp>
+      </p:pic>
     </p:spTree>
     <p:extLst>
       <p:ext uri="{BB962C8B-B14F-4D97-AF65-F5344CB8AC3E}">
-        <p14:creationId xmlns:p14="http://schemas.microsoft.com/office/powerpoint/2010/main" val="4111933525"/>
+        <p14:creationId xmlns:p14="http://schemas.microsoft.com/office/powerpoint/2010/main" val="2538787645"/>
       </p:ext>
     </p:extLst>
   </p:cSld>
@@ -8565,7 +8540,7 @@
           <p:cNvPr id="2" name="Title 1">
             <a:extLst>
               <a:ext uri="{FF2B5EF4-FFF2-40B4-BE49-F238E27FC236}">
-                <a16:creationId xmlns:a16="http://schemas.microsoft.com/office/drawing/2014/main" id="{E8D6BCFE-1B44-72D1-0A06-2B93A63242A1}"/>
+                <a16:creationId xmlns:a16="http://schemas.microsoft.com/office/drawing/2014/main" id="{6CF37E28-C5C2-3A5D-BAC4-0FE4D9958720}"/>
               </a:ext>
             </a:extLst>
           </p:cNvPr>
@@ -8583,55 +8558,8 @@
           <a:p>
             <a:r>
               <a:rPr lang="en-GB" dirty="0"/>
-              <a:t>Decision Trees</a:t>
-            </a:r>
-          </a:p>
-        </p:txBody>
-      </p:sp>
-      <p:sp>
-        <p:nvSpPr>
-          <p:cNvPr id="3" name="Content Placeholder 2">
-            <a:extLst>
-              <a:ext uri="{FF2B5EF4-FFF2-40B4-BE49-F238E27FC236}">
-                <a16:creationId xmlns:a16="http://schemas.microsoft.com/office/drawing/2014/main" id="{A91C0F59-7092-9C07-472D-15A8D002F241}"/>
-              </a:ext>
-            </a:extLst>
-          </p:cNvPr>
-          <p:cNvSpPr>
-            <a:spLocks noGrp="1"/>
-          </p:cNvSpPr>
-          <p:nvPr>
-            <p:ph idx="1"/>
-          </p:nvPr>
-        </p:nvSpPr>
-        <p:spPr/>
-        <p:txBody>
-          <a:bodyPr/>
-          <a:lstStyle/>
-          <a:p>
-            <a:r>
-              <a:rPr lang="en-US" dirty="0"/>
-              <a:t>A decision tree model is an interpretable model in which the final output is based on a series of comparisons of the values of predictors against threshold values. </a:t>
-            </a:r>
-          </a:p>
-          <a:p>
-            <a:r>
-              <a:rPr lang="en-US" dirty="0"/>
-              <a:t>DTs are made up of nodes, branches, and leaves.</a:t>
-            </a:r>
-          </a:p>
-          <a:p>
-            <a:r>
-              <a:rPr lang="en-US" dirty="0"/>
-              <a:t>Each node represents a feature, each branch a choice, and each leaf an outcome. </a:t>
-            </a:r>
-          </a:p>
-          <a:p>
-            <a:r>
-              <a:rPr lang="en-US" dirty="0"/>
-              <a:t>DTs take a top-down approach to data, attempting to group and classify observations that are similar amongst them and searching for the optimal criteria to partition the observations that are dissimilar until they reach a particular level of similarity.</a:t>
-            </a:r>
-            <a:endParaRPr lang="en-GB" dirty="0"/>
+              <a:t>SVM with different kernels</a:t>
+            </a:r>
           </a:p>
         </p:txBody>
       </p:sp>
@@ -8640,7 +8568,7 @@
           <p:cNvPr id="4" name="Slide Number Placeholder 3">
             <a:extLst>
               <a:ext uri="{FF2B5EF4-FFF2-40B4-BE49-F238E27FC236}">
-                <a16:creationId xmlns:a16="http://schemas.microsoft.com/office/drawing/2014/main" id="{4F953275-6596-419B-25C7-5C0D3A118C53}"/>
+                <a16:creationId xmlns:a16="http://schemas.microsoft.com/office/drawing/2014/main" id="{C4D0F89C-D3A9-4DDC-8C3E-9CDE848309EA}"/>
               </a:ext>
             </a:extLst>
           </p:cNvPr>
@@ -8665,10 +8593,164 @@
           </a:p>
         </p:txBody>
       </p:sp>
+      <p:pic>
+        <p:nvPicPr>
+          <p:cNvPr id="5" name="Picture 3" descr="Screen Shot 2017-02-21 at 21.02.25.png">
+            <a:extLst>
+              <a:ext uri="{FF2B5EF4-FFF2-40B4-BE49-F238E27FC236}">
+                <a16:creationId xmlns:a16="http://schemas.microsoft.com/office/drawing/2014/main" id="{0C53E78D-2D63-84FC-8D43-ED6004E02E6F}"/>
+              </a:ext>
+            </a:extLst>
+          </p:cNvPr>
+          <p:cNvPicPr>
+            <a:picLocks noChangeAspect="1"/>
+          </p:cNvPicPr>
+          <p:nvPr/>
+        </p:nvPicPr>
+        <p:blipFill>
+          <a:blip r:embed="rId2">
+            <a:extLst>
+              <a:ext uri="{28A0092B-C50C-407E-A947-70E740481C1C}">
+                <a14:useLocalDpi xmlns:a14="http://schemas.microsoft.com/office/drawing/2010/main" val="0"/>
+              </a:ext>
+            </a:extLst>
+          </a:blip>
+          <a:srcRect/>
+          <a:stretch>
+            <a:fillRect/>
+          </a:stretch>
+        </p:blipFill>
+        <p:spPr bwMode="auto">
+          <a:xfrm>
+            <a:off x="1619672" y="1262054"/>
+            <a:ext cx="5508600" cy="4056072"/>
+          </a:xfrm>
+          <a:prstGeom prst="rect">
+            <a:avLst/>
+          </a:prstGeom>
+          <a:noFill/>
+          <a:ln>
+            <a:noFill/>
+          </a:ln>
+          <a:extLst>
+            <a:ext uri="{909E8E84-426E-40DD-AFC4-6F175D3DCCD1}">
+              <a14:hiddenFill xmlns:a14="http://schemas.microsoft.com/office/drawing/2010/main">
+                <a:solidFill>
+                  <a:srgbClr val="FFFFFF"/>
+                </a:solidFill>
+              </a14:hiddenFill>
+            </a:ext>
+            <a:ext uri="{91240B29-F687-4F45-9708-019B960494DF}">
+              <a14:hiddenLine xmlns:a14="http://schemas.microsoft.com/office/drawing/2010/main" w="9525">
+                <a:solidFill>
+                  <a:srgbClr val="000000"/>
+                </a:solidFill>
+                <a:miter lim="800000"/>
+                <a:headEnd/>
+                <a:tailEnd/>
+              </a14:hiddenLine>
+            </a:ext>
+          </a:extLst>
+        </p:spPr>
+      </p:pic>
+      <p:sp>
+        <p:nvSpPr>
+          <p:cNvPr id="6" name="TextBox 5">
+            <a:extLst>
+              <a:ext uri="{FF2B5EF4-FFF2-40B4-BE49-F238E27FC236}">
+                <a16:creationId xmlns:a16="http://schemas.microsoft.com/office/drawing/2014/main" id="{F935F9DD-E627-F565-AE23-03157F7F89DC}"/>
+              </a:ext>
+            </a:extLst>
+          </p:cNvPr>
+          <p:cNvSpPr txBox="1"/>
+          <p:nvPr/>
+        </p:nvSpPr>
+        <p:spPr>
+          <a:xfrm>
+            <a:off x="450776" y="5324740"/>
+            <a:ext cx="6102424" cy="230832"/>
+          </a:xfrm>
+          <a:prstGeom prst="rect">
+            <a:avLst/>
+          </a:prstGeom>
+          <a:noFill/>
+        </p:spPr>
+        <p:txBody>
+          <a:bodyPr wrap="square">
+            <a:spAutoFit/>
+          </a:bodyPr>
+          <a:lstStyle/>
+          <a:p>
+            <a:r>
+              <a:rPr lang="en-GB" sz="900" dirty="0">
+                <a:latin typeface="Gill Sans MT" panose="020B0502020104020203" pitchFamily="34" charset="77"/>
+              </a:rPr>
+              <a:t>Source: https://</a:t>
+            </a:r>
+            <a:r>
+              <a:rPr lang="en-GB" sz="900" dirty="0" err="1">
+                <a:latin typeface="Gill Sans MT" panose="020B0502020104020203" pitchFamily="34" charset="77"/>
+              </a:rPr>
+              <a:t>vovkos.github.io</a:t>
+            </a:r>
+            <a:r>
+              <a:rPr lang="en-GB" sz="900" dirty="0">
+                <a:latin typeface="Gill Sans MT" panose="020B0502020104020203" pitchFamily="34" charset="77"/>
+              </a:rPr>
+              <a:t>/</a:t>
+            </a:r>
+            <a:r>
+              <a:rPr lang="en-GB" sz="900" dirty="0" err="1">
+                <a:latin typeface="Gill Sans MT" panose="020B0502020104020203" pitchFamily="34" charset="77"/>
+              </a:rPr>
+              <a:t>doxyrest</a:t>
+            </a:r>
+            <a:r>
+              <a:rPr lang="en-GB" sz="900" dirty="0">
+                <a:latin typeface="Gill Sans MT" panose="020B0502020104020203" pitchFamily="34" charset="77"/>
+              </a:rPr>
+              <a:t>-showcase/</a:t>
+            </a:r>
+            <a:r>
+              <a:rPr lang="en-GB" sz="900" dirty="0" err="1">
+                <a:latin typeface="Gill Sans MT" panose="020B0502020104020203" pitchFamily="34" charset="77"/>
+              </a:rPr>
+              <a:t>opencv</a:t>
+            </a:r>
+            <a:r>
+              <a:rPr lang="en-GB" sz="900" dirty="0">
+                <a:latin typeface="Gill Sans MT" panose="020B0502020104020203" pitchFamily="34" charset="77"/>
+              </a:rPr>
+              <a:t>/</a:t>
+            </a:r>
+            <a:r>
+              <a:rPr lang="en-GB" sz="900" dirty="0" err="1">
+                <a:latin typeface="Gill Sans MT" panose="020B0502020104020203" pitchFamily="34" charset="77"/>
+              </a:rPr>
+              <a:t>sphinx_rtd_theme</a:t>
+            </a:r>
+            <a:r>
+              <a:rPr lang="en-GB" sz="900" dirty="0">
+                <a:latin typeface="Gill Sans MT" panose="020B0502020104020203" pitchFamily="34" charset="77"/>
+              </a:rPr>
+              <a:t>/</a:t>
+            </a:r>
+            <a:r>
+              <a:rPr lang="en-GB" sz="900" dirty="0" err="1">
+                <a:latin typeface="Gill Sans MT" panose="020B0502020104020203" pitchFamily="34" charset="77"/>
+              </a:rPr>
+              <a:t>page_tutorial_introduction_to_svm.html</a:t>
+            </a:r>
+            <a:endParaRPr lang="en-GB" sz="900" dirty="0">
+              <a:latin typeface="Gill Sans MT" panose="020B0502020104020203" pitchFamily="34" charset="77"/>
+            </a:endParaRPr>
+          </a:p>
+        </p:txBody>
+      </p:sp>
     </p:spTree>
     <p:extLst>
       <p:ext uri="{BB962C8B-B14F-4D97-AF65-F5344CB8AC3E}">
-        <p14:creationId xmlns:p14="http://schemas.microsoft.com/office/powerpoint/2010/main" val="3350196274"/>
+        <p14:creationId xmlns:p14="http://schemas.microsoft.com/office/powerpoint/2010/main" val="4111933525"/>
       </p:ext>
     </p:extLst>
   </p:cSld>
@@ -8718,8 +8800,55 @@
           <a:p>
             <a:r>
               <a:rPr lang="en-GB" dirty="0"/>
-              <a:t>Decision Trees - Example</a:t>
-            </a:r>
+              <a:t>Decision Trees</a:t>
+            </a:r>
+          </a:p>
+        </p:txBody>
+      </p:sp>
+      <p:sp>
+        <p:nvSpPr>
+          <p:cNvPr id="3" name="Content Placeholder 2">
+            <a:extLst>
+              <a:ext uri="{FF2B5EF4-FFF2-40B4-BE49-F238E27FC236}">
+                <a16:creationId xmlns:a16="http://schemas.microsoft.com/office/drawing/2014/main" id="{A91C0F59-7092-9C07-472D-15A8D002F241}"/>
+              </a:ext>
+            </a:extLst>
+          </p:cNvPr>
+          <p:cNvSpPr>
+            <a:spLocks noGrp="1"/>
+          </p:cNvSpPr>
+          <p:nvPr>
+            <p:ph idx="1"/>
+          </p:nvPr>
+        </p:nvSpPr>
+        <p:spPr/>
+        <p:txBody>
+          <a:bodyPr/>
+          <a:lstStyle/>
+          <a:p>
+            <a:r>
+              <a:rPr lang="en-US" dirty="0"/>
+              <a:t>A decision tree model is an interpretable model in which the final output is based on a series of comparisons of the values of predictors against threshold values. </a:t>
+            </a:r>
+          </a:p>
+          <a:p>
+            <a:r>
+              <a:rPr lang="en-US" dirty="0"/>
+              <a:t>DTs are made up of nodes, branches, and leaves.</a:t>
+            </a:r>
+          </a:p>
+          <a:p>
+            <a:r>
+              <a:rPr lang="en-US" dirty="0"/>
+              <a:t>Each node represents a feature, each branch a choice, and each leaf an outcome. </a:t>
+            </a:r>
+          </a:p>
+          <a:p>
+            <a:r>
+              <a:rPr lang="en-US" dirty="0"/>
+              <a:t>DTs take a top-down approach to data, attempting to group and classify observations that are similar amongst them and searching for the optimal criteria to partition the observations that are dissimilar until they reach a particular level of similarity.</a:t>
+            </a:r>
+            <a:endParaRPr lang="en-GB" dirty="0"/>
           </a:p>
         </p:txBody>
       </p:sp>
@@ -8753,94 +8882,10 @@
           </a:p>
         </p:txBody>
       </p:sp>
-      <p:pic>
-        <p:nvPicPr>
-          <p:cNvPr id="1026" name="Picture 2" descr="Simple Explanation on How Decision Tree Algorithm Makes Decisions –  Regenerative">
-            <a:extLst>
-              <a:ext uri="{FF2B5EF4-FFF2-40B4-BE49-F238E27FC236}">
-                <a16:creationId xmlns:a16="http://schemas.microsoft.com/office/drawing/2014/main" id="{41EFA233-A8B8-35FE-4470-BADF5C0FF544}"/>
-              </a:ext>
-            </a:extLst>
-          </p:cNvPr>
-          <p:cNvPicPr>
-            <a:picLocks noChangeAspect="1" noChangeArrowheads="1"/>
-          </p:cNvPicPr>
-          <p:nvPr/>
-        </p:nvPicPr>
-        <p:blipFill>
-          <a:blip r:embed="rId2">
-            <a:extLst>
-              <a:ext uri="{28A0092B-C50C-407E-A947-70E740481C1C}">
-                <a14:useLocalDpi xmlns:a14="http://schemas.microsoft.com/office/drawing/2010/main" val="0"/>
-              </a:ext>
-            </a:extLst>
-          </a:blip>
-          <a:srcRect/>
-          <a:stretch>
-            <a:fillRect/>
-          </a:stretch>
-        </p:blipFill>
-        <p:spPr bwMode="auto">
-          <a:xfrm>
-            <a:off x="971600" y="1107882"/>
-            <a:ext cx="7200800" cy="3972940"/>
-          </a:xfrm>
-          <a:prstGeom prst="rect">
-            <a:avLst/>
-          </a:prstGeom>
-          <a:noFill/>
-          <a:extLst>
-            <a:ext uri="{909E8E84-426E-40DD-AFC4-6F175D3DCCD1}">
-              <a14:hiddenFill xmlns:a14="http://schemas.microsoft.com/office/drawing/2010/main">
-                <a:solidFill>
-                  <a:srgbClr val="FFFFFF"/>
-                </a:solidFill>
-              </a14:hiddenFill>
-            </a:ext>
-          </a:extLst>
-        </p:spPr>
-      </p:pic>
-      <p:sp>
-        <p:nvSpPr>
-          <p:cNvPr id="6" name="TextBox 5">
-            <a:extLst>
-              <a:ext uri="{FF2B5EF4-FFF2-40B4-BE49-F238E27FC236}">
-                <a16:creationId xmlns:a16="http://schemas.microsoft.com/office/drawing/2014/main" id="{BDF7B102-9A6D-1666-ADD4-231F6BA6B50C}"/>
-              </a:ext>
-            </a:extLst>
-          </p:cNvPr>
-          <p:cNvSpPr txBox="1"/>
-          <p:nvPr/>
-        </p:nvSpPr>
-        <p:spPr>
-          <a:xfrm>
-            <a:off x="450776" y="5324740"/>
-            <a:ext cx="6102424" cy="230832"/>
-          </a:xfrm>
-          <a:prstGeom prst="rect">
-            <a:avLst/>
-          </a:prstGeom>
-          <a:noFill/>
-        </p:spPr>
-        <p:txBody>
-          <a:bodyPr wrap="square">
-            <a:spAutoFit/>
-          </a:bodyPr>
-          <a:lstStyle/>
-          <a:p>
-            <a:r>
-              <a:rPr lang="en-GB" sz="900" dirty="0">
-                <a:latin typeface="Gill Sans MT" panose="020B0502020104020203" pitchFamily="34" charset="77"/>
-              </a:rPr>
-              <a:t>Source: https://regenerativetoday.com/simple-explanation-on-how-decision-tree-algorithm-makes-decisions/</a:t>
-            </a:r>
-          </a:p>
-        </p:txBody>
-      </p:sp>
     </p:spTree>
     <p:extLst>
       <p:ext uri="{BB962C8B-B14F-4D97-AF65-F5344CB8AC3E}">
-        <p14:creationId xmlns:p14="http://schemas.microsoft.com/office/powerpoint/2010/main" val="238091840"/>
+        <p14:creationId xmlns:p14="http://schemas.microsoft.com/office/powerpoint/2010/main" val="3350196274"/>
       </p:ext>
     </p:extLst>
   </p:cSld>
@@ -8872,7 +8917,7 @@
           <p:cNvPr id="2" name="Title 1">
             <a:extLst>
               <a:ext uri="{FF2B5EF4-FFF2-40B4-BE49-F238E27FC236}">
-                <a16:creationId xmlns:a16="http://schemas.microsoft.com/office/drawing/2014/main" id="{FABE58DF-ED5B-F52A-4D9E-A8AD54EBD659}"/>
+                <a16:creationId xmlns:a16="http://schemas.microsoft.com/office/drawing/2014/main" id="{E8D6BCFE-1B44-72D1-0A06-2B93A63242A1}"/>
               </a:ext>
             </a:extLst>
           </p:cNvPr>
@@ -8890,17 +8935,17 @@
           <a:p>
             <a:r>
               <a:rPr lang="en-GB" dirty="0"/>
-              <a:t>Decision Making Using DTs </a:t>
-            </a:r>
-          </a:p>
-        </p:txBody>
-      </p:sp>
-      <p:sp>
-        <p:nvSpPr>
-          <p:cNvPr id="3" name="Slide Number Placeholder 2">
-            <a:extLst>
-              <a:ext uri="{FF2B5EF4-FFF2-40B4-BE49-F238E27FC236}">
-                <a16:creationId xmlns:a16="http://schemas.microsoft.com/office/drawing/2014/main" id="{88F24773-C2BE-F2CF-4BB3-7994697BE3B7}"/>
+              <a:t>Decision Trees - Example</a:t>
+            </a:r>
+          </a:p>
+        </p:txBody>
+      </p:sp>
+      <p:sp>
+        <p:nvSpPr>
+          <p:cNvPr id="4" name="Slide Number Placeholder 3">
+            <a:extLst>
+              <a:ext uri="{FF2B5EF4-FFF2-40B4-BE49-F238E27FC236}">
+                <a16:creationId xmlns:a16="http://schemas.microsoft.com/office/drawing/2014/main" id="{4F953275-6596-419B-25C7-5C0D3A118C53}"/>
               </a:ext>
             </a:extLst>
           </p:cNvPr>
@@ -8916,7 +8961,7 @@
           <a:bodyPr/>
           <a:lstStyle/>
           <a:p>
-            <a:fld id="{BB98F552-A29D-2D4E-8192-F20670493719}" type="slidenum">
+            <a:fld id="{44E22EE9-B8A0-0641-9265-052CFE9B95A7}" type="slidenum">
               <a:rPr lang="en-GB" altLang="en-US" smtClean="0"/>
               <a:pPr/>
               <a:t>23</a:t>
@@ -8927,10 +8972,10 @@
       </p:sp>
       <p:pic>
         <p:nvPicPr>
-          <p:cNvPr id="1026" name="Picture 2" descr="figure 1">
-            <a:extLst>
-              <a:ext uri="{FF2B5EF4-FFF2-40B4-BE49-F238E27FC236}">
-                <a16:creationId xmlns:a16="http://schemas.microsoft.com/office/drawing/2014/main" id="{BBE566FA-3F32-8D42-5FB3-94E4596937C0}"/>
+          <p:cNvPr id="1026" name="Picture 2" descr="Simple Explanation on How Decision Tree Algorithm Makes Decisions –  Regenerative">
+            <a:extLst>
+              <a:ext uri="{FF2B5EF4-FFF2-40B4-BE49-F238E27FC236}">
+                <a16:creationId xmlns:a16="http://schemas.microsoft.com/office/drawing/2014/main" id="{41EFA233-A8B8-35FE-4470-BADF5C0FF544}"/>
               </a:ext>
             </a:extLst>
           </p:cNvPr>
@@ -8939,7 +8984,7 @@
           </p:cNvPicPr>
           <p:nvPr/>
         </p:nvPicPr>
-        <p:blipFill rotWithShape="1">
+        <p:blipFill>
           <a:blip r:embed="rId2">
             <a:extLst>
               <a:ext uri="{28A0092B-C50C-407E-A947-70E740481C1C}">
@@ -8947,13 +8992,15 @@
               </a:ext>
             </a:extLst>
           </a:blip>
-          <a:srcRect l="16982" b="52121"/>
-          <a:stretch/>
+          <a:srcRect/>
+          <a:stretch>
+            <a:fillRect/>
+          </a:stretch>
         </p:blipFill>
         <p:spPr bwMode="auto">
           <a:xfrm>
-            <a:off x="0" y="2065412"/>
-            <a:ext cx="4397895" cy="2736304"/>
+            <a:off x="971600" y="1107882"/>
+            <a:ext cx="7200800" cy="3972940"/>
           </a:xfrm>
           <a:prstGeom prst="rect">
             <a:avLst/>
@@ -8970,57 +9017,12 @@
           </a:extLst>
         </p:spPr>
       </p:pic>
-      <p:pic>
-        <p:nvPicPr>
-          <p:cNvPr id="4" name="Picture 2" descr="figure 1">
-            <a:extLst>
-              <a:ext uri="{FF2B5EF4-FFF2-40B4-BE49-F238E27FC236}">
-                <a16:creationId xmlns:a16="http://schemas.microsoft.com/office/drawing/2014/main" id="{60546C0F-7B9B-7B96-4114-BE63E8E27F43}"/>
-              </a:ext>
-            </a:extLst>
-          </p:cNvPr>
-          <p:cNvPicPr>
-            <a:picLocks noChangeAspect="1" noChangeArrowheads="1"/>
-          </p:cNvPicPr>
-          <p:nvPr/>
-        </p:nvPicPr>
-        <p:blipFill rotWithShape="1">
-          <a:blip r:embed="rId2">
-            <a:extLst>
-              <a:ext uri="{28A0092B-C50C-407E-A947-70E740481C1C}">
-                <a14:useLocalDpi xmlns:a14="http://schemas.microsoft.com/office/drawing/2010/main" val="0"/>
-              </a:ext>
-            </a:extLst>
-          </a:blip>
-          <a:srcRect l="10967" t="50232"/>
-          <a:stretch/>
-        </p:blipFill>
-        <p:spPr bwMode="auto">
-          <a:xfrm>
-            <a:off x="4194935" y="1701953"/>
-            <a:ext cx="4716530" cy="2844230"/>
-          </a:xfrm>
-          <a:prstGeom prst="rect">
-            <a:avLst/>
-          </a:prstGeom>
-          <a:noFill/>
-          <a:extLst>
-            <a:ext uri="{909E8E84-426E-40DD-AFC4-6F175D3DCCD1}">
-              <a14:hiddenFill xmlns:a14="http://schemas.microsoft.com/office/drawing/2010/main">
-                <a:solidFill>
-                  <a:srgbClr val="FFFFFF"/>
-                </a:solidFill>
-              </a14:hiddenFill>
-            </a:ext>
-          </a:extLst>
-        </p:spPr>
-      </p:pic>
       <p:sp>
         <p:nvSpPr>
           <p:cNvPr id="6" name="TextBox 5">
             <a:extLst>
               <a:ext uri="{FF2B5EF4-FFF2-40B4-BE49-F238E27FC236}">
-                <a16:creationId xmlns:a16="http://schemas.microsoft.com/office/drawing/2014/main" id="{B6F27C18-BD8E-D2A3-9F49-831BB46DC0A7}"/>
+                <a16:creationId xmlns:a16="http://schemas.microsoft.com/office/drawing/2014/main" id="{BDF7B102-9A6D-1666-ADD4-231F6BA6B50C}"/>
               </a:ext>
             </a:extLst>
           </p:cNvPr>
@@ -9029,8 +9031,8 @@
         </p:nvSpPr>
         <p:spPr>
           <a:xfrm>
-            <a:off x="329443" y="5204327"/>
-            <a:ext cx="8136904" cy="369332"/>
+            <a:off x="450776" y="5324740"/>
+            <a:ext cx="6102424" cy="230832"/>
           </a:xfrm>
           <a:prstGeom prst="rect">
             <a:avLst/>
@@ -9044,125 +9046,18 @@
           <a:lstStyle/>
           <a:p>
             <a:r>
-              <a:rPr lang="en-GB" sz="900" b="0" i="0" u="none" strike="noStrike" dirty="0">
-                <a:solidFill>
-                  <a:srgbClr val="222222"/>
-                </a:solidFill>
-                <a:effectLst/>
-                <a:latin typeface="Gill Sans MT" panose="020B0502020104020203" pitchFamily="34" charset="77"/>
-              </a:rPr>
-              <a:t>Source: Valdes, G., Luna, J., Eaton, E. </a:t>
-            </a:r>
-            <a:r>
-              <a:rPr lang="en-GB" sz="900" b="0" i="1" u="none" strike="noStrike" dirty="0">
-                <a:solidFill>
-                  <a:srgbClr val="222222"/>
-                </a:solidFill>
-                <a:effectLst/>
-                <a:latin typeface="Gill Sans MT" panose="020B0502020104020203" pitchFamily="34" charset="77"/>
-              </a:rPr>
-              <a:t>et al.</a:t>
-            </a:r>
-            <a:r>
-              <a:rPr lang="en-GB" sz="900" b="0" i="0" u="none" strike="noStrike" dirty="0">
-                <a:solidFill>
-                  <a:srgbClr val="222222"/>
-                </a:solidFill>
-                <a:effectLst/>
-                <a:latin typeface="Gill Sans MT" panose="020B0502020104020203" pitchFamily="34" charset="77"/>
-              </a:rPr>
-              <a:t> </a:t>
-            </a:r>
-            <a:r>
-              <a:rPr lang="en-GB" sz="900" b="0" i="0" u="none" strike="noStrike" dirty="0" err="1">
-                <a:solidFill>
-                  <a:srgbClr val="222222"/>
-                </a:solidFill>
-                <a:effectLst/>
-                <a:latin typeface="Gill Sans MT" panose="020B0502020104020203" pitchFamily="34" charset="77"/>
-              </a:rPr>
-              <a:t>MediBoost</a:t>
-            </a:r>
-            <a:r>
-              <a:rPr lang="en-GB" sz="900" b="0" i="0" u="none" strike="noStrike" dirty="0">
-                <a:solidFill>
-                  <a:srgbClr val="222222"/>
-                </a:solidFill>
-                <a:effectLst/>
-                <a:latin typeface="Gill Sans MT" panose="020B0502020104020203" pitchFamily="34" charset="77"/>
-              </a:rPr>
-              <a:t>: a Patient Stratification Tool for Interpretable Decision Making in the Era of Precision Medicine. </a:t>
-            </a:r>
-            <a:r>
-              <a:rPr lang="en-GB" sz="900" b="0" i="1" u="none" strike="noStrike" dirty="0">
-                <a:solidFill>
-                  <a:srgbClr val="222222"/>
-                </a:solidFill>
-                <a:effectLst/>
-                <a:latin typeface="Gill Sans MT" panose="020B0502020104020203" pitchFamily="34" charset="77"/>
-              </a:rPr>
-              <a:t>Sci Rep</a:t>
-            </a:r>
-            <a:r>
-              <a:rPr lang="en-GB" sz="900" b="0" i="0" u="none" strike="noStrike" dirty="0">
-                <a:solidFill>
-                  <a:srgbClr val="222222"/>
-                </a:solidFill>
-                <a:effectLst/>
-                <a:latin typeface="Gill Sans MT" panose="020B0502020104020203" pitchFamily="34" charset="77"/>
-              </a:rPr>
-              <a:t> </a:t>
-            </a:r>
-            <a:r>
-              <a:rPr lang="en-GB" sz="900" i="0" u="none" strike="noStrike" dirty="0">
-                <a:solidFill>
-                  <a:srgbClr val="222222"/>
-                </a:solidFill>
-                <a:effectLst/>
-                <a:latin typeface="Gill Sans MT" panose="020B0502020104020203" pitchFamily="34" charset="77"/>
-              </a:rPr>
-              <a:t>6,</a:t>
-            </a:r>
-            <a:r>
-              <a:rPr lang="en-GB" sz="900" b="0" i="0" u="none" strike="noStrike" dirty="0">
-                <a:solidFill>
-                  <a:srgbClr val="222222"/>
-                </a:solidFill>
-                <a:effectLst/>
-                <a:latin typeface="Gill Sans MT" panose="020B0502020104020203" pitchFamily="34" charset="77"/>
-              </a:rPr>
-              <a:t> 37854 (2016). https://</a:t>
-            </a:r>
-            <a:r>
-              <a:rPr lang="en-GB" sz="900" b="0" i="0" u="none" strike="noStrike" dirty="0" err="1">
-                <a:solidFill>
-                  <a:srgbClr val="222222"/>
-                </a:solidFill>
-                <a:effectLst/>
-                <a:latin typeface="Gill Sans MT" panose="020B0502020104020203" pitchFamily="34" charset="77"/>
-              </a:rPr>
-              <a:t>doi.org</a:t>
-            </a:r>
-            <a:r>
-              <a:rPr lang="en-GB" sz="900" b="0" i="0" u="none" strike="noStrike" dirty="0">
-                <a:solidFill>
-                  <a:srgbClr val="222222"/>
-                </a:solidFill>
-                <a:effectLst/>
-                <a:latin typeface="Gill Sans MT" panose="020B0502020104020203" pitchFamily="34" charset="77"/>
-              </a:rPr>
-              <a:t>/10.1038/srep37854</a:t>
-            </a:r>
-            <a:endParaRPr lang="en-GB" sz="900" dirty="0">
-              <a:latin typeface="Gill Sans MT" panose="020B0502020104020203" pitchFamily="34" charset="77"/>
-            </a:endParaRPr>
+              <a:rPr lang="en-GB" sz="900" dirty="0">
+                <a:latin typeface="Gill Sans MT" panose="020B0502020104020203" pitchFamily="34" charset="77"/>
+              </a:rPr>
+              <a:t>Source: https://regenerativetoday.com/simple-explanation-on-how-decision-tree-algorithm-makes-decisions/</a:t>
+            </a:r>
           </a:p>
         </p:txBody>
       </p:sp>
     </p:spTree>
     <p:extLst>
       <p:ext uri="{BB962C8B-B14F-4D97-AF65-F5344CB8AC3E}">
-        <p14:creationId xmlns:p14="http://schemas.microsoft.com/office/powerpoint/2010/main" val="931014563"/>
+        <p14:creationId xmlns:p14="http://schemas.microsoft.com/office/powerpoint/2010/main" val="238091840"/>
       </p:ext>
     </p:extLst>
   </p:cSld>
@@ -9194,7 +9089,7 @@
           <p:cNvPr id="2" name="Title 1">
             <a:extLst>
               <a:ext uri="{FF2B5EF4-FFF2-40B4-BE49-F238E27FC236}">
-                <a16:creationId xmlns:a16="http://schemas.microsoft.com/office/drawing/2014/main" id="{4F4D25BE-F22B-7FCE-CC18-BC0A2EC69119}"/>
+                <a16:creationId xmlns:a16="http://schemas.microsoft.com/office/drawing/2014/main" id="{FABE58DF-ED5B-F52A-4D9E-A8AD54EBD659}"/>
               </a:ext>
             </a:extLst>
           </p:cNvPr>
@@ -9212,7 +9107,7 @@
           <a:p>
             <a:r>
               <a:rPr lang="en-GB" dirty="0"/>
-              <a:t>DTs in Clinical Applications </a:t>
+              <a:t>Decision Making Using DTs </a:t>
             </a:r>
           </a:p>
         </p:txBody>
@@ -9222,7 +9117,7 @@
           <p:cNvPr id="3" name="Slide Number Placeholder 2">
             <a:extLst>
               <a:ext uri="{FF2B5EF4-FFF2-40B4-BE49-F238E27FC236}">
-                <a16:creationId xmlns:a16="http://schemas.microsoft.com/office/drawing/2014/main" id="{7BFAAD43-80A5-78D9-B883-A37220EAD54C}"/>
+                <a16:creationId xmlns:a16="http://schemas.microsoft.com/office/drawing/2014/main" id="{88F24773-C2BE-F2CF-4BB3-7994697BE3B7}"/>
               </a:ext>
             </a:extLst>
           </p:cNvPr>
@@ -9249,10 +9144,10 @@
       </p:sp>
       <p:pic>
         <p:nvPicPr>
-          <p:cNvPr id="2050" name="Picture 2" descr="figure 4">
-            <a:extLst>
-              <a:ext uri="{FF2B5EF4-FFF2-40B4-BE49-F238E27FC236}">
-                <a16:creationId xmlns:a16="http://schemas.microsoft.com/office/drawing/2014/main" id="{2F91C07D-CEA4-5770-6CE2-E03ABC257193}"/>
+          <p:cNvPr id="1026" name="Picture 2" descr="figure 1">
+            <a:extLst>
+              <a:ext uri="{FF2B5EF4-FFF2-40B4-BE49-F238E27FC236}">
+                <a16:creationId xmlns:a16="http://schemas.microsoft.com/office/drawing/2014/main" id="{BBE566FA-3F32-8D42-5FB3-94E4596937C0}"/>
               </a:ext>
             </a:extLst>
           </p:cNvPr>
@@ -9261,7 +9156,7 @@
           </p:cNvPicPr>
           <p:nvPr/>
         </p:nvPicPr>
-        <p:blipFill>
+        <p:blipFill rotWithShape="1">
           <a:blip r:embed="rId2">
             <a:extLst>
               <a:ext uri="{28A0092B-C50C-407E-A947-70E740481C1C}">
@@ -9269,15 +9164,13 @@
               </a:ext>
             </a:extLst>
           </a:blip>
-          <a:srcRect/>
-          <a:stretch>
-            <a:fillRect/>
-          </a:stretch>
+          <a:srcRect l="16982" b="52121"/>
+          <a:stretch/>
         </p:blipFill>
         <p:spPr bwMode="auto">
           <a:xfrm>
-            <a:off x="2267744" y="726315"/>
-            <a:ext cx="5024859" cy="4262369"/>
+            <a:off x="0" y="2065412"/>
+            <a:ext cx="4397895" cy="2736304"/>
           </a:xfrm>
           <a:prstGeom prst="rect">
             <a:avLst/>
@@ -9294,12 +9187,57 @@
           </a:extLst>
         </p:spPr>
       </p:pic>
-      <p:sp>
-        <p:nvSpPr>
-          <p:cNvPr id="4" name="TextBox 3">
-            <a:extLst>
-              <a:ext uri="{FF2B5EF4-FFF2-40B4-BE49-F238E27FC236}">
-                <a16:creationId xmlns:a16="http://schemas.microsoft.com/office/drawing/2014/main" id="{0AE2E252-1F68-6615-85A2-1625DD9C43FB}"/>
+      <p:pic>
+        <p:nvPicPr>
+          <p:cNvPr id="4" name="Picture 2" descr="figure 1">
+            <a:extLst>
+              <a:ext uri="{FF2B5EF4-FFF2-40B4-BE49-F238E27FC236}">
+                <a16:creationId xmlns:a16="http://schemas.microsoft.com/office/drawing/2014/main" id="{60546C0F-7B9B-7B96-4114-BE63E8E27F43}"/>
+              </a:ext>
+            </a:extLst>
+          </p:cNvPr>
+          <p:cNvPicPr>
+            <a:picLocks noChangeAspect="1" noChangeArrowheads="1"/>
+          </p:cNvPicPr>
+          <p:nvPr/>
+        </p:nvPicPr>
+        <p:blipFill rotWithShape="1">
+          <a:blip r:embed="rId2">
+            <a:extLst>
+              <a:ext uri="{28A0092B-C50C-407E-A947-70E740481C1C}">
+                <a14:useLocalDpi xmlns:a14="http://schemas.microsoft.com/office/drawing/2010/main" val="0"/>
+              </a:ext>
+            </a:extLst>
+          </a:blip>
+          <a:srcRect l="10967" t="50232"/>
+          <a:stretch/>
+        </p:blipFill>
+        <p:spPr bwMode="auto">
+          <a:xfrm>
+            <a:off x="4194935" y="1701953"/>
+            <a:ext cx="4716530" cy="2844230"/>
+          </a:xfrm>
+          <a:prstGeom prst="rect">
+            <a:avLst/>
+          </a:prstGeom>
+          <a:noFill/>
+          <a:extLst>
+            <a:ext uri="{909E8E84-426E-40DD-AFC4-6F175D3DCCD1}">
+              <a14:hiddenFill xmlns:a14="http://schemas.microsoft.com/office/drawing/2010/main">
+                <a:solidFill>
+                  <a:srgbClr val="FFFFFF"/>
+                </a:solidFill>
+              </a14:hiddenFill>
+            </a:ext>
+          </a:extLst>
+        </p:spPr>
+      </p:pic>
+      <p:sp>
+        <p:nvSpPr>
+          <p:cNvPr id="6" name="TextBox 5">
+            <a:extLst>
+              <a:ext uri="{FF2B5EF4-FFF2-40B4-BE49-F238E27FC236}">
+                <a16:creationId xmlns:a16="http://schemas.microsoft.com/office/drawing/2014/main" id="{B6F27C18-BD8E-D2A3-9F49-831BB46DC0A7}"/>
               </a:ext>
             </a:extLst>
           </p:cNvPr>
@@ -9441,7 +9379,7 @@
     </p:spTree>
     <p:extLst>
       <p:ext uri="{BB962C8B-B14F-4D97-AF65-F5344CB8AC3E}">
-        <p14:creationId xmlns:p14="http://schemas.microsoft.com/office/powerpoint/2010/main" val="1237926279"/>
+        <p14:creationId xmlns:p14="http://schemas.microsoft.com/office/powerpoint/2010/main" val="931014563"/>
       </p:ext>
     </p:extLst>
   </p:cSld>
@@ -9473,7 +9411,7 @@
           <p:cNvPr id="2" name="Title 1">
             <a:extLst>
               <a:ext uri="{FF2B5EF4-FFF2-40B4-BE49-F238E27FC236}">
-                <a16:creationId xmlns:a16="http://schemas.microsoft.com/office/drawing/2014/main" id="{E71F002C-DFB4-165A-DCD3-64F9F193DD11}"/>
+                <a16:creationId xmlns:a16="http://schemas.microsoft.com/office/drawing/2014/main" id="{4F4D25BE-F22B-7FCE-CC18-BC0A2EC69119}"/>
               </a:ext>
             </a:extLst>
           </p:cNvPr>
@@ -9491,7 +9429,7 @@
           <a:p>
             <a:r>
               <a:rPr lang="en-GB" dirty="0"/>
-              <a:t>A decision tree model in TBI</a:t>
+              <a:t>DTs in Clinical Applications </a:t>
             </a:r>
           </a:p>
         </p:txBody>
@@ -9501,7 +9439,7 @@
           <p:cNvPr id="3" name="Slide Number Placeholder 2">
             <a:extLst>
               <a:ext uri="{FF2B5EF4-FFF2-40B4-BE49-F238E27FC236}">
-                <a16:creationId xmlns:a16="http://schemas.microsoft.com/office/drawing/2014/main" id="{FF392E89-71FC-00E3-00FB-CE64C7232D25}"/>
+                <a16:creationId xmlns:a16="http://schemas.microsoft.com/office/drawing/2014/main" id="{7BFAAD43-80A5-78D9-B883-A37220EAD54C}"/>
               </a:ext>
             </a:extLst>
           </p:cNvPr>
@@ -9528,10 +9466,10 @@
       </p:sp>
       <p:pic>
         <p:nvPicPr>
-          <p:cNvPr id="3074" name="Picture 2">
-            <a:extLst>
-              <a:ext uri="{FF2B5EF4-FFF2-40B4-BE49-F238E27FC236}">
-                <a16:creationId xmlns:a16="http://schemas.microsoft.com/office/drawing/2014/main" id="{860CDDA8-CBF7-55DB-56DD-CEEF7D89EAC1}"/>
+          <p:cNvPr id="2050" name="Picture 2" descr="figure 4">
+            <a:extLst>
+              <a:ext uri="{FF2B5EF4-FFF2-40B4-BE49-F238E27FC236}">
+                <a16:creationId xmlns:a16="http://schemas.microsoft.com/office/drawing/2014/main" id="{2F91C07D-CEA4-5770-6CE2-E03ABC257193}"/>
               </a:ext>
             </a:extLst>
           </p:cNvPr>
@@ -9555,8 +9493,8 @@
         </p:blipFill>
         <p:spPr bwMode="auto">
           <a:xfrm>
-            <a:off x="1331640" y="930011"/>
-            <a:ext cx="5868392" cy="4051047"/>
+            <a:off x="2267744" y="726315"/>
+            <a:ext cx="5024859" cy="4262369"/>
           </a:xfrm>
           <a:prstGeom prst="rect">
             <a:avLst/>
@@ -9575,10 +9513,10 @@
       </p:pic>
       <p:sp>
         <p:nvSpPr>
-          <p:cNvPr id="5" name="TextBox 4">
-            <a:extLst>
-              <a:ext uri="{FF2B5EF4-FFF2-40B4-BE49-F238E27FC236}">
-                <a16:creationId xmlns:a16="http://schemas.microsoft.com/office/drawing/2014/main" id="{FA8C8A32-6F9C-0DF5-6F26-CA83FA2DE0F5}"/>
+          <p:cNvPr id="4" name="TextBox 3">
+            <a:extLst>
+              <a:ext uri="{FF2B5EF4-FFF2-40B4-BE49-F238E27FC236}">
+                <a16:creationId xmlns:a16="http://schemas.microsoft.com/office/drawing/2014/main" id="{0AE2E252-1F68-6615-85A2-1625DD9C43FB}"/>
               </a:ext>
             </a:extLst>
           </p:cNvPr>
@@ -9587,8 +9525,8 @@
         </p:nvSpPr>
         <p:spPr>
           <a:xfrm>
-            <a:off x="251520" y="5318126"/>
-            <a:ext cx="6462464" cy="369332"/>
+            <a:off x="329443" y="5204327"/>
+            <a:ext cx="8136904" cy="369332"/>
           </a:xfrm>
           <a:prstGeom prst="rect">
             <a:avLst/>
@@ -9604,77 +9542,97 @@
             <a:r>
               <a:rPr lang="en-GB" sz="900" b="0" i="0" u="none" strike="noStrike" dirty="0">
                 <a:solidFill>
-                  <a:srgbClr val="000000"/>
+                  <a:srgbClr val="222222"/>
                 </a:solidFill>
                 <a:effectLst/>
                 <a:latin typeface="Gill Sans MT" panose="020B0502020104020203" pitchFamily="34" charset="77"/>
               </a:rPr>
-              <a:t>Source: Phan, T. G., Chen, J., Singhal, S., Ma, H., Clissold, B. B., Ly, J., &amp; </a:t>
+              <a:t>Source: Valdes, G., Luna, J., Eaton, E. </a:t>
+            </a:r>
+            <a:r>
+              <a:rPr lang="en-GB" sz="900" b="0" i="1" u="none" strike="noStrike" dirty="0">
+                <a:solidFill>
+                  <a:srgbClr val="222222"/>
+                </a:solidFill>
+                <a:effectLst/>
+                <a:latin typeface="Gill Sans MT" panose="020B0502020104020203" pitchFamily="34" charset="77"/>
+              </a:rPr>
+              <a:t>et al.</a:t>
+            </a:r>
+            <a:r>
+              <a:rPr lang="en-GB" sz="900" b="0" i="0" u="none" strike="noStrike" dirty="0">
+                <a:solidFill>
+                  <a:srgbClr val="222222"/>
+                </a:solidFill>
+                <a:effectLst/>
+                <a:latin typeface="Gill Sans MT" panose="020B0502020104020203" pitchFamily="34" charset="77"/>
+              </a:rPr>
+              <a:t> </a:t>
             </a:r>
             <a:r>
               <a:rPr lang="en-GB" sz="900" b="0" i="0" u="none" strike="noStrike" dirty="0" err="1">
                 <a:solidFill>
-                  <a:srgbClr val="000000"/>
+                  <a:srgbClr val="222222"/>
                 </a:solidFill>
                 <a:effectLst/>
                 <a:latin typeface="Gill Sans MT" panose="020B0502020104020203" pitchFamily="34" charset="77"/>
               </a:rPr>
-              <a:t>Beare</a:t>
+              <a:t>MediBoost</a:t>
             </a:r>
             <a:r>
               <a:rPr lang="en-GB" sz="900" b="0" i="0" u="none" strike="noStrike" dirty="0">
                 <a:solidFill>
-                  <a:srgbClr val="000000"/>
+                  <a:srgbClr val="222222"/>
                 </a:solidFill>
                 <a:effectLst/>
                 <a:latin typeface="Gill Sans MT" panose="020B0502020104020203" pitchFamily="34" charset="77"/>
               </a:rPr>
-              <a:t>, R. (2018). Exploratory Use of Decision Tree Analysis in Classification of Outcome in Hypoxic–Ischemic Brain Injury. </a:t>
+              <a:t>: a Patient Stratification Tool for Interpretable Decision Making in the Era of Precision Medicine. </a:t>
             </a:r>
             <a:r>
               <a:rPr lang="en-GB" sz="900" b="0" i="1" u="none" strike="noStrike" dirty="0">
                 <a:solidFill>
-                  <a:srgbClr val="000000"/>
+                  <a:srgbClr val="222222"/>
                 </a:solidFill>
                 <a:effectLst/>
                 <a:latin typeface="Gill Sans MT" panose="020B0502020104020203" pitchFamily="34" charset="77"/>
               </a:rPr>
-              <a:t>Frontiers in Neurology</a:t>
+              <a:t>Sci Rep</a:t>
             </a:r>
             <a:r>
               <a:rPr lang="en-GB" sz="900" b="0" i="0" u="none" strike="noStrike" dirty="0">
                 <a:solidFill>
-                  <a:srgbClr val="000000"/>
+                  <a:srgbClr val="222222"/>
                 </a:solidFill>
                 <a:effectLst/>
                 <a:latin typeface="Gill Sans MT" panose="020B0502020104020203" pitchFamily="34" charset="77"/>
               </a:rPr>
-              <a:t>, </a:t>
-            </a:r>
-            <a:r>
-              <a:rPr lang="en-GB" sz="900" b="0" i="1" u="none" strike="noStrike" dirty="0">
-                <a:solidFill>
-                  <a:srgbClr val="000000"/>
+              <a:t> </a:t>
+            </a:r>
+            <a:r>
+              <a:rPr lang="en-GB" sz="900" i="0" u="none" strike="noStrike" dirty="0">
+                <a:solidFill>
+                  <a:srgbClr val="222222"/>
                 </a:solidFill>
                 <a:effectLst/>
                 <a:latin typeface="Gill Sans MT" panose="020B0502020104020203" pitchFamily="34" charset="77"/>
               </a:rPr>
-              <a:t>9</a:t>
+              <a:t>6,</a:t>
             </a:r>
             <a:r>
               <a:rPr lang="en-GB" sz="900" b="0" i="0" u="none" strike="noStrike" dirty="0">
                 <a:solidFill>
-                  <a:srgbClr val="000000"/>
+                  <a:srgbClr val="222222"/>
                 </a:solidFill>
                 <a:effectLst/>
                 <a:latin typeface="Gill Sans MT" panose="020B0502020104020203" pitchFamily="34" charset="77"/>
               </a:rPr>
-              <a:t>. https://</a:t>
+              <a:t> 37854 (2016). https://</a:t>
             </a:r>
             <a:r>
               <a:rPr lang="en-GB" sz="900" b="0" i="0" u="none" strike="noStrike" dirty="0" err="1">
                 <a:solidFill>
-                  <a:srgbClr val="000000"/>
+                  <a:srgbClr val="222222"/>
                 </a:solidFill>
                 <a:effectLst/>
                 <a:latin typeface="Gill Sans MT" panose="020B0502020104020203" pitchFamily="34" charset="77"/>
@@ -9684,12 +9642,12 @@
             <a:r>
               <a:rPr lang="en-GB" sz="900" b="0" i="0" u="none" strike="noStrike" dirty="0">
                 <a:solidFill>
-                  <a:srgbClr val="000000"/>
+                  <a:srgbClr val="222222"/>
                 </a:solidFill>
                 <a:effectLst/>
                 <a:latin typeface="Gill Sans MT" panose="020B0502020104020203" pitchFamily="34" charset="77"/>
               </a:rPr>
-              <a:t>/10.3389/fneur.2018.00126</a:t>
+              <a:t>/10.1038/srep37854</a:t>
             </a:r>
             <a:endParaRPr lang="en-GB" sz="900" dirty="0">
               <a:latin typeface="Gill Sans MT" panose="020B0502020104020203" pitchFamily="34" charset="77"/>
@@ -9700,7 +9658,7 @@
     </p:spTree>
     <p:extLst>
       <p:ext uri="{BB962C8B-B14F-4D97-AF65-F5344CB8AC3E}">
-        <p14:creationId xmlns:p14="http://schemas.microsoft.com/office/powerpoint/2010/main" val="2226318145"/>
+        <p14:creationId xmlns:p14="http://schemas.microsoft.com/office/powerpoint/2010/main" val="1237926279"/>
       </p:ext>
     </p:extLst>
   </p:cSld>
@@ -9732,7 +9690,7 @@
           <p:cNvPr id="2" name="Title 1">
             <a:extLst>
               <a:ext uri="{FF2B5EF4-FFF2-40B4-BE49-F238E27FC236}">
-                <a16:creationId xmlns:a16="http://schemas.microsoft.com/office/drawing/2014/main" id="{68138C09-C7B5-EC78-2145-59DAA05779E5}"/>
+                <a16:creationId xmlns:a16="http://schemas.microsoft.com/office/drawing/2014/main" id="{E71F002C-DFB4-165A-DCD3-64F9F193DD11}"/>
               </a:ext>
             </a:extLst>
           </p:cNvPr>
@@ -9750,17 +9708,17 @@
           <a:p>
             <a:r>
               <a:rPr lang="en-GB" dirty="0"/>
-              <a:t>Learning decision trees</a:t>
-            </a:r>
-          </a:p>
-        </p:txBody>
-      </p:sp>
-      <p:sp>
-        <p:nvSpPr>
-          <p:cNvPr id="3" name="Content Placeholder 2">
-            <a:extLst>
-              <a:ext uri="{FF2B5EF4-FFF2-40B4-BE49-F238E27FC236}">
-                <a16:creationId xmlns:a16="http://schemas.microsoft.com/office/drawing/2014/main" id="{C3ED730C-7899-7743-2330-2800B1CD50DE}"/>
+              <a:t>A decision tree model in TBI</a:t>
+            </a:r>
+          </a:p>
+        </p:txBody>
+      </p:sp>
+      <p:sp>
+        <p:nvSpPr>
+          <p:cNvPr id="3" name="Slide Number Placeholder 2">
+            <a:extLst>
+              <a:ext uri="{FF2B5EF4-FFF2-40B4-BE49-F238E27FC236}">
+                <a16:creationId xmlns:a16="http://schemas.microsoft.com/office/drawing/2014/main" id="{FF392E89-71FC-00E3-00FB-CE64C7232D25}"/>
               </a:ext>
             </a:extLst>
           </p:cNvPr>
@@ -9768,7 +9726,7 @@
             <a:spLocks noGrp="1"/>
           </p:cNvSpPr>
           <p:nvPr>
-            <p:ph idx="1"/>
+            <p:ph type="sldNum" sz="quarter" idx="12"/>
           </p:nvPr>
         </p:nvSpPr>
         <p:spPr/>
@@ -9776,69 +9734,7 @@
           <a:bodyPr/>
           <a:lstStyle/>
           <a:p>
-            <a:r>
-              <a:rPr lang="en-GB" dirty="0">
-                <a:solidFill>
-                  <a:srgbClr val="212529"/>
-                </a:solidFill>
-              </a:rPr>
-              <a:t>Decision Trees (DTs) are a non-parametric supervised learning method used for classification and regression. </a:t>
-            </a:r>
-          </a:p>
-          <a:p>
-            <a:r>
-              <a:rPr lang="en-GB" dirty="0">
-                <a:solidFill>
-                  <a:srgbClr val="212529"/>
-                </a:solidFill>
-              </a:rPr>
-              <a:t>The goal is to create a model that predicts the value of a target variable by learning simple decision rules inferred from the data features. </a:t>
-            </a:r>
-          </a:p>
-          <a:p>
-            <a:r>
-              <a:rPr lang="en-GB" dirty="0">
-                <a:solidFill>
-                  <a:srgbClr val="212529"/>
-                </a:solidFill>
-              </a:rPr>
-              <a:t>A tree can be seen as a piecewise constant </a:t>
-            </a:r>
-            <a:r>
-              <a:rPr lang="en-GB" b="0" i="0" u="none" strike="noStrike" dirty="0">
-                <a:solidFill>
-                  <a:srgbClr val="212529"/>
-                </a:solidFill>
-                <a:effectLst/>
-              </a:rPr>
-              <a:t>approximation.</a:t>
-            </a:r>
-            <a:endParaRPr lang="en-GB" dirty="0"/>
-          </a:p>
-        </p:txBody>
-      </p:sp>
-      <p:sp>
-        <p:nvSpPr>
-          <p:cNvPr id="4" name="Slide Number Placeholder 3">
-            <a:extLst>
-              <a:ext uri="{FF2B5EF4-FFF2-40B4-BE49-F238E27FC236}">
-                <a16:creationId xmlns:a16="http://schemas.microsoft.com/office/drawing/2014/main" id="{499D60E6-7FE6-9760-8BDF-95E119546F2E}"/>
-              </a:ext>
-            </a:extLst>
-          </p:cNvPr>
-          <p:cNvSpPr>
-            <a:spLocks noGrp="1"/>
-          </p:cNvSpPr>
-          <p:nvPr>
-            <p:ph type="sldNum" sz="quarter" idx="12"/>
-          </p:nvPr>
-        </p:nvSpPr>
-        <p:spPr/>
-        <p:txBody>
-          <a:bodyPr/>
-          <a:lstStyle/>
-          <a:p>
-            <a:fld id="{44E22EE9-B8A0-0641-9265-052CFE9B95A7}" type="slidenum">
+            <a:fld id="{BB98F552-A29D-2D4E-8192-F20670493719}" type="slidenum">
               <a:rPr lang="en-GB" altLang="en-US" smtClean="0"/>
               <a:pPr/>
               <a:t>26</a:t>
@@ -9847,12 +9743,59 @@
           </a:p>
         </p:txBody>
       </p:sp>
-      <p:sp>
-        <p:nvSpPr>
-          <p:cNvPr id="6" name="TextBox 5">
-            <a:extLst>
-              <a:ext uri="{FF2B5EF4-FFF2-40B4-BE49-F238E27FC236}">
-                <a16:creationId xmlns:a16="http://schemas.microsoft.com/office/drawing/2014/main" id="{C4549FE1-243F-7432-09DA-8B7F2287810A}"/>
+      <p:pic>
+        <p:nvPicPr>
+          <p:cNvPr id="3074" name="Picture 2">
+            <a:extLst>
+              <a:ext uri="{FF2B5EF4-FFF2-40B4-BE49-F238E27FC236}">
+                <a16:creationId xmlns:a16="http://schemas.microsoft.com/office/drawing/2014/main" id="{860CDDA8-CBF7-55DB-56DD-CEEF7D89EAC1}"/>
+              </a:ext>
+            </a:extLst>
+          </p:cNvPr>
+          <p:cNvPicPr>
+            <a:picLocks noChangeAspect="1" noChangeArrowheads="1"/>
+          </p:cNvPicPr>
+          <p:nvPr/>
+        </p:nvPicPr>
+        <p:blipFill>
+          <a:blip r:embed="rId2">
+            <a:extLst>
+              <a:ext uri="{28A0092B-C50C-407E-A947-70E740481C1C}">
+                <a14:useLocalDpi xmlns:a14="http://schemas.microsoft.com/office/drawing/2010/main" val="0"/>
+              </a:ext>
+            </a:extLst>
+          </a:blip>
+          <a:srcRect/>
+          <a:stretch>
+            <a:fillRect/>
+          </a:stretch>
+        </p:blipFill>
+        <p:spPr bwMode="auto">
+          <a:xfrm>
+            <a:off x="1331640" y="930011"/>
+            <a:ext cx="5868392" cy="4051047"/>
+          </a:xfrm>
+          <a:prstGeom prst="rect">
+            <a:avLst/>
+          </a:prstGeom>
+          <a:noFill/>
+          <a:extLst>
+            <a:ext uri="{909E8E84-426E-40DD-AFC4-6F175D3DCCD1}">
+              <a14:hiddenFill xmlns:a14="http://schemas.microsoft.com/office/drawing/2010/main">
+                <a:solidFill>
+                  <a:srgbClr val="FFFFFF"/>
+                </a:solidFill>
+              </a14:hiddenFill>
+            </a:ext>
+          </a:extLst>
+        </p:spPr>
+      </p:pic>
+      <p:sp>
+        <p:nvSpPr>
+          <p:cNvPr id="5" name="TextBox 4">
+            <a:extLst>
+              <a:ext uri="{FF2B5EF4-FFF2-40B4-BE49-F238E27FC236}">
+                <a16:creationId xmlns:a16="http://schemas.microsoft.com/office/drawing/2014/main" id="{FA8C8A32-6F9C-0DF5-6F26-CA83FA2DE0F5}"/>
               </a:ext>
             </a:extLst>
           </p:cNvPr>
@@ -9861,8 +9804,8 @@
         </p:nvSpPr>
         <p:spPr>
           <a:xfrm>
-            <a:off x="539552" y="5370398"/>
-            <a:ext cx="4572000" cy="230832"/>
+            <a:off x="251520" y="5318126"/>
+            <a:ext cx="6462464" cy="369332"/>
           </a:xfrm>
           <a:prstGeom prst="rect">
             <a:avLst/>
@@ -9876,28 +9819,94 @@
           <a:lstStyle/>
           <a:p>
             <a:r>
-              <a:rPr lang="en-GB" sz="900" dirty="0">
-                <a:latin typeface="Gill Sans MT" panose="020B0502020104020203" pitchFamily="34" charset="77"/>
-              </a:rPr>
-              <a:t>Source: https://scikit-</a:t>
-            </a:r>
-            <a:r>
-              <a:rPr lang="en-GB" sz="900" dirty="0" err="1">
-                <a:latin typeface="Gill Sans MT" panose="020B0502020104020203" pitchFamily="34" charset="77"/>
-              </a:rPr>
-              <a:t>learn.org</a:t>
-            </a:r>
-            <a:r>
-              <a:rPr lang="en-GB" sz="900" dirty="0">
-                <a:latin typeface="Gill Sans MT" panose="020B0502020104020203" pitchFamily="34" charset="77"/>
-              </a:rPr>
-              <a:t>/stable/modules/</a:t>
-            </a:r>
-            <a:r>
-              <a:rPr lang="en-GB" sz="900" dirty="0" err="1">
-                <a:latin typeface="Gill Sans MT" panose="020B0502020104020203" pitchFamily="34" charset="77"/>
-              </a:rPr>
-              <a:t>tree.html</a:t>
+              <a:rPr lang="en-GB" sz="900" b="0" i="0" u="none" strike="noStrike" dirty="0">
+                <a:solidFill>
+                  <a:srgbClr val="000000"/>
+                </a:solidFill>
+                <a:effectLst/>
+                <a:latin typeface="Gill Sans MT" panose="020B0502020104020203" pitchFamily="34" charset="77"/>
+              </a:rPr>
+              <a:t>Source: Phan, T. G., Chen, J., Singhal, S., Ma, H., Clissold, B. B., Ly, J., &amp; </a:t>
+            </a:r>
+            <a:r>
+              <a:rPr lang="en-GB" sz="900" b="0" i="0" u="none" strike="noStrike" dirty="0" err="1">
+                <a:solidFill>
+                  <a:srgbClr val="000000"/>
+                </a:solidFill>
+                <a:effectLst/>
+                <a:latin typeface="Gill Sans MT" panose="020B0502020104020203" pitchFamily="34" charset="77"/>
+              </a:rPr>
+              <a:t>Beare</a:t>
+            </a:r>
+            <a:r>
+              <a:rPr lang="en-GB" sz="900" b="0" i="0" u="none" strike="noStrike" dirty="0">
+                <a:solidFill>
+                  <a:srgbClr val="000000"/>
+                </a:solidFill>
+                <a:effectLst/>
+                <a:latin typeface="Gill Sans MT" panose="020B0502020104020203" pitchFamily="34" charset="77"/>
+              </a:rPr>
+              <a:t>, R. (2018). Exploratory Use of Decision Tree Analysis in Classification of Outcome in Hypoxic–Ischemic Brain Injury. </a:t>
+            </a:r>
+            <a:r>
+              <a:rPr lang="en-GB" sz="900" b="0" i="1" u="none" strike="noStrike" dirty="0">
+                <a:solidFill>
+                  <a:srgbClr val="000000"/>
+                </a:solidFill>
+                <a:effectLst/>
+                <a:latin typeface="Gill Sans MT" panose="020B0502020104020203" pitchFamily="34" charset="77"/>
+              </a:rPr>
+              <a:t>Frontiers in Neurology</a:t>
+            </a:r>
+            <a:r>
+              <a:rPr lang="en-GB" sz="900" b="0" i="0" u="none" strike="noStrike" dirty="0">
+                <a:solidFill>
+                  <a:srgbClr val="000000"/>
+                </a:solidFill>
+                <a:effectLst/>
+                <a:latin typeface="Gill Sans MT" panose="020B0502020104020203" pitchFamily="34" charset="77"/>
+              </a:rPr>
+              <a:t>, </a:t>
+            </a:r>
+            <a:r>
+              <a:rPr lang="en-GB" sz="900" b="0" i="1" u="none" strike="noStrike" dirty="0">
+                <a:solidFill>
+                  <a:srgbClr val="000000"/>
+                </a:solidFill>
+                <a:effectLst/>
+                <a:latin typeface="Gill Sans MT" panose="020B0502020104020203" pitchFamily="34" charset="77"/>
+              </a:rPr>
+              <a:t>9</a:t>
+            </a:r>
+            <a:r>
+              <a:rPr lang="en-GB" sz="900" b="0" i="0" u="none" strike="noStrike" dirty="0">
+                <a:solidFill>
+                  <a:srgbClr val="000000"/>
+                </a:solidFill>
+                <a:effectLst/>
+                <a:latin typeface="Gill Sans MT" panose="020B0502020104020203" pitchFamily="34" charset="77"/>
+              </a:rPr>
+              <a:t>. https://</a:t>
+            </a:r>
+            <a:r>
+              <a:rPr lang="en-GB" sz="900" b="0" i="0" u="none" strike="noStrike" dirty="0" err="1">
+                <a:solidFill>
+                  <a:srgbClr val="000000"/>
+                </a:solidFill>
+                <a:effectLst/>
+                <a:latin typeface="Gill Sans MT" panose="020B0502020104020203" pitchFamily="34" charset="77"/>
+              </a:rPr>
+              <a:t>doi.org</a:t>
+            </a:r>
+            <a:r>
+              <a:rPr lang="en-GB" sz="900" b="0" i="0" u="none" strike="noStrike" dirty="0">
+                <a:solidFill>
+                  <a:srgbClr val="000000"/>
+                </a:solidFill>
+                <a:effectLst/>
+                <a:latin typeface="Gill Sans MT" panose="020B0502020104020203" pitchFamily="34" charset="77"/>
+              </a:rPr>
+              <a:t>/10.3389/fneur.2018.00126</a:t>
             </a:r>
             <a:endParaRPr lang="en-GB" sz="900" dirty="0">
               <a:latin typeface="Gill Sans MT" panose="020B0502020104020203" pitchFamily="34" charset="77"/>
@@ -9908,7 +9917,7 @@
     </p:spTree>
     <p:extLst>
       <p:ext uri="{BB962C8B-B14F-4D97-AF65-F5344CB8AC3E}">
-        <p14:creationId xmlns:p14="http://schemas.microsoft.com/office/powerpoint/2010/main" val="1685011248"/>
+        <p14:creationId xmlns:p14="http://schemas.microsoft.com/office/powerpoint/2010/main" val="2226318145"/>
       </p:ext>
     </p:extLst>
   </p:cSld>
@@ -9940,7 +9949,7 @@
           <p:cNvPr id="2" name="Title 1">
             <a:extLst>
               <a:ext uri="{FF2B5EF4-FFF2-40B4-BE49-F238E27FC236}">
-                <a16:creationId xmlns:a16="http://schemas.microsoft.com/office/drawing/2014/main" id="{B2CED475-55C1-CA06-3D76-F33CC805C019}"/>
+                <a16:creationId xmlns:a16="http://schemas.microsoft.com/office/drawing/2014/main" id="{68138C09-C7B5-EC78-2145-59DAA05779E5}"/>
               </a:ext>
             </a:extLst>
           </p:cNvPr>
@@ -9968,7 +9977,7 @@
           <p:cNvPr id="3" name="Content Placeholder 2">
             <a:extLst>
               <a:ext uri="{FF2B5EF4-FFF2-40B4-BE49-F238E27FC236}">
-                <a16:creationId xmlns:a16="http://schemas.microsoft.com/office/drawing/2014/main" id="{1861457D-2EC4-EE2B-90AB-7BE4B4470CE1}"/>
+                <a16:creationId xmlns:a16="http://schemas.microsoft.com/office/drawing/2014/main" id="{C3ED730C-7899-7743-2330-2800B1CD50DE}"/>
               </a:ext>
             </a:extLst>
           </p:cNvPr>
@@ -9985,21 +9994,43 @@
           <a:lstStyle/>
           <a:p>
             <a:r>
-              <a:rPr lang="en-GB" dirty="0"/>
-              <a:t>There are different algorithms to learn decision tree structure from the data. </a:t>
-            </a:r>
-          </a:p>
-          <a:p>
-            <a:r>
-              <a:rPr lang="en-GB" dirty="0"/>
-              <a:t>In principle these algorithms start with a root node in the tree structure and explore the features in the data and create rules that can separate the data one step at a time. </a:t>
-            </a:r>
-          </a:p>
-          <a:p>
-            <a:r>
-              <a:rPr lang="en-GB" dirty="0"/>
-              <a:t>One of the basic algorithms is ID3. </a:t>
-            </a:r>
+              <a:rPr lang="en-GB" dirty="0">
+                <a:solidFill>
+                  <a:srgbClr val="212529"/>
+                </a:solidFill>
+              </a:rPr>
+              <a:t>Decision Trees (DTs) are a non-parametric supervised learning method used for classification and regression. </a:t>
+            </a:r>
+          </a:p>
+          <a:p>
+            <a:r>
+              <a:rPr lang="en-GB" dirty="0">
+                <a:solidFill>
+                  <a:srgbClr val="212529"/>
+                </a:solidFill>
+              </a:rPr>
+              <a:t>The goal is to create a model that predicts the value of a target variable by learning simple decision rules inferred from the data features. </a:t>
+            </a:r>
+          </a:p>
+          <a:p>
+            <a:r>
+              <a:rPr lang="en-GB" dirty="0">
+                <a:solidFill>
+                  <a:srgbClr val="212529"/>
+                </a:solidFill>
+              </a:rPr>
+              <a:t>A tree can be seen as a piecewise constant </a:t>
+            </a:r>
+            <a:r>
+              <a:rPr lang="en-GB" b="0" i="0" u="none" strike="noStrike" dirty="0">
+                <a:solidFill>
+                  <a:srgbClr val="212529"/>
+                </a:solidFill>
+                <a:effectLst/>
+              </a:rPr>
+              <a:t>approximation.</a:t>
+            </a:r>
+            <a:endParaRPr lang="en-GB" dirty="0"/>
           </a:p>
         </p:txBody>
       </p:sp>
@@ -10008,7 +10039,7 @@
           <p:cNvPr id="4" name="Slide Number Placeholder 3">
             <a:extLst>
               <a:ext uri="{FF2B5EF4-FFF2-40B4-BE49-F238E27FC236}">
-                <a16:creationId xmlns:a16="http://schemas.microsoft.com/office/drawing/2014/main" id="{BAEFA7B8-EAD7-E531-B7A3-6E8B8773EC2C}"/>
+                <a16:creationId xmlns:a16="http://schemas.microsoft.com/office/drawing/2014/main" id="{499D60E6-7FE6-9760-8BDF-95E119546F2E}"/>
               </a:ext>
             </a:extLst>
           </p:cNvPr>
@@ -10028,6 +10059,192 @@
               <a:rPr lang="en-GB" altLang="en-US" smtClean="0"/>
               <a:pPr/>
               <a:t>27</a:t>
+            </a:fld>
+            <a:endParaRPr lang="en-GB" altLang="en-US" dirty="0"/>
+          </a:p>
+        </p:txBody>
+      </p:sp>
+      <p:sp>
+        <p:nvSpPr>
+          <p:cNvPr id="6" name="TextBox 5">
+            <a:extLst>
+              <a:ext uri="{FF2B5EF4-FFF2-40B4-BE49-F238E27FC236}">
+                <a16:creationId xmlns:a16="http://schemas.microsoft.com/office/drawing/2014/main" id="{C4549FE1-243F-7432-09DA-8B7F2287810A}"/>
+              </a:ext>
+            </a:extLst>
+          </p:cNvPr>
+          <p:cNvSpPr txBox="1"/>
+          <p:nvPr/>
+        </p:nvSpPr>
+        <p:spPr>
+          <a:xfrm>
+            <a:off x="539552" y="5370398"/>
+            <a:ext cx="4572000" cy="230832"/>
+          </a:xfrm>
+          <a:prstGeom prst="rect">
+            <a:avLst/>
+          </a:prstGeom>
+          <a:noFill/>
+        </p:spPr>
+        <p:txBody>
+          <a:bodyPr wrap="square">
+            <a:spAutoFit/>
+          </a:bodyPr>
+          <a:lstStyle/>
+          <a:p>
+            <a:r>
+              <a:rPr lang="en-GB" sz="900" dirty="0">
+                <a:latin typeface="Gill Sans MT" panose="020B0502020104020203" pitchFamily="34" charset="77"/>
+              </a:rPr>
+              <a:t>Source: https://scikit-</a:t>
+            </a:r>
+            <a:r>
+              <a:rPr lang="en-GB" sz="900" dirty="0" err="1">
+                <a:latin typeface="Gill Sans MT" panose="020B0502020104020203" pitchFamily="34" charset="77"/>
+              </a:rPr>
+              <a:t>learn.org</a:t>
+            </a:r>
+            <a:r>
+              <a:rPr lang="en-GB" sz="900" dirty="0">
+                <a:latin typeface="Gill Sans MT" panose="020B0502020104020203" pitchFamily="34" charset="77"/>
+              </a:rPr>
+              <a:t>/stable/modules/</a:t>
+            </a:r>
+            <a:r>
+              <a:rPr lang="en-GB" sz="900" dirty="0" err="1">
+                <a:latin typeface="Gill Sans MT" panose="020B0502020104020203" pitchFamily="34" charset="77"/>
+              </a:rPr>
+              <a:t>tree.html</a:t>
+            </a:r>
+            <a:endParaRPr lang="en-GB" sz="900" dirty="0">
+              <a:latin typeface="Gill Sans MT" panose="020B0502020104020203" pitchFamily="34" charset="77"/>
+            </a:endParaRPr>
+          </a:p>
+        </p:txBody>
+      </p:sp>
+    </p:spTree>
+    <p:extLst>
+      <p:ext uri="{BB962C8B-B14F-4D97-AF65-F5344CB8AC3E}">
+        <p14:creationId xmlns:p14="http://schemas.microsoft.com/office/powerpoint/2010/main" val="1685011248"/>
+      </p:ext>
+    </p:extLst>
+  </p:cSld>
+  <p:clrMapOvr>
+    <a:masterClrMapping/>
+  </p:clrMapOvr>
+</p:sld>
+</file>
+
+<file path=ppt/slides/slide28.xml><?xml version="1.0" encoding="utf-8"?>
+<p:sld xmlns:a="http://schemas.openxmlformats.org/drawingml/2006/main" xmlns:r="http://schemas.openxmlformats.org/officeDocument/2006/relationships" xmlns:p="http://schemas.openxmlformats.org/presentationml/2006/main">
+  <p:cSld>
+    <p:spTree>
+      <p:nvGrpSpPr>
+        <p:cNvPr id="1" name=""/>
+        <p:cNvGrpSpPr/>
+        <p:nvPr/>
+      </p:nvGrpSpPr>
+      <p:grpSpPr>
+        <a:xfrm>
+          <a:off x="0" y="0"/>
+          <a:ext cx="0" cy="0"/>
+          <a:chOff x="0" y="0"/>
+          <a:chExt cx="0" cy="0"/>
+        </a:xfrm>
+      </p:grpSpPr>
+      <p:sp>
+        <p:nvSpPr>
+          <p:cNvPr id="2" name="Title 1">
+            <a:extLst>
+              <a:ext uri="{FF2B5EF4-FFF2-40B4-BE49-F238E27FC236}">
+                <a16:creationId xmlns:a16="http://schemas.microsoft.com/office/drawing/2014/main" id="{B2CED475-55C1-CA06-3D76-F33CC805C019}"/>
+              </a:ext>
+            </a:extLst>
+          </p:cNvPr>
+          <p:cNvSpPr>
+            <a:spLocks noGrp="1"/>
+          </p:cNvSpPr>
+          <p:nvPr>
+            <p:ph type="title"/>
+          </p:nvPr>
+        </p:nvSpPr>
+        <p:spPr/>
+        <p:txBody>
+          <a:bodyPr/>
+          <a:lstStyle/>
+          <a:p>
+            <a:r>
+              <a:rPr lang="en-GB" dirty="0"/>
+              <a:t>Learning decision trees</a:t>
+            </a:r>
+          </a:p>
+        </p:txBody>
+      </p:sp>
+      <p:sp>
+        <p:nvSpPr>
+          <p:cNvPr id="3" name="Content Placeholder 2">
+            <a:extLst>
+              <a:ext uri="{FF2B5EF4-FFF2-40B4-BE49-F238E27FC236}">
+                <a16:creationId xmlns:a16="http://schemas.microsoft.com/office/drawing/2014/main" id="{1861457D-2EC4-EE2B-90AB-7BE4B4470CE1}"/>
+              </a:ext>
+            </a:extLst>
+          </p:cNvPr>
+          <p:cNvSpPr>
+            <a:spLocks noGrp="1"/>
+          </p:cNvSpPr>
+          <p:nvPr>
+            <p:ph idx="1"/>
+          </p:nvPr>
+        </p:nvSpPr>
+        <p:spPr/>
+        <p:txBody>
+          <a:bodyPr/>
+          <a:lstStyle/>
+          <a:p>
+            <a:r>
+              <a:rPr lang="en-GB" dirty="0"/>
+              <a:t>There are different algorithms to learn decision tree structure from the data. </a:t>
+            </a:r>
+          </a:p>
+          <a:p>
+            <a:r>
+              <a:rPr lang="en-GB" dirty="0"/>
+              <a:t>In principle these algorithms start with a root node in the tree structure and explore the features in the data and create rules that can separate the data one step at a time. </a:t>
+            </a:r>
+          </a:p>
+          <a:p>
+            <a:r>
+              <a:rPr lang="en-GB" dirty="0"/>
+              <a:t>One of the basic algorithms is ID3. </a:t>
+            </a:r>
+          </a:p>
+        </p:txBody>
+      </p:sp>
+      <p:sp>
+        <p:nvSpPr>
+          <p:cNvPr id="4" name="Slide Number Placeholder 3">
+            <a:extLst>
+              <a:ext uri="{FF2B5EF4-FFF2-40B4-BE49-F238E27FC236}">
+                <a16:creationId xmlns:a16="http://schemas.microsoft.com/office/drawing/2014/main" id="{BAEFA7B8-EAD7-E531-B7A3-6E8B8773EC2C}"/>
+              </a:ext>
+            </a:extLst>
+          </p:cNvPr>
+          <p:cNvSpPr>
+            <a:spLocks noGrp="1"/>
+          </p:cNvSpPr>
+          <p:nvPr>
+            <p:ph type="sldNum" sz="quarter" idx="12"/>
+          </p:nvPr>
+        </p:nvSpPr>
+        <p:spPr/>
+        <p:txBody>
+          <a:bodyPr/>
+          <a:lstStyle/>
+          <a:p>
+            <a:fld id="{44E22EE9-B8A0-0641-9265-052CFE9B95A7}" type="slidenum">
+              <a:rPr lang="en-GB" altLang="en-US" smtClean="0"/>
+              <a:pPr/>
+              <a:t>28</a:t>
             </a:fld>
             <a:endParaRPr lang="en-GB" altLang="en-US" dirty="0"/>
           </a:p>
@@ -10046,7 +10263,7 @@
 </p:sld>
 </file>
 
-<file path=ppt/slides/slide28.xml><?xml version="1.0" encoding="utf-8"?>
+<file path=ppt/slides/slide29.xml><?xml version="1.0" encoding="utf-8"?>
 <p:sld xmlns:a="http://schemas.openxmlformats.org/drawingml/2006/main" xmlns:r="http://schemas.openxmlformats.org/officeDocument/2006/relationships" xmlns:p="http://schemas.openxmlformats.org/presentationml/2006/main">
   <p:cSld>
     <p:spTree>
@@ -10330,7 +10547,7 @@
             <a:fld id="{44E22EE9-B8A0-0641-9265-052CFE9B95A7}" type="slidenum">
               <a:rPr lang="en-GB" altLang="en-US" smtClean="0"/>
               <a:pPr/>
-              <a:t>28</a:t>
+              <a:t>29</a:t>
             </a:fld>
             <a:endParaRPr lang="en-GB" altLang="en-US" dirty="0"/>
           </a:p>
@@ -10340,161 +10557,6 @@
     <p:extLst>
       <p:ext uri="{BB962C8B-B14F-4D97-AF65-F5344CB8AC3E}">
         <p14:creationId xmlns:p14="http://schemas.microsoft.com/office/powerpoint/2010/main" val="835644728"/>
-      </p:ext>
-    </p:extLst>
-  </p:cSld>
-  <p:clrMapOvr>
-    <a:masterClrMapping/>
-  </p:clrMapOvr>
-</p:sld>
-</file>
-
-<file path=ppt/slides/slide29.xml><?xml version="1.0" encoding="utf-8"?>
-<p:sld xmlns:a="http://schemas.openxmlformats.org/drawingml/2006/main" xmlns:r="http://schemas.openxmlformats.org/officeDocument/2006/relationships" xmlns:p="http://schemas.openxmlformats.org/presentationml/2006/main">
-  <p:cSld>
-    <p:spTree>
-      <p:nvGrpSpPr>
-        <p:cNvPr id="1" name=""/>
-        <p:cNvGrpSpPr/>
-        <p:nvPr/>
-      </p:nvGrpSpPr>
-      <p:grpSpPr>
-        <a:xfrm>
-          <a:off x="0" y="0"/>
-          <a:ext cx="0" cy="0"/>
-          <a:chOff x="0" y="0"/>
-          <a:chExt cx="0" cy="0"/>
-        </a:xfrm>
-      </p:grpSpPr>
-      <p:sp>
-        <p:nvSpPr>
-          <p:cNvPr id="2" name="Title 1">
-            <a:extLst>
-              <a:ext uri="{FF2B5EF4-FFF2-40B4-BE49-F238E27FC236}">
-                <a16:creationId xmlns:a16="http://schemas.microsoft.com/office/drawing/2014/main" id="{E8D6BCFE-1B44-72D1-0A06-2B93A63242A1}"/>
-              </a:ext>
-            </a:extLst>
-          </p:cNvPr>
-          <p:cNvSpPr>
-            <a:spLocks noGrp="1"/>
-          </p:cNvSpPr>
-          <p:nvPr>
-            <p:ph type="title"/>
-          </p:nvPr>
-        </p:nvSpPr>
-        <p:spPr/>
-        <p:txBody>
-          <a:bodyPr/>
-          <a:lstStyle/>
-          <a:p>
-            <a:r>
-              <a:rPr lang="en-GB" dirty="0"/>
-              <a:t>Decision Trees - Limitations</a:t>
-            </a:r>
-          </a:p>
-        </p:txBody>
-      </p:sp>
-      <p:sp>
-        <p:nvSpPr>
-          <p:cNvPr id="3" name="Content Placeholder 2">
-            <a:extLst>
-              <a:ext uri="{FF2B5EF4-FFF2-40B4-BE49-F238E27FC236}">
-                <a16:creationId xmlns:a16="http://schemas.microsoft.com/office/drawing/2014/main" id="{A91C0F59-7092-9C07-472D-15A8D002F241}"/>
-              </a:ext>
-            </a:extLst>
-          </p:cNvPr>
-          <p:cNvSpPr>
-            <a:spLocks noGrp="1"/>
-          </p:cNvSpPr>
-          <p:nvPr>
-            <p:ph idx="1"/>
-          </p:nvPr>
-        </p:nvSpPr>
-        <p:spPr/>
-        <p:txBody>
-          <a:bodyPr/>
-          <a:lstStyle/>
-          <a:p>
-            <a:r>
-              <a:rPr lang="en-GB" dirty="0"/>
-              <a:t>Prone to overfit</a:t>
-            </a:r>
-          </a:p>
-          <a:p>
-            <a:r>
-              <a:rPr lang="en-GB" dirty="0"/>
-              <a:t>Poor generalisation performances</a:t>
-            </a:r>
-          </a:p>
-          <a:p>
-            <a:r>
-              <a:rPr lang="en-GB" dirty="0"/>
-              <a:t>High variance</a:t>
-            </a:r>
-          </a:p>
-          <a:p>
-            <a:pPr lvl="1"/>
-            <a:r>
-              <a:rPr lang="en-US" dirty="0"/>
-              <a:t>a slight change in the data can result in a completely different set of splits, which can make interpretation difficult</a:t>
-            </a:r>
-          </a:p>
-          <a:p>
-            <a:r>
-              <a:rPr lang="en-US" dirty="0"/>
-              <a:t>Can be inherently unstable</a:t>
-            </a:r>
-          </a:p>
-          <a:p>
-            <a:pPr lvl="1"/>
-            <a:r>
-              <a:rPr lang="en-US" dirty="0"/>
-              <a:t>the effect of an error in the top splits propagates down to all of the splits below due to their hierarchical nature</a:t>
-            </a:r>
-            <a:endParaRPr lang="en-GB" dirty="0"/>
-          </a:p>
-          <a:p>
-            <a:r>
-              <a:rPr lang="en-GB" dirty="0"/>
-              <a:t>Produce biased trees for unbalanced dataset</a:t>
-            </a:r>
-          </a:p>
-        </p:txBody>
-      </p:sp>
-      <p:sp>
-        <p:nvSpPr>
-          <p:cNvPr id="4" name="Slide Number Placeholder 3">
-            <a:extLst>
-              <a:ext uri="{FF2B5EF4-FFF2-40B4-BE49-F238E27FC236}">
-                <a16:creationId xmlns:a16="http://schemas.microsoft.com/office/drawing/2014/main" id="{4F953275-6596-419B-25C7-5C0D3A118C53}"/>
-              </a:ext>
-            </a:extLst>
-          </p:cNvPr>
-          <p:cNvSpPr>
-            <a:spLocks noGrp="1"/>
-          </p:cNvSpPr>
-          <p:nvPr>
-            <p:ph type="sldNum" sz="quarter" idx="12"/>
-          </p:nvPr>
-        </p:nvSpPr>
-        <p:spPr/>
-        <p:txBody>
-          <a:bodyPr/>
-          <a:lstStyle/>
-          <a:p>
-            <a:fld id="{44E22EE9-B8A0-0641-9265-052CFE9B95A7}" type="slidenum">
-              <a:rPr lang="en-GB" altLang="en-US" smtClean="0"/>
-              <a:pPr/>
-              <a:t>29</a:t>
-            </a:fld>
-            <a:endParaRPr lang="en-GB" altLang="en-US" dirty="0"/>
-          </a:p>
-        </p:txBody>
-      </p:sp>
-    </p:spTree>
-    <p:extLst>
-      <p:ext uri="{BB962C8B-B14F-4D97-AF65-F5344CB8AC3E}">
-        <p14:creationId xmlns:p14="http://schemas.microsoft.com/office/powerpoint/2010/main" val="386279620"/>
       </p:ext>
     </p:extLst>
   </p:cSld>
@@ -10693,7 +10755,7 @@
           <a:p>
             <a:r>
               <a:rPr lang="en-GB" dirty="0"/>
-              <a:t>How to overcome these limitations?</a:t>
+              <a:t>Decision Trees - Limitations</a:t>
             </a:r>
           </a:p>
         </p:txBody>
@@ -10721,73 +10783,47 @@
           <a:p>
             <a:r>
               <a:rPr lang="en-GB" dirty="0"/>
-              <a:t>Ensemble:</a:t>
+              <a:t>Prone to overfit</a:t>
+            </a:r>
+          </a:p>
+          <a:p>
+            <a:r>
+              <a:rPr lang="en-GB" dirty="0"/>
+              <a:t>Poor generalisation performances</a:t>
+            </a:r>
+          </a:p>
+          <a:p>
+            <a:r>
+              <a:rPr lang="en-GB" dirty="0"/>
+              <a:t>High variance</a:t>
             </a:r>
           </a:p>
           <a:p>
             <a:pPr lvl="1"/>
             <a:r>
+              <a:rPr lang="en-US" dirty="0"/>
+              <a:t>a slight change in the data can result in a completely different set of splits, which can make interpretation difficult</a:t>
+            </a:r>
+          </a:p>
+          <a:p>
+            <a:r>
+              <a:rPr lang="en-US" dirty="0"/>
+              <a:t>Can be inherently unstable</a:t>
+            </a:r>
+          </a:p>
+          <a:p>
+            <a:pPr lvl="1"/>
+            <a:r>
+              <a:rPr lang="en-US" dirty="0"/>
+              <a:t>the effect of an error in the top splits propagates down to all of the splits below due to their hierarchical nature</a:t>
+            </a:r>
+            <a:endParaRPr lang="en-GB" dirty="0"/>
+          </a:p>
+          <a:p>
+            <a:r>
               <a:rPr lang="en-GB" dirty="0"/>
-              <a:t>Single DT is fast but does not perform well</a:t>
-            </a:r>
-          </a:p>
-          <a:p>
-            <a:pPr lvl="1"/>
-            <a:r>
-              <a:rPr lang="en-GB" dirty="0"/>
-              <a:t>Learn from multiple trees</a:t>
-            </a:r>
-          </a:p>
-          <a:p>
-            <a:pPr marL="0" indent="0">
-              <a:buNone/>
-            </a:pPr>
-            <a:r>
-              <a:rPr lang="en-GB" dirty="0"/>
-              <a:t>Need to be careful to not learn the same </a:t>
-            </a:r>
-          </a:p>
-          <a:p>
-            <a:r>
-              <a:rPr lang="en-GB" dirty="0"/>
-              <a:t>Bagging: </a:t>
-            </a:r>
-          </a:p>
-          <a:p>
-            <a:pPr lvl="1"/>
-            <a:r>
-              <a:rPr lang="en-US" dirty="0"/>
-              <a:t>Bootstrap aggregating, a method that results in low variance</a:t>
-            </a:r>
-          </a:p>
-          <a:p>
-            <a:pPr lvl="1"/>
-            <a:r>
-              <a:rPr lang="en-US" dirty="0"/>
-              <a:t>Construct N trees and learn a classifier for each bootstrap sample and average them</a:t>
-            </a:r>
-          </a:p>
-          <a:p>
-            <a:pPr lvl="1"/>
-            <a:r>
-              <a:rPr lang="en-US" dirty="0"/>
-              <a:t>Can improve the accuracy of unstable models that tend to overfit</a:t>
-            </a:r>
-            <a:endParaRPr lang="en-GB" dirty="0"/>
-          </a:p>
-          <a:p>
-            <a:r>
-              <a:rPr lang="en-GB" dirty="0"/>
-              <a:t>Feature Randomness:</a:t>
-            </a:r>
-          </a:p>
-          <a:p>
-            <a:pPr lvl="1"/>
-            <a:r>
-              <a:rPr lang="en-US" dirty="0"/>
-              <a:t>Feature bagging generates a random subset of features, which ensures low correlation among models</a:t>
-            </a:r>
-            <a:endParaRPr lang="en-GB" dirty="0"/>
+              <a:t>Produce biased trees for unbalanced dataset</a:t>
+            </a:r>
           </a:p>
         </p:txBody>
       </p:sp>
@@ -10824,7 +10860,7 @@
     </p:spTree>
     <p:extLst>
       <p:ext uri="{BB962C8B-B14F-4D97-AF65-F5344CB8AC3E}">
-        <p14:creationId xmlns:p14="http://schemas.microsoft.com/office/powerpoint/2010/main" val="2754905175"/>
+        <p14:creationId xmlns:p14="http://schemas.microsoft.com/office/powerpoint/2010/main" val="386279620"/>
       </p:ext>
     </p:extLst>
   </p:cSld>
@@ -10856,6 +10892,187 @@
           <p:cNvPr id="2" name="Title 1">
             <a:extLst>
               <a:ext uri="{FF2B5EF4-FFF2-40B4-BE49-F238E27FC236}">
+                <a16:creationId xmlns:a16="http://schemas.microsoft.com/office/drawing/2014/main" id="{E8D6BCFE-1B44-72D1-0A06-2B93A63242A1}"/>
+              </a:ext>
+            </a:extLst>
+          </p:cNvPr>
+          <p:cNvSpPr>
+            <a:spLocks noGrp="1"/>
+          </p:cNvSpPr>
+          <p:nvPr>
+            <p:ph type="title"/>
+          </p:nvPr>
+        </p:nvSpPr>
+        <p:spPr/>
+        <p:txBody>
+          <a:bodyPr/>
+          <a:lstStyle/>
+          <a:p>
+            <a:r>
+              <a:rPr lang="en-GB" dirty="0"/>
+              <a:t>How to overcome these limitations?</a:t>
+            </a:r>
+          </a:p>
+        </p:txBody>
+      </p:sp>
+      <p:sp>
+        <p:nvSpPr>
+          <p:cNvPr id="3" name="Content Placeholder 2">
+            <a:extLst>
+              <a:ext uri="{FF2B5EF4-FFF2-40B4-BE49-F238E27FC236}">
+                <a16:creationId xmlns:a16="http://schemas.microsoft.com/office/drawing/2014/main" id="{A91C0F59-7092-9C07-472D-15A8D002F241}"/>
+              </a:ext>
+            </a:extLst>
+          </p:cNvPr>
+          <p:cNvSpPr>
+            <a:spLocks noGrp="1"/>
+          </p:cNvSpPr>
+          <p:nvPr>
+            <p:ph idx="1"/>
+          </p:nvPr>
+        </p:nvSpPr>
+        <p:spPr/>
+        <p:txBody>
+          <a:bodyPr/>
+          <a:lstStyle/>
+          <a:p>
+            <a:r>
+              <a:rPr lang="en-GB" dirty="0"/>
+              <a:t>Ensemble:</a:t>
+            </a:r>
+          </a:p>
+          <a:p>
+            <a:pPr lvl="1"/>
+            <a:r>
+              <a:rPr lang="en-GB" dirty="0"/>
+              <a:t>Single DT is fast but does not perform well</a:t>
+            </a:r>
+          </a:p>
+          <a:p>
+            <a:pPr lvl="1"/>
+            <a:r>
+              <a:rPr lang="en-GB" dirty="0"/>
+              <a:t>Learn from multiple trees</a:t>
+            </a:r>
+          </a:p>
+          <a:p>
+            <a:pPr marL="0" indent="0">
+              <a:buNone/>
+            </a:pPr>
+            <a:r>
+              <a:rPr lang="en-GB" dirty="0"/>
+              <a:t>Need to be careful to not learn the same </a:t>
+            </a:r>
+          </a:p>
+          <a:p>
+            <a:r>
+              <a:rPr lang="en-GB" dirty="0"/>
+              <a:t>Bagging: </a:t>
+            </a:r>
+          </a:p>
+          <a:p>
+            <a:pPr lvl="1"/>
+            <a:r>
+              <a:rPr lang="en-US" dirty="0"/>
+              <a:t>Bootstrap aggregating, a method that results in low variance</a:t>
+            </a:r>
+          </a:p>
+          <a:p>
+            <a:pPr lvl="1"/>
+            <a:r>
+              <a:rPr lang="en-US" dirty="0"/>
+              <a:t>Construct N trees and learn a classifier for each bootstrap sample and average them</a:t>
+            </a:r>
+          </a:p>
+          <a:p>
+            <a:pPr lvl="1"/>
+            <a:r>
+              <a:rPr lang="en-US" dirty="0"/>
+              <a:t>Can improve the accuracy of unstable models that tend to overfit</a:t>
+            </a:r>
+            <a:endParaRPr lang="en-GB" dirty="0"/>
+          </a:p>
+          <a:p>
+            <a:r>
+              <a:rPr lang="en-GB" dirty="0"/>
+              <a:t>Feature Randomness:</a:t>
+            </a:r>
+          </a:p>
+          <a:p>
+            <a:pPr lvl="1"/>
+            <a:r>
+              <a:rPr lang="en-US" dirty="0"/>
+              <a:t>Feature bagging generates a random subset of features, which ensures low correlation among models</a:t>
+            </a:r>
+            <a:endParaRPr lang="en-GB" dirty="0"/>
+          </a:p>
+        </p:txBody>
+      </p:sp>
+      <p:sp>
+        <p:nvSpPr>
+          <p:cNvPr id="4" name="Slide Number Placeholder 3">
+            <a:extLst>
+              <a:ext uri="{FF2B5EF4-FFF2-40B4-BE49-F238E27FC236}">
+                <a16:creationId xmlns:a16="http://schemas.microsoft.com/office/drawing/2014/main" id="{4F953275-6596-419B-25C7-5C0D3A118C53}"/>
+              </a:ext>
+            </a:extLst>
+          </p:cNvPr>
+          <p:cNvSpPr>
+            <a:spLocks noGrp="1"/>
+          </p:cNvSpPr>
+          <p:nvPr>
+            <p:ph type="sldNum" sz="quarter" idx="12"/>
+          </p:nvPr>
+        </p:nvSpPr>
+        <p:spPr/>
+        <p:txBody>
+          <a:bodyPr/>
+          <a:lstStyle/>
+          <a:p>
+            <a:fld id="{44E22EE9-B8A0-0641-9265-052CFE9B95A7}" type="slidenum">
+              <a:rPr lang="en-GB" altLang="en-US" smtClean="0"/>
+              <a:pPr/>
+              <a:t>31</a:t>
+            </a:fld>
+            <a:endParaRPr lang="en-GB" altLang="en-US" dirty="0"/>
+          </a:p>
+        </p:txBody>
+      </p:sp>
+    </p:spTree>
+    <p:extLst>
+      <p:ext uri="{BB962C8B-B14F-4D97-AF65-F5344CB8AC3E}">
+        <p14:creationId xmlns:p14="http://schemas.microsoft.com/office/powerpoint/2010/main" val="2754905175"/>
+      </p:ext>
+    </p:extLst>
+  </p:cSld>
+  <p:clrMapOvr>
+    <a:masterClrMapping/>
+  </p:clrMapOvr>
+</p:sld>
+</file>
+
+<file path=ppt/slides/slide32.xml><?xml version="1.0" encoding="utf-8"?>
+<p:sld xmlns:a="http://schemas.openxmlformats.org/drawingml/2006/main" xmlns:r="http://schemas.openxmlformats.org/officeDocument/2006/relationships" xmlns:p="http://schemas.openxmlformats.org/presentationml/2006/main">
+  <p:cSld>
+    <p:spTree>
+      <p:nvGrpSpPr>
+        <p:cNvPr id="1" name=""/>
+        <p:cNvGrpSpPr/>
+        <p:nvPr/>
+      </p:nvGrpSpPr>
+      <p:grpSpPr>
+        <a:xfrm>
+          <a:off x="0" y="0"/>
+          <a:ext cx="0" cy="0"/>
+          <a:chOff x="0" y="0"/>
+          <a:chExt cx="0" cy="0"/>
+        </a:xfrm>
+      </p:grpSpPr>
+      <p:sp>
+        <p:nvSpPr>
+          <p:cNvPr id="2" name="Title 1">
+            <a:extLst>
+              <a:ext uri="{FF2B5EF4-FFF2-40B4-BE49-F238E27FC236}">
                 <a16:creationId xmlns:a16="http://schemas.microsoft.com/office/drawing/2014/main" id="{32E7C2BB-8E20-9514-89F4-516978D5675B}"/>
               </a:ext>
             </a:extLst>
@@ -10952,7 +11169,7 @@
             <a:fld id="{44E22EE9-B8A0-0641-9265-052CFE9B95A7}" type="slidenum">
               <a:rPr lang="en-GB" altLang="en-US" smtClean="0"/>
               <a:pPr/>
-              <a:t>31</a:t>
+              <a:t>32</a:t>
             </a:fld>
             <a:endParaRPr lang="en-GB" altLang="en-US" dirty="0"/>
           </a:p>
@@ -11139,238 +11356,6 @@
 </p:sld>
 </file>
 
-<file path=ppt/slides/slide32.xml><?xml version="1.0" encoding="utf-8"?>
-<p:sld xmlns:a="http://schemas.openxmlformats.org/drawingml/2006/main" xmlns:r="http://schemas.openxmlformats.org/officeDocument/2006/relationships" xmlns:p="http://schemas.openxmlformats.org/presentationml/2006/main">
-  <p:cSld>
-    <p:spTree>
-      <p:nvGrpSpPr>
-        <p:cNvPr id="1" name=""/>
-        <p:cNvGrpSpPr/>
-        <p:nvPr/>
-      </p:nvGrpSpPr>
-      <p:grpSpPr>
-        <a:xfrm>
-          <a:off x="0" y="0"/>
-          <a:ext cx="0" cy="0"/>
-          <a:chOff x="0" y="0"/>
-          <a:chExt cx="0" cy="0"/>
-        </a:xfrm>
-      </p:grpSpPr>
-      <p:sp>
-        <p:nvSpPr>
-          <p:cNvPr id="2" name="Title 1">
-            <a:extLst>
-              <a:ext uri="{FF2B5EF4-FFF2-40B4-BE49-F238E27FC236}">
-                <a16:creationId xmlns:a16="http://schemas.microsoft.com/office/drawing/2014/main" id="{5434695D-D3B4-6E9B-B5C0-EBF1CF9034D5}"/>
-              </a:ext>
-            </a:extLst>
-          </p:cNvPr>
-          <p:cNvSpPr>
-            <a:spLocks noGrp="1"/>
-          </p:cNvSpPr>
-          <p:nvPr>
-            <p:ph type="title"/>
-          </p:nvPr>
-        </p:nvSpPr>
-        <p:spPr/>
-        <p:txBody>
-          <a:bodyPr/>
-          <a:lstStyle/>
-          <a:p>
-            <a:r>
-              <a:rPr lang="en-GB" dirty="0"/>
-              <a:t>Ensemble models </a:t>
-            </a:r>
-          </a:p>
-        </p:txBody>
-      </p:sp>
-      <p:sp>
-        <p:nvSpPr>
-          <p:cNvPr id="3" name="Content Placeholder 2">
-            <a:extLst>
-              <a:ext uri="{FF2B5EF4-FFF2-40B4-BE49-F238E27FC236}">
-                <a16:creationId xmlns:a16="http://schemas.microsoft.com/office/drawing/2014/main" id="{FD535F95-5D68-57FF-9780-0F828D8BB6F0}"/>
-              </a:ext>
-            </a:extLst>
-          </p:cNvPr>
-          <p:cNvSpPr>
-            <a:spLocks noGrp="1"/>
-          </p:cNvSpPr>
-          <p:nvPr>
-            <p:ph idx="1"/>
-          </p:nvPr>
-        </p:nvSpPr>
-        <p:spPr/>
-        <p:txBody>
-          <a:bodyPr/>
-          <a:lstStyle/>
-          <a:p>
-            <a:pPr algn="l"/>
-            <a:r>
-              <a:rPr lang="en-GB" i="0" u="none" strike="noStrike" dirty="0">
-                <a:solidFill>
-                  <a:srgbClr val="212529"/>
-                </a:solidFill>
-                <a:effectLst/>
-              </a:rPr>
-              <a:t>The goal of ensemble methods is to combine the predictions of several base estimators built with a given learning algorithm in order to improve generalisability / robustness over a single estimator.</a:t>
-            </a:r>
-          </a:p>
-          <a:p>
-            <a:pPr algn="l"/>
-            <a:endParaRPr lang="en-GB" i="0" u="none" strike="noStrike" dirty="0">
-              <a:solidFill>
-                <a:srgbClr val="212529"/>
-              </a:solidFill>
-              <a:effectLst/>
-            </a:endParaRPr>
-          </a:p>
-          <a:p>
-            <a:pPr algn="l"/>
-            <a:r>
-              <a:rPr lang="en-GB" i="0" u="none" strike="noStrike" dirty="0">
-                <a:solidFill>
-                  <a:srgbClr val="212529"/>
-                </a:solidFill>
-                <a:effectLst/>
-              </a:rPr>
-              <a:t>Two families of ensemble methods are usually distinguished:</a:t>
-            </a:r>
-          </a:p>
-          <a:p>
-            <a:pPr lvl="1"/>
-            <a:r>
-              <a:rPr lang="en-GB" dirty="0">
-                <a:solidFill>
-                  <a:srgbClr val="212529"/>
-                </a:solidFill>
-              </a:rPr>
-              <a:t>Averaging methods</a:t>
-            </a:r>
-          </a:p>
-          <a:p>
-            <a:pPr lvl="1"/>
-            <a:r>
-              <a:rPr lang="en-GB" dirty="0">
-                <a:solidFill>
-                  <a:srgbClr val="212529"/>
-                </a:solidFill>
-              </a:rPr>
-              <a:t>Boosting methods</a:t>
-            </a:r>
-            <a:endParaRPr lang="en-GB" i="0" u="none" strike="noStrike" dirty="0">
-              <a:solidFill>
-                <a:srgbClr val="212529"/>
-              </a:solidFill>
-              <a:effectLst/>
-            </a:endParaRPr>
-          </a:p>
-          <a:p>
-            <a:endParaRPr lang="en-GB" dirty="0"/>
-          </a:p>
-        </p:txBody>
-      </p:sp>
-      <p:sp>
-        <p:nvSpPr>
-          <p:cNvPr id="4" name="Slide Number Placeholder 3">
-            <a:extLst>
-              <a:ext uri="{FF2B5EF4-FFF2-40B4-BE49-F238E27FC236}">
-                <a16:creationId xmlns:a16="http://schemas.microsoft.com/office/drawing/2014/main" id="{CFC9C476-7C82-C262-35F7-8F728F5ED29E}"/>
-              </a:ext>
-            </a:extLst>
-          </p:cNvPr>
-          <p:cNvSpPr>
-            <a:spLocks noGrp="1"/>
-          </p:cNvSpPr>
-          <p:nvPr>
-            <p:ph type="sldNum" sz="quarter" idx="12"/>
-          </p:nvPr>
-        </p:nvSpPr>
-        <p:spPr/>
-        <p:txBody>
-          <a:bodyPr/>
-          <a:lstStyle/>
-          <a:p>
-            <a:fld id="{44E22EE9-B8A0-0641-9265-052CFE9B95A7}" type="slidenum">
-              <a:rPr lang="en-GB" altLang="en-US" smtClean="0"/>
-              <a:pPr/>
-              <a:t>32</a:t>
-            </a:fld>
-            <a:endParaRPr lang="en-GB" altLang="en-US" dirty="0"/>
-          </a:p>
-        </p:txBody>
-      </p:sp>
-      <p:sp>
-        <p:nvSpPr>
-          <p:cNvPr id="6" name="TextBox 5">
-            <a:extLst>
-              <a:ext uri="{FF2B5EF4-FFF2-40B4-BE49-F238E27FC236}">
-                <a16:creationId xmlns:a16="http://schemas.microsoft.com/office/drawing/2014/main" id="{CD39F01C-13F4-FD71-A89E-54B89AA260D0}"/>
-              </a:ext>
-            </a:extLst>
-          </p:cNvPr>
-          <p:cNvSpPr txBox="1"/>
-          <p:nvPr/>
-        </p:nvSpPr>
-        <p:spPr>
-          <a:xfrm>
-            <a:off x="457200" y="5142517"/>
-            <a:ext cx="3610744" cy="230832"/>
-          </a:xfrm>
-          <a:prstGeom prst="rect">
-            <a:avLst/>
-          </a:prstGeom>
-          <a:noFill/>
-        </p:spPr>
-        <p:txBody>
-          <a:bodyPr wrap="square">
-            <a:spAutoFit/>
-          </a:bodyPr>
-          <a:lstStyle/>
-          <a:p>
-            <a:r>
-              <a:rPr lang="en-GB" sz="900" dirty="0">
-                <a:latin typeface="Gill Sans MT" panose="020B0502020104020203" pitchFamily="34" charset="77"/>
-              </a:rPr>
-              <a:t>Source: https://scikit-</a:t>
-            </a:r>
-            <a:r>
-              <a:rPr lang="en-GB" sz="900" dirty="0" err="1">
-                <a:latin typeface="Gill Sans MT" panose="020B0502020104020203" pitchFamily="34" charset="77"/>
-              </a:rPr>
-              <a:t>learn.org</a:t>
-            </a:r>
-            <a:r>
-              <a:rPr lang="en-GB" sz="900" dirty="0">
-                <a:latin typeface="Gill Sans MT" panose="020B0502020104020203" pitchFamily="34" charset="77"/>
-              </a:rPr>
-              <a:t>/stable/modules/</a:t>
-            </a:r>
-            <a:r>
-              <a:rPr lang="en-GB" sz="900" dirty="0" err="1">
-                <a:latin typeface="Gill Sans MT" panose="020B0502020104020203" pitchFamily="34" charset="77"/>
-              </a:rPr>
-              <a:t>ensemble.html</a:t>
-            </a:r>
-            <a:endParaRPr lang="en-GB" sz="900" dirty="0">
-              <a:latin typeface="Gill Sans MT" panose="020B0502020104020203" pitchFamily="34" charset="77"/>
-            </a:endParaRPr>
-          </a:p>
-        </p:txBody>
-      </p:sp>
-    </p:spTree>
-    <p:extLst>
-      <p:ext uri="{BB962C8B-B14F-4D97-AF65-F5344CB8AC3E}">
-        <p14:creationId xmlns:p14="http://schemas.microsoft.com/office/powerpoint/2010/main" val="2325906555"/>
-      </p:ext>
-    </p:extLst>
-  </p:cSld>
-  <p:clrMapOvr>
-    <a:masterClrMapping/>
-  </p:clrMapOvr>
-</p:sld>
-</file>
-
 <file path=ppt/slides/slide33.xml><?xml version="1.0" encoding="utf-8"?>
 <p:sld xmlns:a="http://schemas.openxmlformats.org/drawingml/2006/main" xmlns:r="http://schemas.openxmlformats.org/officeDocument/2006/relationships" xmlns:p="http://schemas.openxmlformats.org/presentationml/2006/main">
   <p:cSld>
@@ -11393,7 +11378,7 @@
           <p:cNvPr id="2" name="Title 1">
             <a:extLst>
               <a:ext uri="{FF2B5EF4-FFF2-40B4-BE49-F238E27FC236}">
-                <a16:creationId xmlns:a16="http://schemas.microsoft.com/office/drawing/2014/main" id="{1E216C46-208B-2512-09BD-749AC9B087FD}"/>
+                <a16:creationId xmlns:a16="http://schemas.microsoft.com/office/drawing/2014/main" id="{5434695D-D3B4-6E9B-B5C0-EBF1CF9034D5}"/>
               </a:ext>
             </a:extLst>
           </p:cNvPr>
@@ -11411,7 +11396,7 @@
           <a:p>
             <a:r>
               <a:rPr lang="en-GB" dirty="0"/>
-              <a:t>Averaging methods</a:t>
+              <a:t>Ensemble models </a:t>
             </a:r>
           </a:p>
         </p:txBody>
@@ -11421,7 +11406,7 @@
           <p:cNvPr id="3" name="Content Placeholder 2">
             <a:extLst>
               <a:ext uri="{FF2B5EF4-FFF2-40B4-BE49-F238E27FC236}">
-                <a16:creationId xmlns:a16="http://schemas.microsoft.com/office/drawing/2014/main" id="{4CDE8C39-0FDD-761D-E849-9D6286C86F33}"/>
+                <a16:creationId xmlns:a16="http://schemas.microsoft.com/office/drawing/2014/main" id="{FD535F95-5D68-57FF-9780-0F828D8BB6F0}"/>
               </a:ext>
             </a:extLst>
           </p:cNvPr>
@@ -11437,88 +11422,67 @@
           <a:bodyPr/>
           <a:lstStyle/>
           <a:p>
-            <a:pPr>
-              <a:spcBef>
-                <a:spcPts val="0"/>
-              </a:spcBef>
-              <a:spcAft>
-                <a:spcPts val="0"/>
-              </a:spcAft>
-            </a:pPr>
+            <a:pPr algn="l"/>
+            <a:r>
+              <a:rPr lang="en-GB" i="0" u="none" strike="noStrike" dirty="0">
+                <a:solidFill>
+                  <a:srgbClr val="212529"/>
+                </a:solidFill>
+                <a:effectLst/>
+              </a:rPr>
+              <a:t>The goal of ensemble methods is to combine the predictions of several base estimators built with a given learning algorithm in order to improve generalisability / robustness over a single estimator.</a:t>
+            </a:r>
+          </a:p>
+          <a:p>
+            <a:pPr algn="l"/>
+            <a:endParaRPr lang="en-GB" i="0" u="none" strike="noStrike" dirty="0">
+              <a:solidFill>
+                <a:srgbClr val="212529"/>
+              </a:solidFill>
+              <a:effectLst/>
+            </a:endParaRPr>
+          </a:p>
+          <a:p>
+            <a:pPr algn="l"/>
+            <a:r>
+              <a:rPr lang="en-GB" i="0" u="none" strike="noStrike" dirty="0">
+                <a:solidFill>
+                  <a:srgbClr val="212529"/>
+                </a:solidFill>
+                <a:effectLst/>
+              </a:rPr>
+              <a:t>Two families of ensemble methods are usually distinguished:</a:t>
+            </a:r>
+          </a:p>
+          <a:p>
+            <a:pPr lvl="1"/>
             <a:r>
               <a:rPr lang="en-GB" dirty="0">
                 <a:solidFill>
-                  <a:srgbClr val="0E101A"/>
-                </a:solidFill>
-              </a:rPr>
-              <a:t>In averaging methods, the driving principle is to build several estimators independently and then average their predictions. </a:t>
-            </a:r>
-          </a:p>
-          <a:p>
-            <a:pPr>
-              <a:spcBef>
-                <a:spcPts val="0"/>
-              </a:spcBef>
-              <a:spcAft>
-                <a:spcPts val="0"/>
-              </a:spcAft>
-            </a:pPr>
-            <a:endParaRPr lang="en-GB" dirty="0">
+                  <a:srgbClr val="212529"/>
+                </a:solidFill>
+              </a:rPr>
+              <a:t>Averaging methods</a:t>
+            </a:r>
+          </a:p>
+          <a:p>
+            <a:pPr lvl="1"/>
+            <a:r>
+              <a:rPr lang="en-GB" dirty="0">
+                <a:solidFill>
+                  <a:srgbClr val="212529"/>
+                </a:solidFill>
+              </a:rPr>
+              <a:t>Boosting methods</a:t>
+            </a:r>
+            <a:endParaRPr lang="en-GB" i="0" u="none" strike="noStrike" dirty="0">
               <a:solidFill>
-                <a:srgbClr val="0E101A"/>
+                <a:srgbClr val="212529"/>
               </a:solidFill>
+              <a:effectLst/>
             </a:endParaRPr>
           </a:p>
           <a:p>
-            <a:pPr>
-              <a:spcBef>
-                <a:spcPts val="0"/>
-              </a:spcBef>
-              <a:spcAft>
-                <a:spcPts val="0"/>
-              </a:spcAft>
-            </a:pPr>
-            <a:r>
-              <a:rPr lang="en-GB" dirty="0">
-                <a:solidFill>
-                  <a:srgbClr val="0E101A"/>
-                </a:solidFill>
-              </a:rPr>
-              <a:t>On average, the combined estimator is usually better than any single base estimator because its variance is reduced.</a:t>
-            </a:r>
-          </a:p>
-          <a:p>
-            <a:pPr>
-              <a:spcBef>
-                <a:spcPts val="0"/>
-              </a:spcBef>
-              <a:spcAft>
-                <a:spcPts val="0"/>
-              </a:spcAft>
-            </a:pPr>
-            <a:endParaRPr lang="en-GB" dirty="0">
-              <a:solidFill>
-                <a:srgbClr val="0E101A"/>
-              </a:solidFill>
-            </a:endParaRPr>
-          </a:p>
-          <a:p>
-            <a:pPr>
-              <a:spcBef>
-                <a:spcPts val="0"/>
-              </a:spcBef>
-              <a:spcAft>
-                <a:spcPts val="0"/>
-              </a:spcAft>
-            </a:pPr>
-            <a:r>
-              <a:rPr lang="en-GB" dirty="0">
-                <a:solidFill>
-                  <a:srgbClr val="0E101A"/>
-                </a:solidFill>
-              </a:rPr>
-              <a:t>Examples: Bagging methods</a:t>
-            </a:r>
             <a:endParaRPr lang="en-GB" dirty="0"/>
           </a:p>
         </p:txBody>
@@ -11528,7 +11492,7 @@
           <p:cNvPr id="4" name="Slide Number Placeholder 3">
             <a:extLst>
               <a:ext uri="{FF2B5EF4-FFF2-40B4-BE49-F238E27FC236}">
-                <a16:creationId xmlns:a16="http://schemas.microsoft.com/office/drawing/2014/main" id="{E08AE168-5710-5820-568B-F485677B00F0}"/>
+                <a16:creationId xmlns:a16="http://schemas.microsoft.com/office/drawing/2014/main" id="{CFC9C476-7C82-C262-35F7-8F728F5ED29E}"/>
               </a:ext>
             </a:extLst>
           </p:cNvPr>
@@ -11555,10 +11519,10 @@
       </p:sp>
       <p:sp>
         <p:nvSpPr>
-          <p:cNvPr id="5" name="TextBox 4">
-            <a:extLst>
-              <a:ext uri="{FF2B5EF4-FFF2-40B4-BE49-F238E27FC236}">
-                <a16:creationId xmlns:a16="http://schemas.microsoft.com/office/drawing/2014/main" id="{F4E315C0-AB45-2A6D-43BF-7BBDF0623B58}"/>
+          <p:cNvPr id="6" name="TextBox 5">
+            <a:extLst>
+              <a:ext uri="{FF2B5EF4-FFF2-40B4-BE49-F238E27FC236}">
+                <a16:creationId xmlns:a16="http://schemas.microsoft.com/office/drawing/2014/main" id="{CD39F01C-13F4-FD71-A89E-54B89AA260D0}"/>
               </a:ext>
             </a:extLst>
           </p:cNvPr>
@@ -11614,7 +11578,7 @@
     </p:spTree>
     <p:extLst>
       <p:ext uri="{BB962C8B-B14F-4D97-AF65-F5344CB8AC3E}">
-        <p14:creationId xmlns:p14="http://schemas.microsoft.com/office/powerpoint/2010/main" val="3000764609"/>
+        <p14:creationId xmlns:p14="http://schemas.microsoft.com/office/powerpoint/2010/main" val="2325906555"/>
       </p:ext>
     </p:extLst>
   </p:cSld>
@@ -11646,7 +11610,7 @@
           <p:cNvPr id="2" name="Title 1">
             <a:extLst>
               <a:ext uri="{FF2B5EF4-FFF2-40B4-BE49-F238E27FC236}">
-                <a16:creationId xmlns:a16="http://schemas.microsoft.com/office/drawing/2014/main" id="{25E00844-650D-1813-2A8B-C2263576476E}"/>
+                <a16:creationId xmlns:a16="http://schemas.microsoft.com/office/drawing/2014/main" id="{1E216C46-208B-2512-09BD-749AC9B087FD}"/>
               </a:ext>
             </a:extLst>
           </p:cNvPr>
@@ -11664,7 +11628,7 @@
           <a:p>
             <a:r>
               <a:rPr lang="en-GB" dirty="0"/>
-              <a:t>Bagging</a:t>
+              <a:t>Averaging methods</a:t>
             </a:r>
           </a:p>
         </p:txBody>
@@ -11674,7 +11638,7 @@
           <p:cNvPr id="3" name="Content Placeholder 2">
             <a:extLst>
               <a:ext uri="{FF2B5EF4-FFF2-40B4-BE49-F238E27FC236}">
-                <a16:creationId xmlns:a16="http://schemas.microsoft.com/office/drawing/2014/main" id="{DAF82759-BDF2-354A-8C57-C987333F2E08}"/>
+                <a16:creationId xmlns:a16="http://schemas.microsoft.com/office/drawing/2014/main" id="{4CDE8C39-0FDD-761D-E849-9D6286C86F33}"/>
               </a:ext>
             </a:extLst>
           </p:cNvPr>
@@ -11690,180 +11654,89 @@
           <a:bodyPr/>
           <a:lstStyle/>
           <a:p>
-            <a:r>
-              <a:rPr lang="en-GB" sz="1800" b="0" i="0" u="none" strike="noStrike" dirty="0">
-                <a:solidFill>
-                  <a:srgbClr val="212529"/>
-                </a:solidFill>
-                <a:effectLst/>
-              </a:rPr>
-              <a:t>Bagging methods come in many flavours but mostly differ from each other by the way they draw random subsets of the training set:</a:t>
-            </a:r>
-          </a:p>
-          <a:p>
-            <a:pPr lvl="1"/>
-            <a:r>
-              <a:rPr lang="en-GB" sz="1800" b="0" i="0" u="none" strike="noStrike" dirty="0">
-                <a:solidFill>
-                  <a:srgbClr val="212529"/>
-                </a:solidFill>
-                <a:effectLst/>
-              </a:rPr>
-              <a:t>When random subsets of the dataset are drawn as random subsets of the samples, then this algorithm is known as </a:t>
-            </a:r>
-            <a:r>
-              <a:rPr lang="en-GB" sz="1800" b="0" i="0" u="none" strike="noStrike" dirty="0">
-                <a:solidFill>
-                  <a:srgbClr val="FF0000"/>
-                </a:solidFill>
-                <a:effectLst/>
-              </a:rPr>
-              <a:t>Pasting</a:t>
-            </a:r>
-            <a:r>
-              <a:rPr lang="en-GB" sz="1800" b="0" i="0" u="none" strike="noStrike" dirty="0">
-                <a:effectLst/>
-              </a:rPr>
-              <a:t>.</a:t>
-            </a:r>
-            <a:endParaRPr lang="en-GB" sz="1800" dirty="0"/>
-          </a:p>
-          <a:p>
-            <a:pPr lvl="1"/>
-            <a:r>
-              <a:rPr lang="en-GB" sz="1800" b="0" i="0" u="none" strike="noStrike" dirty="0">
-                <a:solidFill>
-                  <a:srgbClr val="212529"/>
-                </a:solidFill>
-                <a:effectLst/>
-              </a:rPr>
-              <a:t>When samples are drawn with replacement, then the method is known as </a:t>
-            </a:r>
-            <a:r>
-              <a:rPr lang="en-GB" sz="1800" b="0" i="0" u="none" strike="noStrike" dirty="0">
-                <a:solidFill>
-                  <a:srgbClr val="FF0000"/>
-                </a:solidFill>
-                <a:effectLst/>
-              </a:rPr>
-              <a:t>Bagging</a:t>
-            </a:r>
-            <a:r>
-              <a:rPr lang="en-GB" sz="1800" b="0" i="0" u="none" strike="noStrike" dirty="0">
-                <a:effectLst/>
-              </a:rPr>
-              <a:t>.</a:t>
-            </a:r>
-          </a:p>
-          <a:p>
-            <a:pPr lvl="1"/>
-            <a:r>
-              <a:rPr lang="en-GB" sz="1800" b="0" i="0" u="none" strike="noStrike" dirty="0">
-                <a:solidFill>
-                  <a:srgbClr val="212529"/>
-                </a:solidFill>
-                <a:effectLst/>
-              </a:rPr>
-              <a:t>When random subsets of the dataset are drawn as random subsets of the features, then the method is known as </a:t>
-            </a:r>
-            <a:r>
-              <a:rPr lang="en-GB" sz="1800" b="0" i="0" u="none" strike="noStrike" dirty="0">
-                <a:solidFill>
-                  <a:srgbClr val="FF0000"/>
-                </a:solidFill>
-                <a:effectLst/>
-              </a:rPr>
-              <a:t>Random Subspaces</a:t>
-            </a:r>
-            <a:r>
-              <a:rPr lang="en-GB" sz="1800" b="0" i="0" u="none" strike="noStrike" dirty="0">
-                <a:solidFill>
-                  <a:srgbClr val="212529"/>
-                </a:solidFill>
-                <a:effectLst/>
-              </a:rPr>
-              <a:t>.</a:t>
-            </a:r>
-          </a:p>
-          <a:p>
-            <a:pPr lvl="1"/>
-            <a:r>
-              <a:rPr lang="en-GB" sz="1800" b="0" i="0" u="none" strike="noStrike" dirty="0">
-                <a:solidFill>
-                  <a:srgbClr val="212529"/>
-                </a:solidFill>
-                <a:effectLst/>
-              </a:rPr>
-              <a:t>Finally, when base estimators are built on subsets of both samples and features, then the method is known as </a:t>
-            </a:r>
-            <a:r>
-              <a:rPr lang="en-GB" sz="1800" b="0" i="0" u="none" strike="noStrike" dirty="0">
-                <a:solidFill>
-                  <a:srgbClr val="FF0000"/>
-                </a:solidFill>
-                <a:effectLst/>
-              </a:rPr>
-              <a:t>Random Patches</a:t>
-            </a:r>
-            <a:r>
-              <a:rPr lang="en-GB" sz="1800" b="0" i="0" u="none" strike="noStrike" dirty="0">
-                <a:solidFill>
-                  <a:srgbClr val="212529"/>
-                </a:solidFill>
-                <a:effectLst/>
-              </a:rPr>
-              <a:t>.</a:t>
-            </a:r>
-          </a:p>
-          <a:p>
-            <a:r>
-              <a:rPr lang="en-GB" sz="1800" b="0" i="0" u="none" strike="noStrike" dirty="0">
-                <a:solidFill>
-                  <a:srgbClr val="212529"/>
-                </a:solidFill>
-                <a:effectLst/>
-              </a:rPr>
-              <a:t>In scikit-learn, bagging methods are offered as a unified </a:t>
-            </a:r>
-            <a:r>
-              <a:rPr lang="en-GB" sz="1800" b="0" i="0" u="none" strike="noStrike" dirty="0">
-                <a:solidFill>
-                  <a:srgbClr val="2878A2"/>
-                </a:solidFill>
-                <a:effectLst/>
-                <a:hlinkClick r:id="rId2" tooltip="sklearn.ensemble.BaggingClassifier"/>
-              </a:rPr>
-              <a:t>BaggingClassifier</a:t>
-            </a:r>
-            <a:r>
-              <a:rPr lang="en-GB" sz="1800" b="0" i="0" u="none" strike="noStrike" dirty="0">
-                <a:solidFill>
-                  <a:srgbClr val="212529"/>
-                </a:solidFill>
-                <a:effectLst/>
-              </a:rPr>
-              <a:t> meta-estimator (resp. </a:t>
-            </a:r>
-            <a:r>
-              <a:rPr lang="en-GB" sz="1800" b="0" i="0" u="none" strike="noStrike" dirty="0">
-                <a:solidFill>
-                  <a:srgbClr val="2878A2"/>
-                </a:solidFill>
-                <a:effectLst/>
-                <a:hlinkClick r:id="rId3" tooltip="sklearn.ensemble.BaggingRegressor"/>
-              </a:rPr>
-              <a:t>BaggingRegressor</a:t>
-            </a:r>
-            <a:r>
-              <a:rPr lang="en-GB" sz="1800" b="0" i="0" u="none" strike="noStrike" dirty="0">
-                <a:solidFill>
-                  <a:srgbClr val="212529"/>
-                </a:solidFill>
-                <a:effectLst/>
-              </a:rPr>
-              <a:t>), taking as input a user-specified estimator along with parameters specifying the strategy to draw random subsets. </a:t>
-            </a:r>
-            <a:endParaRPr lang="en-GB" sz="1800" dirty="0"/>
+            <a:pPr>
+              <a:spcBef>
+                <a:spcPts val="0"/>
+              </a:spcBef>
+              <a:spcAft>
+                <a:spcPts val="0"/>
+              </a:spcAft>
+            </a:pPr>
+            <a:r>
+              <a:rPr lang="en-GB" dirty="0">
+                <a:solidFill>
+                  <a:srgbClr val="0E101A"/>
+                </a:solidFill>
+              </a:rPr>
+              <a:t>In averaging methods, the driving principle is to build several estimators independently and then average their predictions. </a:t>
+            </a:r>
+          </a:p>
+          <a:p>
+            <a:pPr>
+              <a:spcBef>
+                <a:spcPts val="0"/>
+              </a:spcBef>
+              <a:spcAft>
+                <a:spcPts val="0"/>
+              </a:spcAft>
+            </a:pPr>
+            <a:endParaRPr lang="en-GB" dirty="0">
+              <a:solidFill>
+                <a:srgbClr val="0E101A"/>
+              </a:solidFill>
+            </a:endParaRPr>
+          </a:p>
+          <a:p>
+            <a:pPr>
+              <a:spcBef>
+                <a:spcPts val="0"/>
+              </a:spcBef>
+              <a:spcAft>
+                <a:spcPts val="0"/>
+              </a:spcAft>
+            </a:pPr>
+            <a:r>
+              <a:rPr lang="en-GB" dirty="0">
+                <a:solidFill>
+                  <a:srgbClr val="0E101A"/>
+                </a:solidFill>
+              </a:rPr>
+              <a:t>On average, the combined estimator is usually better than any single base estimator because its variance is reduced.</a:t>
+            </a:r>
+          </a:p>
+          <a:p>
+            <a:pPr>
+              <a:spcBef>
+                <a:spcPts val="0"/>
+              </a:spcBef>
+              <a:spcAft>
+                <a:spcPts val="0"/>
+              </a:spcAft>
+            </a:pPr>
+            <a:endParaRPr lang="en-GB" dirty="0">
+              <a:solidFill>
+                <a:srgbClr val="0E101A"/>
+              </a:solidFill>
+            </a:endParaRPr>
+          </a:p>
+          <a:p>
+            <a:pPr>
+              <a:spcBef>
+                <a:spcPts val="0"/>
+              </a:spcBef>
+              <a:spcAft>
+                <a:spcPts val="0"/>
+              </a:spcAft>
+            </a:pPr>
+            <a:r>
+              <a:rPr lang="en-GB" dirty="0">
+                <a:solidFill>
+                  <a:srgbClr val="0E101A"/>
+                </a:solidFill>
+              </a:rPr>
+              <a:t>Examples: Bagging methods</a:t>
+            </a:r>
+            <a:endParaRPr lang="en-GB" dirty="0"/>
           </a:p>
         </p:txBody>
       </p:sp>
@@ -11872,7 +11745,7 @@
           <p:cNvPr id="4" name="Slide Number Placeholder 3">
             <a:extLst>
               <a:ext uri="{FF2B5EF4-FFF2-40B4-BE49-F238E27FC236}">
-                <a16:creationId xmlns:a16="http://schemas.microsoft.com/office/drawing/2014/main" id="{FD01B4A4-D146-372B-1D7C-428D7827885D}"/>
+                <a16:creationId xmlns:a16="http://schemas.microsoft.com/office/drawing/2014/main" id="{E08AE168-5710-5820-568B-F485677B00F0}"/>
               </a:ext>
             </a:extLst>
           </p:cNvPr>
@@ -11902,7 +11775,7 @@
           <p:cNvPr id="5" name="TextBox 4">
             <a:extLst>
               <a:ext uri="{FF2B5EF4-FFF2-40B4-BE49-F238E27FC236}">
-                <a16:creationId xmlns:a16="http://schemas.microsoft.com/office/drawing/2014/main" id="{46B11BD1-80CD-8896-2ACC-85EACAB116F2}"/>
+                <a16:creationId xmlns:a16="http://schemas.microsoft.com/office/drawing/2014/main" id="{F4E315C0-AB45-2A6D-43BF-7BBDF0623B58}"/>
               </a:ext>
             </a:extLst>
           </p:cNvPr>
@@ -11911,7 +11784,7 @@
         </p:nvSpPr>
         <p:spPr>
           <a:xfrm>
-            <a:off x="457200" y="5459678"/>
+            <a:off x="457200" y="5142517"/>
             <a:ext cx="3610744" cy="230832"/>
           </a:xfrm>
           <a:prstGeom prst="rect">
@@ -11958,7 +11831,7 @@
     </p:spTree>
     <p:extLst>
       <p:ext uri="{BB962C8B-B14F-4D97-AF65-F5344CB8AC3E}">
-        <p14:creationId xmlns:p14="http://schemas.microsoft.com/office/powerpoint/2010/main" val="1962272867"/>
+        <p14:creationId xmlns:p14="http://schemas.microsoft.com/office/powerpoint/2010/main" val="3000764609"/>
       </p:ext>
     </p:extLst>
   </p:cSld>
@@ -11990,7 +11863,7 @@
           <p:cNvPr id="2" name="Title 1">
             <a:extLst>
               <a:ext uri="{FF2B5EF4-FFF2-40B4-BE49-F238E27FC236}">
-                <a16:creationId xmlns:a16="http://schemas.microsoft.com/office/drawing/2014/main" id="{EC1FB214-A0EC-EC82-1059-4CD8FBBDE250}"/>
+                <a16:creationId xmlns:a16="http://schemas.microsoft.com/office/drawing/2014/main" id="{25E00844-650D-1813-2A8B-C2263576476E}"/>
               </a:ext>
             </a:extLst>
           </p:cNvPr>
@@ -12008,7 +11881,7 @@
           <a:p>
             <a:r>
               <a:rPr lang="en-GB" dirty="0"/>
-              <a:t>Boosting methods</a:t>
+              <a:t>Bagging</a:t>
             </a:r>
           </a:p>
         </p:txBody>
@@ -12018,7 +11891,7 @@
           <p:cNvPr id="3" name="Content Placeholder 2">
             <a:extLst>
               <a:ext uri="{FF2B5EF4-FFF2-40B4-BE49-F238E27FC236}">
-                <a16:creationId xmlns:a16="http://schemas.microsoft.com/office/drawing/2014/main" id="{BA35327F-6FEA-83A9-11F1-5865F3B5AEFF}"/>
+                <a16:creationId xmlns:a16="http://schemas.microsoft.com/office/drawing/2014/main" id="{DAF82759-BDF2-354A-8C57-C987333F2E08}"/>
               </a:ext>
             </a:extLst>
           </p:cNvPr>
@@ -12034,113 +11907,180 @@
           <a:bodyPr/>
           <a:lstStyle/>
           <a:p>
-            <a:pPr>
-              <a:spcBef>
-                <a:spcPts val="0"/>
-              </a:spcBef>
-              <a:spcAft>
-                <a:spcPts val="0"/>
-              </a:spcAft>
-            </a:pPr>
-            <a:r>
-              <a:rPr lang="en-GB" dirty="0">
-                <a:solidFill>
-                  <a:srgbClr val="0E101A"/>
+            <a:r>
+              <a:rPr lang="en-GB" sz="1800" b="0" i="0" u="none" strike="noStrike" dirty="0">
+                <a:solidFill>
+                  <a:srgbClr val="212529"/>
                 </a:solidFill>
                 <a:effectLst/>
               </a:rPr>
-              <a:t>By contrast, in </a:t>
-            </a:r>
-            <a:r>
-              <a:rPr lang="en-GB" b="1" dirty="0">
-                <a:solidFill>
-                  <a:srgbClr val="0E101A"/>
+              <a:t>Bagging methods come in many flavours but mostly differ from each other by the way they draw random subsets of the training set:</a:t>
+            </a:r>
+          </a:p>
+          <a:p>
+            <a:pPr lvl="1"/>
+            <a:r>
+              <a:rPr lang="en-GB" sz="1800" b="0" i="0" u="none" strike="noStrike" dirty="0">
+                <a:solidFill>
+                  <a:srgbClr val="212529"/>
                 </a:solidFill>
                 <a:effectLst/>
               </a:rPr>
-              <a:t>boosting methods</a:t>
-            </a:r>
-            <a:r>
-              <a:rPr lang="en-GB" dirty="0">
-                <a:solidFill>
-                  <a:srgbClr val="0E101A"/>
+              <a:t>When random subsets of the dataset are drawn as random subsets of the samples, then this algorithm is known as </a:t>
+            </a:r>
+            <a:r>
+              <a:rPr lang="en-GB" sz="1800" b="0" i="0" u="none" strike="noStrike" dirty="0">
+                <a:solidFill>
+                  <a:srgbClr val="FF0000"/>
                 </a:solidFill>
                 <a:effectLst/>
               </a:rPr>
-              <a:t>, base estimators are built sequentially, and one tries to reduce the bias of the combined estimator. </a:t>
-            </a:r>
-          </a:p>
-          <a:p>
-            <a:pPr>
-              <a:spcBef>
-                <a:spcPts val="0"/>
-              </a:spcBef>
-              <a:spcAft>
-                <a:spcPts val="0"/>
-              </a:spcAft>
-            </a:pPr>
-            <a:endParaRPr lang="en-GB" dirty="0">
-              <a:solidFill>
-                <a:srgbClr val="0E101A"/>
-              </a:solidFill>
-            </a:endParaRPr>
-          </a:p>
-          <a:p>
-            <a:pPr>
-              <a:spcBef>
-                <a:spcPts val="0"/>
-              </a:spcBef>
-              <a:spcAft>
-                <a:spcPts val="0"/>
-              </a:spcAft>
-            </a:pPr>
-            <a:r>
-              <a:rPr lang="en-GB" dirty="0">
-                <a:solidFill>
-                  <a:srgbClr val="0E101A"/>
-                </a:solidFill>
+              <a:t>Pasting</a:t>
+            </a:r>
+            <a:r>
+              <a:rPr lang="en-GB" sz="1800" b="0" i="0" u="none" strike="noStrike" dirty="0">
                 <a:effectLst/>
               </a:rPr>
-              <a:t>The motivation is to combine several weak models to produce a powerful ensemble.</a:t>
-            </a:r>
-          </a:p>
-          <a:p>
-            <a:pPr>
-              <a:spcBef>
-                <a:spcPts val="0"/>
-              </a:spcBef>
-              <a:spcAft>
-                <a:spcPts val="0"/>
-              </a:spcAft>
-            </a:pPr>
-            <a:endParaRPr lang="en-GB" dirty="0">
-              <a:solidFill>
-                <a:srgbClr val="0E101A"/>
-              </a:solidFill>
-              <a:effectLst/>
-            </a:endParaRPr>
-          </a:p>
-          <a:p>
-            <a:pPr>
-              <a:spcBef>
-                <a:spcPts val="0"/>
-              </a:spcBef>
-              <a:spcAft>
-                <a:spcPts val="0"/>
-              </a:spcAft>
-            </a:pPr>
-            <a:r>
-              <a:rPr lang="en-GB" dirty="0">
-                <a:solidFill>
-                  <a:srgbClr val="0E101A"/>
+              <a:t>.</a:t>
+            </a:r>
+            <a:endParaRPr lang="en-GB" sz="1800" dirty="0"/>
+          </a:p>
+          <a:p>
+            <a:pPr lvl="1"/>
+            <a:r>
+              <a:rPr lang="en-GB" sz="1800" b="0" i="0" u="none" strike="noStrike" dirty="0">
+                <a:solidFill>
+                  <a:srgbClr val="212529"/>
                 </a:solidFill>
                 <a:effectLst/>
               </a:rPr>
-              <a:t>Examples: AdaBoost, Gradient Tree Boosting</a:t>
-            </a:r>
-          </a:p>
-          <a:p>
-            <a:endParaRPr lang="en-GB" dirty="0"/>
+              <a:t>When samples are drawn with replacement, then the method is known as </a:t>
+            </a:r>
+            <a:r>
+              <a:rPr lang="en-GB" sz="1800" b="0" i="0" u="none" strike="noStrike" dirty="0">
+                <a:solidFill>
+                  <a:srgbClr val="FF0000"/>
+                </a:solidFill>
+                <a:effectLst/>
+              </a:rPr>
+              <a:t>Bagging</a:t>
+            </a:r>
+            <a:r>
+              <a:rPr lang="en-GB" sz="1800" b="0" i="0" u="none" strike="noStrike" dirty="0">
+                <a:effectLst/>
+              </a:rPr>
+              <a:t>.</a:t>
+            </a:r>
+          </a:p>
+          <a:p>
+            <a:pPr lvl="1"/>
+            <a:r>
+              <a:rPr lang="en-GB" sz="1800" b="0" i="0" u="none" strike="noStrike" dirty="0">
+                <a:solidFill>
+                  <a:srgbClr val="212529"/>
+                </a:solidFill>
+                <a:effectLst/>
+              </a:rPr>
+              <a:t>When random subsets of the dataset are drawn as random subsets of the features, then the method is known as </a:t>
+            </a:r>
+            <a:r>
+              <a:rPr lang="en-GB" sz="1800" b="0" i="0" u="none" strike="noStrike" dirty="0">
+                <a:solidFill>
+                  <a:srgbClr val="FF0000"/>
+                </a:solidFill>
+                <a:effectLst/>
+              </a:rPr>
+              <a:t>Random Subspaces</a:t>
+            </a:r>
+            <a:r>
+              <a:rPr lang="en-GB" sz="1800" b="0" i="0" u="none" strike="noStrike" dirty="0">
+                <a:solidFill>
+                  <a:srgbClr val="212529"/>
+                </a:solidFill>
+                <a:effectLst/>
+              </a:rPr>
+              <a:t>.</a:t>
+            </a:r>
+          </a:p>
+          <a:p>
+            <a:pPr lvl="1"/>
+            <a:r>
+              <a:rPr lang="en-GB" sz="1800" b="0" i="0" u="none" strike="noStrike" dirty="0">
+                <a:solidFill>
+                  <a:srgbClr val="212529"/>
+                </a:solidFill>
+                <a:effectLst/>
+              </a:rPr>
+              <a:t>Finally, when base estimators are built on subsets of both samples and features, then the method is known as </a:t>
+            </a:r>
+            <a:r>
+              <a:rPr lang="en-GB" sz="1800" b="0" i="0" u="none" strike="noStrike" dirty="0">
+                <a:solidFill>
+                  <a:srgbClr val="FF0000"/>
+                </a:solidFill>
+                <a:effectLst/>
+              </a:rPr>
+              <a:t>Random Patches</a:t>
+            </a:r>
+            <a:r>
+              <a:rPr lang="en-GB" sz="1800" b="0" i="0" u="none" strike="noStrike" dirty="0">
+                <a:solidFill>
+                  <a:srgbClr val="212529"/>
+                </a:solidFill>
+                <a:effectLst/>
+              </a:rPr>
+              <a:t>.</a:t>
+            </a:r>
+          </a:p>
+          <a:p>
+            <a:r>
+              <a:rPr lang="en-GB" sz="1800" b="0" i="0" u="none" strike="noStrike" dirty="0">
+                <a:solidFill>
+                  <a:srgbClr val="212529"/>
+                </a:solidFill>
+                <a:effectLst/>
+              </a:rPr>
+              <a:t>In scikit-learn, bagging methods are offered as a unified </a:t>
+            </a:r>
+            <a:r>
+              <a:rPr lang="en-GB" sz="1800" b="0" i="0" u="none" strike="noStrike" dirty="0">
+                <a:solidFill>
+                  <a:srgbClr val="2878A2"/>
+                </a:solidFill>
+                <a:effectLst/>
+                <a:hlinkClick r:id="rId2" tooltip="sklearn.ensemble.BaggingClassifier"/>
+              </a:rPr>
+              <a:t>BaggingClassifier</a:t>
+            </a:r>
+            <a:r>
+              <a:rPr lang="en-GB" sz="1800" b="0" i="0" u="none" strike="noStrike" dirty="0">
+                <a:solidFill>
+                  <a:srgbClr val="212529"/>
+                </a:solidFill>
+                <a:effectLst/>
+              </a:rPr>
+              <a:t> meta-estimator (resp. </a:t>
+            </a:r>
+            <a:r>
+              <a:rPr lang="en-GB" sz="1800" b="0" i="0" u="none" strike="noStrike" dirty="0">
+                <a:solidFill>
+                  <a:srgbClr val="2878A2"/>
+                </a:solidFill>
+                <a:effectLst/>
+                <a:hlinkClick r:id="rId3" tooltip="sklearn.ensemble.BaggingRegressor"/>
+              </a:rPr>
+              <a:t>BaggingRegressor</a:t>
+            </a:r>
+            <a:r>
+              <a:rPr lang="en-GB" sz="1800" b="0" i="0" u="none" strike="noStrike" dirty="0">
+                <a:solidFill>
+                  <a:srgbClr val="212529"/>
+                </a:solidFill>
+                <a:effectLst/>
+              </a:rPr>
+              <a:t>), taking as input a user-specified estimator along with parameters specifying the strategy to draw random subsets. </a:t>
+            </a:r>
+            <a:endParaRPr lang="en-GB" sz="1800" dirty="0"/>
           </a:p>
         </p:txBody>
       </p:sp>
@@ -12149,7 +12089,7 @@
           <p:cNvPr id="4" name="Slide Number Placeholder 3">
             <a:extLst>
               <a:ext uri="{FF2B5EF4-FFF2-40B4-BE49-F238E27FC236}">
-                <a16:creationId xmlns:a16="http://schemas.microsoft.com/office/drawing/2014/main" id="{37B452EC-A869-421B-DBEF-C6829468A6C5}"/>
+                <a16:creationId xmlns:a16="http://schemas.microsoft.com/office/drawing/2014/main" id="{FD01B4A4-D146-372B-1D7C-428D7827885D}"/>
               </a:ext>
             </a:extLst>
           </p:cNvPr>
@@ -12179,7 +12119,7 @@
           <p:cNvPr id="5" name="TextBox 4">
             <a:extLst>
               <a:ext uri="{FF2B5EF4-FFF2-40B4-BE49-F238E27FC236}">
-                <a16:creationId xmlns:a16="http://schemas.microsoft.com/office/drawing/2014/main" id="{53F38CF3-A265-40C1-67CC-6EEB1642D1B2}"/>
+                <a16:creationId xmlns:a16="http://schemas.microsoft.com/office/drawing/2014/main" id="{46B11BD1-80CD-8896-2ACC-85EACAB116F2}"/>
               </a:ext>
             </a:extLst>
           </p:cNvPr>
@@ -12188,7 +12128,7 @@
         </p:nvSpPr>
         <p:spPr>
           <a:xfrm>
-            <a:off x="457200" y="5142517"/>
+            <a:off x="457200" y="5459678"/>
             <a:ext cx="3610744" cy="230832"/>
           </a:xfrm>
           <a:prstGeom prst="rect">
@@ -12235,7 +12175,7 @@
     </p:spTree>
     <p:extLst>
       <p:ext uri="{BB962C8B-B14F-4D97-AF65-F5344CB8AC3E}">
-        <p14:creationId xmlns:p14="http://schemas.microsoft.com/office/powerpoint/2010/main" val="657161133"/>
+        <p14:creationId xmlns:p14="http://schemas.microsoft.com/office/powerpoint/2010/main" val="1962272867"/>
       </p:ext>
     </p:extLst>
   </p:cSld>
@@ -12267,7 +12207,7 @@
           <p:cNvPr id="2" name="Title 1">
             <a:extLst>
               <a:ext uri="{FF2B5EF4-FFF2-40B4-BE49-F238E27FC236}">
-                <a16:creationId xmlns:a16="http://schemas.microsoft.com/office/drawing/2014/main" id="{11B85316-1836-A681-ECC5-565E914D8950}"/>
+                <a16:creationId xmlns:a16="http://schemas.microsoft.com/office/drawing/2014/main" id="{EC1FB214-A0EC-EC82-1059-4CD8FBBDE250}"/>
               </a:ext>
             </a:extLst>
           </p:cNvPr>
@@ -12285,7 +12225,7 @@
           <a:p>
             <a:r>
               <a:rPr lang="en-GB" dirty="0"/>
-              <a:t>Random Forests</a:t>
+              <a:t>Boosting methods</a:t>
             </a:r>
           </a:p>
         </p:txBody>
@@ -12295,7 +12235,7 @@
           <p:cNvPr id="3" name="Content Placeholder 2">
             <a:extLst>
               <a:ext uri="{FF2B5EF4-FFF2-40B4-BE49-F238E27FC236}">
-                <a16:creationId xmlns:a16="http://schemas.microsoft.com/office/drawing/2014/main" id="{58F7710C-6815-C91F-6A90-166D43EB3263}"/>
+                <a16:creationId xmlns:a16="http://schemas.microsoft.com/office/drawing/2014/main" id="{BA35327F-6FEA-83A9-11F1-5865F3B5AEFF}"/>
               </a:ext>
             </a:extLst>
           </p:cNvPr>
@@ -12311,40 +12251,114 @@
           <a:bodyPr/>
           <a:lstStyle/>
           <a:p>
-            <a:r>
-              <a:rPr lang="en-GB" dirty="0"/>
-              <a:t>In random forests, each tree in the ensemble is built from a sample drawn with replacement (i.e., a bootstrap sample) from the training set.</a:t>
+            <a:pPr>
+              <a:spcBef>
+                <a:spcPts val="0"/>
+              </a:spcBef>
+              <a:spcAft>
+                <a:spcPts val="0"/>
+              </a:spcAft>
+            </a:pPr>
+            <a:r>
+              <a:rPr lang="en-GB" dirty="0">
+                <a:solidFill>
+                  <a:srgbClr val="0E101A"/>
+                </a:solidFill>
+                <a:effectLst/>
+              </a:rPr>
+              <a:t>By contrast, in </a:t>
+            </a:r>
+            <a:r>
+              <a:rPr lang="en-GB" b="1" dirty="0">
+                <a:solidFill>
+                  <a:srgbClr val="0E101A"/>
+                </a:solidFill>
+                <a:effectLst/>
+              </a:rPr>
+              <a:t>boosting methods</a:t>
+            </a:r>
+            <a:r>
+              <a:rPr lang="en-GB" dirty="0">
+                <a:solidFill>
+                  <a:srgbClr val="0E101A"/>
+                </a:solidFill>
+                <a:effectLst/>
+              </a:rPr>
+              <a:t>, base estimators are built sequentially, and one tries to reduce the bias of the combined estimator. </a:t>
+            </a:r>
+          </a:p>
+          <a:p>
+            <a:pPr>
+              <a:spcBef>
+                <a:spcPts val="0"/>
+              </a:spcBef>
+              <a:spcAft>
+                <a:spcPts val="0"/>
+              </a:spcAft>
+            </a:pPr>
+            <a:endParaRPr lang="en-GB" dirty="0">
+              <a:solidFill>
+                <a:srgbClr val="0E101A"/>
+              </a:solidFill>
+            </a:endParaRPr>
+          </a:p>
+          <a:p>
+            <a:pPr>
+              <a:spcBef>
+                <a:spcPts val="0"/>
+              </a:spcBef>
+              <a:spcAft>
+                <a:spcPts val="0"/>
+              </a:spcAft>
+            </a:pPr>
+            <a:r>
+              <a:rPr lang="en-GB" dirty="0">
+                <a:solidFill>
+                  <a:srgbClr val="0E101A"/>
+                </a:solidFill>
+                <a:effectLst/>
+              </a:rPr>
+              <a:t>The motivation is to combine several weak models to produce a powerful ensemble.</a:t>
+            </a:r>
+          </a:p>
+          <a:p>
+            <a:pPr>
+              <a:spcBef>
+                <a:spcPts val="0"/>
+              </a:spcBef>
+              <a:spcAft>
+                <a:spcPts val="0"/>
+              </a:spcAft>
+            </a:pPr>
+            <a:endParaRPr lang="en-GB" dirty="0">
+              <a:solidFill>
+                <a:srgbClr val="0E101A"/>
+              </a:solidFill>
+              <a:effectLst/>
+            </a:endParaRPr>
+          </a:p>
+          <a:p>
+            <a:pPr>
+              <a:spcBef>
+                <a:spcPts val="0"/>
+              </a:spcBef>
+              <a:spcAft>
+                <a:spcPts val="0"/>
+              </a:spcAft>
+            </a:pPr>
+            <a:r>
+              <a:rPr lang="en-GB" dirty="0">
+                <a:solidFill>
+                  <a:srgbClr val="0E101A"/>
+                </a:solidFill>
+                <a:effectLst/>
+              </a:rPr>
+              <a:t>Examples: AdaBoost, Gradient Tree Boosting</a:t>
             </a:r>
           </a:p>
           <a:p>
             <a:endParaRPr lang="en-GB" dirty="0"/>
           </a:p>
-          <a:p>
-            <a:r>
-              <a:rPr lang="en-GB" dirty="0"/>
-              <a:t> When splitting each node during the construction of a tree, the best split is found either from all input features or a random subset of size </a:t>
-            </a:r>
-            <a:r>
-              <a:rPr lang="en-GB" dirty="0" err="1"/>
-              <a:t>max_features</a:t>
-            </a:r>
-            <a:r>
-              <a:rPr lang="en-GB" dirty="0"/>
-              <a:t>. </a:t>
-            </a:r>
-          </a:p>
-          <a:p>
-            <a:endParaRPr lang="en-GB" dirty="0"/>
-          </a:p>
-          <a:p>
-            <a:r>
-              <a:rPr lang="en-GB" dirty="0"/>
-              <a:t>The purpose of these two sources of randomness is to decrease the variance of the forest estimator. </a:t>
-            </a:r>
-          </a:p>
-          <a:p>
-            <a:endParaRPr lang="en-GB" dirty="0"/>
-          </a:p>
         </p:txBody>
       </p:sp>
       <p:sp>
@@ -12352,7 +12366,7 @@
           <p:cNvPr id="4" name="Slide Number Placeholder 3">
             <a:extLst>
               <a:ext uri="{FF2B5EF4-FFF2-40B4-BE49-F238E27FC236}">
-                <a16:creationId xmlns:a16="http://schemas.microsoft.com/office/drawing/2014/main" id="{88567EC3-CDE6-2D5E-2BE4-47BFB8C8CB78}"/>
+                <a16:creationId xmlns:a16="http://schemas.microsoft.com/office/drawing/2014/main" id="{37B452EC-A869-421B-DBEF-C6829468A6C5}"/>
               </a:ext>
             </a:extLst>
           </p:cNvPr>
@@ -12382,7 +12396,7 @@
           <p:cNvPr id="5" name="TextBox 4">
             <a:extLst>
               <a:ext uri="{FF2B5EF4-FFF2-40B4-BE49-F238E27FC236}">
-                <a16:creationId xmlns:a16="http://schemas.microsoft.com/office/drawing/2014/main" id="{543641CD-CCA4-BF1F-2B25-15CB46363505}"/>
+                <a16:creationId xmlns:a16="http://schemas.microsoft.com/office/drawing/2014/main" id="{53F38CF3-A265-40C1-67CC-6EEB1642D1B2}"/>
               </a:ext>
             </a:extLst>
           </p:cNvPr>
@@ -12438,7 +12452,7 @@
     </p:spTree>
     <p:extLst>
       <p:ext uri="{BB962C8B-B14F-4D97-AF65-F5344CB8AC3E}">
-        <p14:creationId xmlns:p14="http://schemas.microsoft.com/office/powerpoint/2010/main" val="1456767064"/>
+        <p14:creationId xmlns:p14="http://schemas.microsoft.com/office/powerpoint/2010/main" val="657161133"/>
       </p:ext>
     </p:extLst>
   </p:cSld>
@@ -12470,7 +12484,7 @@
           <p:cNvPr id="2" name="Title 1">
             <a:extLst>
               <a:ext uri="{FF2B5EF4-FFF2-40B4-BE49-F238E27FC236}">
-                <a16:creationId xmlns:a16="http://schemas.microsoft.com/office/drawing/2014/main" id="{79B1ECBD-32A6-02E9-9BCA-DA3CECDE782B}"/>
+                <a16:creationId xmlns:a16="http://schemas.microsoft.com/office/drawing/2014/main" id="{11B85316-1836-A681-ECC5-565E914D8950}"/>
               </a:ext>
             </a:extLst>
           </p:cNvPr>
@@ -12488,17 +12502,17 @@
           <a:p>
             <a:r>
               <a:rPr lang="en-GB" dirty="0"/>
-              <a:t>Structure of Random Forests</a:t>
-            </a:r>
-          </a:p>
-        </p:txBody>
-      </p:sp>
-      <p:sp>
-        <p:nvSpPr>
-          <p:cNvPr id="3" name="Slide Number Placeholder 2">
-            <a:extLst>
-              <a:ext uri="{FF2B5EF4-FFF2-40B4-BE49-F238E27FC236}">
-                <a16:creationId xmlns:a16="http://schemas.microsoft.com/office/drawing/2014/main" id="{75292245-E990-9E90-EAAF-CD0DE5589D76}"/>
+              <a:t>Random Forests</a:t>
+            </a:r>
+          </a:p>
+        </p:txBody>
+      </p:sp>
+      <p:sp>
+        <p:nvSpPr>
+          <p:cNvPr id="3" name="Content Placeholder 2">
+            <a:extLst>
+              <a:ext uri="{FF2B5EF4-FFF2-40B4-BE49-F238E27FC236}">
+                <a16:creationId xmlns:a16="http://schemas.microsoft.com/office/drawing/2014/main" id="{58F7710C-6815-C91F-6A90-166D43EB3263}"/>
               </a:ext>
             </a:extLst>
           </p:cNvPr>
@@ -12506,7 +12520,7 @@
             <a:spLocks noGrp="1"/>
           </p:cNvSpPr>
           <p:nvPr>
-            <p:ph type="sldNum" sz="quarter" idx="12"/>
+            <p:ph idx="1"/>
           </p:nvPr>
         </p:nvSpPr>
         <p:spPr/>
@@ -12514,7 +12528,64 @@
           <a:bodyPr/>
           <a:lstStyle/>
           <a:p>
-            <a:fld id="{BB98F552-A29D-2D4E-8192-F20670493719}" type="slidenum">
+            <a:r>
+              <a:rPr lang="en-GB" dirty="0"/>
+              <a:t>In random forests, each tree in the ensemble is built from a sample drawn with replacement (i.e., a bootstrap sample) from the training set.</a:t>
+            </a:r>
+          </a:p>
+          <a:p>
+            <a:endParaRPr lang="en-GB" dirty="0"/>
+          </a:p>
+          <a:p>
+            <a:r>
+              <a:rPr lang="en-GB" dirty="0"/>
+              <a:t> When splitting each node during the construction of a tree, the best split is found either from all input features or a random subset of size </a:t>
+            </a:r>
+            <a:r>
+              <a:rPr lang="en-GB" dirty="0" err="1"/>
+              <a:t>max_features</a:t>
+            </a:r>
+            <a:r>
+              <a:rPr lang="en-GB" dirty="0"/>
+              <a:t>. </a:t>
+            </a:r>
+          </a:p>
+          <a:p>
+            <a:endParaRPr lang="en-GB" dirty="0"/>
+          </a:p>
+          <a:p>
+            <a:r>
+              <a:rPr lang="en-GB" dirty="0"/>
+              <a:t>The purpose of these two sources of randomness is to decrease the variance of the forest estimator. </a:t>
+            </a:r>
+          </a:p>
+          <a:p>
+            <a:endParaRPr lang="en-GB" dirty="0"/>
+          </a:p>
+        </p:txBody>
+      </p:sp>
+      <p:sp>
+        <p:nvSpPr>
+          <p:cNvPr id="4" name="Slide Number Placeholder 3">
+            <a:extLst>
+              <a:ext uri="{FF2B5EF4-FFF2-40B4-BE49-F238E27FC236}">
+                <a16:creationId xmlns:a16="http://schemas.microsoft.com/office/drawing/2014/main" id="{88567EC3-CDE6-2D5E-2BE4-47BFB8C8CB78}"/>
+              </a:ext>
+            </a:extLst>
+          </p:cNvPr>
+          <p:cNvSpPr>
+            <a:spLocks noGrp="1"/>
+          </p:cNvSpPr>
+          <p:nvPr>
+            <p:ph type="sldNum" sz="quarter" idx="12"/>
+          </p:nvPr>
+        </p:nvSpPr>
+        <p:spPr/>
+        <p:txBody>
+          <a:bodyPr/>
+          <a:lstStyle/>
+          <a:p>
+            <a:fld id="{44E22EE9-B8A0-0641-9265-052CFE9B95A7}" type="slidenum">
               <a:rPr lang="en-GB" altLang="en-US" smtClean="0"/>
               <a:pPr/>
               <a:t>37</a:t>
@@ -12523,59 +12594,12 @@
           </a:p>
         </p:txBody>
       </p:sp>
-      <p:pic>
-        <p:nvPicPr>
-          <p:cNvPr id="4098" name="Picture 2" descr="Figure 3">
-            <a:extLst>
-              <a:ext uri="{FF2B5EF4-FFF2-40B4-BE49-F238E27FC236}">
-                <a16:creationId xmlns:a16="http://schemas.microsoft.com/office/drawing/2014/main" id="{AC02FF1A-4BC7-D653-8439-A23BCFB18F73}"/>
-              </a:ext>
-            </a:extLst>
-          </p:cNvPr>
-          <p:cNvPicPr>
-            <a:picLocks noChangeAspect="1" noChangeArrowheads="1"/>
-          </p:cNvPicPr>
-          <p:nvPr/>
-        </p:nvPicPr>
-        <p:blipFill>
-          <a:blip r:embed="rId2">
-            <a:extLst>
-              <a:ext uri="{28A0092B-C50C-407E-A947-70E740481C1C}">
-                <a14:useLocalDpi xmlns:a14="http://schemas.microsoft.com/office/drawing/2010/main" val="0"/>
-              </a:ext>
-            </a:extLst>
-          </a:blip>
-          <a:srcRect/>
-          <a:stretch>
-            <a:fillRect/>
-          </a:stretch>
-        </p:blipFill>
-        <p:spPr bwMode="auto">
-          <a:xfrm>
-            <a:off x="2953916" y="794059"/>
-            <a:ext cx="4666084" cy="4429827"/>
-          </a:xfrm>
-          <a:prstGeom prst="rect">
-            <a:avLst/>
-          </a:prstGeom>
-          <a:noFill/>
-          <a:extLst>
-            <a:ext uri="{909E8E84-426E-40DD-AFC4-6F175D3DCCD1}">
-              <a14:hiddenFill xmlns:a14="http://schemas.microsoft.com/office/drawing/2010/main">
-                <a:solidFill>
-                  <a:srgbClr val="FFFFFF"/>
-                </a:solidFill>
-              </a14:hiddenFill>
-            </a:ext>
-          </a:extLst>
-        </p:spPr>
-      </p:pic>
       <p:sp>
         <p:nvSpPr>
           <p:cNvPr id="5" name="TextBox 4">
             <a:extLst>
               <a:ext uri="{FF2B5EF4-FFF2-40B4-BE49-F238E27FC236}">
-                <a16:creationId xmlns:a16="http://schemas.microsoft.com/office/drawing/2014/main" id="{A40DCBAC-E3AE-8207-792D-98037AB2D28F}"/>
+                <a16:creationId xmlns:a16="http://schemas.microsoft.com/office/drawing/2014/main" id="{543641CD-CCA4-BF1F-2B25-15CB46363505}"/>
               </a:ext>
             </a:extLst>
           </p:cNvPr>
@@ -12584,8 +12608,8 @@
         </p:nvSpPr>
         <p:spPr>
           <a:xfrm>
-            <a:off x="179512" y="5275012"/>
-            <a:ext cx="8022305" cy="369332"/>
+            <a:off x="457200" y="5142517"/>
+            <a:ext cx="3610744" cy="230832"/>
           </a:xfrm>
           <a:prstGeom prst="rect">
             <a:avLst/>
@@ -12599,94 +12623,28 @@
           <a:lstStyle/>
           <a:p>
             <a:r>
-              <a:rPr lang="en-GB" sz="900" b="0" i="0" u="none" strike="noStrike" dirty="0">
-                <a:solidFill>
-                  <a:srgbClr val="222222"/>
-                </a:solidFill>
-                <a:effectLst/>
-                <a:latin typeface="Gill Sans MT" panose="020B0502020104020203" pitchFamily="34" charset="77"/>
-              </a:rPr>
-              <a:t>Source: </a:t>
-            </a:r>
-            <a:r>
-              <a:rPr lang="en-GB" sz="900" b="0" i="0" u="none" strike="noStrike" dirty="0" err="1">
-                <a:solidFill>
-                  <a:srgbClr val="222222"/>
-                </a:solidFill>
-                <a:effectLst/>
-                <a:latin typeface="Gill Sans MT" panose="020B0502020104020203" pitchFamily="34" charset="77"/>
-              </a:rPr>
-              <a:t>Malebary</a:t>
-            </a:r>
-            <a:r>
-              <a:rPr lang="en-GB" sz="900" b="0" i="0" u="none" strike="noStrike" dirty="0">
-                <a:solidFill>
-                  <a:srgbClr val="222222"/>
-                </a:solidFill>
-                <a:effectLst/>
-                <a:latin typeface="Gill Sans MT" panose="020B0502020104020203" pitchFamily="34" charset="77"/>
-              </a:rPr>
-              <a:t>, S.J., Khan, Y.D. Evaluating machine learning methodologies for identification of cancer driver genes. </a:t>
-            </a:r>
-            <a:r>
-              <a:rPr lang="en-GB" sz="900" b="0" i="1" u="none" strike="noStrike" dirty="0">
-                <a:solidFill>
-                  <a:srgbClr val="222222"/>
-                </a:solidFill>
-                <a:effectLst/>
-                <a:latin typeface="Gill Sans MT" panose="020B0502020104020203" pitchFamily="34" charset="77"/>
-              </a:rPr>
-              <a:t>Sci Rep</a:t>
-            </a:r>
-            <a:r>
-              <a:rPr lang="en-GB" sz="900" b="0" i="0" u="none" strike="noStrike" dirty="0">
-                <a:solidFill>
-                  <a:srgbClr val="222222"/>
-                </a:solidFill>
-                <a:effectLst/>
-                <a:latin typeface="Gill Sans MT" panose="020B0502020104020203" pitchFamily="34" charset="77"/>
-              </a:rPr>
-              <a:t> </a:t>
-            </a:r>
-            <a:r>
-              <a:rPr lang="en-GB" sz="900" b="1" i="0" u="none" strike="noStrike" dirty="0">
-                <a:solidFill>
-                  <a:srgbClr val="222222"/>
-                </a:solidFill>
-                <a:effectLst/>
-                <a:latin typeface="Gill Sans MT" panose="020B0502020104020203" pitchFamily="34" charset="77"/>
-              </a:rPr>
-              <a:t>11</a:t>
-            </a:r>
-            <a:r>
-              <a:rPr lang="en-GB" sz="900" b="0" i="0" u="none" strike="noStrike" dirty="0">
-                <a:solidFill>
-                  <a:srgbClr val="222222"/>
-                </a:solidFill>
-                <a:effectLst/>
-                <a:latin typeface="Gill Sans MT" panose="020B0502020104020203" pitchFamily="34" charset="77"/>
-              </a:rPr>
-              <a:t>, 12281 (2021). https://</a:t>
-            </a:r>
-            <a:r>
-              <a:rPr lang="en-GB" sz="900" b="0" i="0" u="none" strike="noStrike" dirty="0" err="1">
-                <a:solidFill>
-                  <a:srgbClr val="222222"/>
-                </a:solidFill>
-                <a:effectLst/>
-                <a:latin typeface="Gill Sans MT" panose="020B0502020104020203" pitchFamily="34" charset="77"/>
-              </a:rPr>
-              <a:t>doi.org</a:t>
-            </a:r>
-            <a:r>
-              <a:rPr lang="en-GB" sz="900" b="0" i="0" u="none" strike="noStrike" dirty="0">
-                <a:solidFill>
-                  <a:srgbClr val="222222"/>
-                </a:solidFill>
-                <a:effectLst/>
-                <a:latin typeface="Gill Sans MT" panose="020B0502020104020203" pitchFamily="34" charset="77"/>
-              </a:rPr>
-              <a:t>/10.1038/s41598-021-91656-8</a:t>
+              <a:rPr lang="en-GB" sz="900" dirty="0">
+                <a:latin typeface="Gill Sans MT" panose="020B0502020104020203" pitchFamily="34" charset="77"/>
+              </a:rPr>
+              <a:t>Source: https://scikit-</a:t>
+            </a:r>
+            <a:r>
+              <a:rPr lang="en-GB" sz="900" dirty="0" err="1">
+                <a:latin typeface="Gill Sans MT" panose="020B0502020104020203" pitchFamily="34" charset="77"/>
+              </a:rPr>
+              <a:t>learn.org</a:t>
+            </a:r>
+            <a:r>
+              <a:rPr lang="en-GB" sz="900" dirty="0">
+                <a:latin typeface="Gill Sans MT" panose="020B0502020104020203" pitchFamily="34" charset="77"/>
+              </a:rPr>
+              <a:t>/stable/modules/</a:t>
+            </a:r>
+            <a:r>
+              <a:rPr lang="en-GB" sz="900" dirty="0" err="1">
+                <a:latin typeface="Gill Sans MT" panose="020B0502020104020203" pitchFamily="34" charset="77"/>
+              </a:rPr>
+              <a:t>ensemble.html</a:t>
             </a:r>
             <a:endParaRPr lang="en-GB" sz="900" dirty="0">
               <a:latin typeface="Gill Sans MT" panose="020B0502020104020203" pitchFamily="34" charset="77"/>
@@ -12697,7 +12655,7 @@
     </p:spTree>
     <p:extLst>
       <p:ext uri="{BB962C8B-B14F-4D97-AF65-F5344CB8AC3E}">
-        <p14:creationId xmlns:p14="http://schemas.microsoft.com/office/powerpoint/2010/main" val="3993955397"/>
+        <p14:creationId xmlns:p14="http://schemas.microsoft.com/office/powerpoint/2010/main" val="1456767064"/>
       </p:ext>
     </p:extLst>
   </p:cSld>
@@ -12729,7 +12687,7 @@
           <p:cNvPr id="2" name="Title 1">
             <a:extLst>
               <a:ext uri="{FF2B5EF4-FFF2-40B4-BE49-F238E27FC236}">
-                <a16:creationId xmlns:a16="http://schemas.microsoft.com/office/drawing/2014/main" id="{B2A61551-092D-BFBA-889E-1ACE242D6E73}"/>
+                <a16:creationId xmlns:a16="http://schemas.microsoft.com/office/drawing/2014/main" id="{79B1ECBD-32A6-02E9-9BCA-DA3CECDE782B}"/>
               </a:ext>
             </a:extLst>
           </p:cNvPr>
@@ -12747,17 +12705,17 @@
           <a:p>
             <a:r>
               <a:rPr lang="en-GB" dirty="0"/>
-              <a:t>Example</a:t>
-            </a:r>
-          </a:p>
-        </p:txBody>
-      </p:sp>
-      <p:sp>
-        <p:nvSpPr>
-          <p:cNvPr id="3" name="Content Placeholder 2">
-            <a:extLst>
-              <a:ext uri="{FF2B5EF4-FFF2-40B4-BE49-F238E27FC236}">
-                <a16:creationId xmlns:a16="http://schemas.microsoft.com/office/drawing/2014/main" id="{2CA596FD-FE3B-7D0F-F2B4-CEE2F61FA37C}"/>
+              <a:t>Structure of Random Forests</a:t>
+            </a:r>
+          </a:p>
+        </p:txBody>
+      </p:sp>
+      <p:sp>
+        <p:nvSpPr>
+          <p:cNvPr id="3" name="Slide Number Placeholder 2">
+            <a:extLst>
+              <a:ext uri="{FF2B5EF4-FFF2-40B4-BE49-F238E27FC236}">
+                <a16:creationId xmlns:a16="http://schemas.microsoft.com/office/drawing/2014/main" id="{75292245-E990-9E90-EAAF-CD0DE5589D76}"/>
               </a:ext>
             </a:extLst>
           </p:cNvPr>
@@ -12765,7 +12723,7 @@
             <a:spLocks noGrp="1"/>
           </p:cNvSpPr>
           <p:nvPr>
-            <p:ph idx="1"/>
+            <p:ph type="sldNum" sz="quarter" idx="12"/>
           </p:nvPr>
         </p:nvSpPr>
         <p:spPr/>
@@ -12773,82 +12731,7 @@
           <a:bodyPr/>
           <a:lstStyle/>
           <a:p>
-            <a:r>
-              <a:rPr lang="en-GB" i="0" u="none" strike="noStrike" dirty="0">
-                <a:solidFill>
-                  <a:srgbClr val="222222"/>
-                </a:solidFill>
-                <a:effectLst/>
-              </a:rPr>
-              <a:t>Selecting the most important self-assessed features for predicting conversion to mild cognitive impairment with random forest and permutation-based methods:</a:t>
-            </a:r>
-          </a:p>
-          <a:p>
-            <a:pPr lvl="1"/>
-            <a:r>
-              <a:rPr lang="en-GB" b="0" i="0" u="none" strike="noStrike" dirty="0">
-                <a:solidFill>
-                  <a:srgbClr val="222222"/>
-                </a:solidFill>
-                <a:effectLst/>
-                <a:latin typeface="-apple-system"/>
-              </a:rPr>
-              <a:t>Gómez-Ramírez, J.,  et al.(2020), https://</a:t>
-            </a:r>
-            <a:r>
-              <a:rPr lang="en-GB" b="0" i="0" u="none" strike="noStrike" dirty="0" err="1">
-                <a:solidFill>
-                  <a:srgbClr val="222222"/>
-                </a:solidFill>
-                <a:effectLst/>
-                <a:latin typeface="-apple-system"/>
-              </a:rPr>
-              <a:t>doi.org</a:t>
-            </a:r>
-            <a:r>
-              <a:rPr lang="en-GB" b="0" i="0" u="none" strike="noStrike" dirty="0">
-                <a:solidFill>
-                  <a:srgbClr val="222222"/>
-                </a:solidFill>
-                <a:effectLst/>
-                <a:latin typeface="-apple-system"/>
-              </a:rPr>
-              <a:t>/10.1038/s41598-020-77296-4</a:t>
-            </a:r>
-            <a:endParaRPr lang="en-GB" i="0" u="none" strike="noStrike" dirty="0">
-              <a:solidFill>
-                <a:srgbClr val="222222"/>
-              </a:solidFill>
-              <a:effectLst/>
-            </a:endParaRPr>
-          </a:p>
-          <a:p>
-            <a:endParaRPr lang="en-GB" dirty="0"/>
-          </a:p>
-        </p:txBody>
-      </p:sp>
-      <p:sp>
-        <p:nvSpPr>
-          <p:cNvPr id="4" name="Slide Number Placeholder 3">
-            <a:extLst>
-              <a:ext uri="{FF2B5EF4-FFF2-40B4-BE49-F238E27FC236}">
-                <a16:creationId xmlns:a16="http://schemas.microsoft.com/office/drawing/2014/main" id="{A2C77F3C-A545-FA60-4CDE-72006FAD7CA1}"/>
-              </a:ext>
-            </a:extLst>
-          </p:cNvPr>
-          <p:cNvSpPr>
-            <a:spLocks noGrp="1"/>
-          </p:cNvSpPr>
-          <p:nvPr>
-            <p:ph type="sldNum" sz="quarter" idx="12"/>
-          </p:nvPr>
-        </p:nvSpPr>
-        <p:spPr/>
-        <p:txBody>
-          <a:bodyPr/>
-          <a:lstStyle/>
-          <a:p>
-            <a:fld id="{44E22EE9-B8A0-0641-9265-052CFE9B95A7}" type="slidenum">
+            <a:fld id="{BB98F552-A29D-2D4E-8192-F20670493719}" type="slidenum">
               <a:rPr lang="en-GB" altLang="en-US" smtClean="0"/>
               <a:pPr/>
               <a:t>38</a:t>
@@ -12859,10 +12742,10 @@
       </p:sp>
       <p:pic>
         <p:nvPicPr>
-          <p:cNvPr id="5122" name="Picture 2" descr="figure 6">
-            <a:extLst>
-              <a:ext uri="{FF2B5EF4-FFF2-40B4-BE49-F238E27FC236}">
-                <a16:creationId xmlns:a16="http://schemas.microsoft.com/office/drawing/2014/main" id="{F8C90DF3-5E36-5A7F-A423-12B9EE22ABBC}"/>
+          <p:cNvPr id="4098" name="Picture 2" descr="Figure 3">
+            <a:extLst>
+              <a:ext uri="{FF2B5EF4-FFF2-40B4-BE49-F238E27FC236}">
+                <a16:creationId xmlns:a16="http://schemas.microsoft.com/office/drawing/2014/main" id="{AC02FF1A-4BC7-D653-8439-A23BCFB18F73}"/>
               </a:ext>
             </a:extLst>
           </p:cNvPr>
@@ -12871,7 +12754,7 @@
           </p:cNvPicPr>
           <p:nvPr/>
         </p:nvPicPr>
-        <p:blipFill rotWithShape="1">
+        <p:blipFill>
           <a:blip r:embed="rId2">
             <a:extLst>
               <a:ext uri="{28A0092B-C50C-407E-A947-70E740481C1C}">
@@ -12879,13 +12762,15 @@
               </a:ext>
             </a:extLst>
           </a:blip>
-          <a:srcRect t="55040"/>
-          <a:stretch/>
+          <a:srcRect/>
+          <a:stretch>
+            <a:fillRect/>
+          </a:stretch>
         </p:blipFill>
         <p:spPr bwMode="auto">
           <a:xfrm>
-            <a:off x="2279650" y="2688465"/>
-            <a:ext cx="4584700" cy="2569468"/>
+            <a:off x="2953916" y="794059"/>
+            <a:ext cx="4666084" cy="4429827"/>
           </a:xfrm>
           <a:prstGeom prst="rect">
             <a:avLst/>
@@ -12902,10 +12787,134 @@
           </a:extLst>
         </p:spPr>
       </p:pic>
+      <p:sp>
+        <p:nvSpPr>
+          <p:cNvPr id="5" name="TextBox 4">
+            <a:extLst>
+              <a:ext uri="{FF2B5EF4-FFF2-40B4-BE49-F238E27FC236}">
+                <a16:creationId xmlns:a16="http://schemas.microsoft.com/office/drawing/2014/main" id="{A40DCBAC-E3AE-8207-792D-98037AB2D28F}"/>
+              </a:ext>
+            </a:extLst>
+          </p:cNvPr>
+          <p:cNvSpPr txBox="1"/>
+          <p:nvPr/>
+        </p:nvSpPr>
+        <p:spPr>
+          <a:xfrm>
+            <a:off x="179512" y="5275012"/>
+            <a:ext cx="8022305" cy="369332"/>
+          </a:xfrm>
+          <a:prstGeom prst="rect">
+            <a:avLst/>
+          </a:prstGeom>
+          <a:noFill/>
+        </p:spPr>
+        <p:txBody>
+          <a:bodyPr wrap="square">
+            <a:spAutoFit/>
+          </a:bodyPr>
+          <a:lstStyle/>
+          <a:p>
+            <a:r>
+              <a:rPr lang="en-GB" sz="900" b="0" i="0" u="none" strike="noStrike" dirty="0">
+                <a:solidFill>
+                  <a:srgbClr val="222222"/>
+                </a:solidFill>
+                <a:effectLst/>
+                <a:latin typeface="Gill Sans MT" panose="020B0502020104020203" pitchFamily="34" charset="77"/>
+              </a:rPr>
+              <a:t>Source: </a:t>
+            </a:r>
+            <a:r>
+              <a:rPr lang="en-GB" sz="900" b="0" i="0" u="none" strike="noStrike" dirty="0" err="1">
+                <a:solidFill>
+                  <a:srgbClr val="222222"/>
+                </a:solidFill>
+                <a:effectLst/>
+                <a:latin typeface="Gill Sans MT" panose="020B0502020104020203" pitchFamily="34" charset="77"/>
+              </a:rPr>
+              <a:t>Malebary</a:t>
+            </a:r>
+            <a:r>
+              <a:rPr lang="en-GB" sz="900" b="0" i="0" u="none" strike="noStrike" dirty="0">
+                <a:solidFill>
+                  <a:srgbClr val="222222"/>
+                </a:solidFill>
+                <a:effectLst/>
+                <a:latin typeface="Gill Sans MT" panose="020B0502020104020203" pitchFamily="34" charset="77"/>
+              </a:rPr>
+              <a:t>, S.J., Khan, Y.D. Evaluating machine learning methodologies for identification of cancer driver genes. </a:t>
+            </a:r>
+            <a:r>
+              <a:rPr lang="en-GB" sz="900" b="0" i="1" u="none" strike="noStrike" dirty="0">
+                <a:solidFill>
+                  <a:srgbClr val="222222"/>
+                </a:solidFill>
+                <a:effectLst/>
+                <a:latin typeface="Gill Sans MT" panose="020B0502020104020203" pitchFamily="34" charset="77"/>
+              </a:rPr>
+              <a:t>Sci Rep</a:t>
+            </a:r>
+            <a:r>
+              <a:rPr lang="en-GB" sz="900" b="0" i="0" u="none" strike="noStrike" dirty="0">
+                <a:solidFill>
+                  <a:srgbClr val="222222"/>
+                </a:solidFill>
+                <a:effectLst/>
+                <a:latin typeface="Gill Sans MT" panose="020B0502020104020203" pitchFamily="34" charset="77"/>
+              </a:rPr>
+              <a:t> </a:t>
+            </a:r>
+            <a:r>
+              <a:rPr lang="en-GB" sz="900" b="1" i="0" u="none" strike="noStrike" dirty="0">
+                <a:solidFill>
+                  <a:srgbClr val="222222"/>
+                </a:solidFill>
+                <a:effectLst/>
+                <a:latin typeface="Gill Sans MT" panose="020B0502020104020203" pitchFamily="34" charset="77"/>
+              </a:rPr>
+              <a:t>11</a:t>
+            </a:r>
+            <a:r>
+              <a:rPr lang="en-GB" sz="900" b="0" i="0" u="none" strike="noStrike" dirty="0">
+                <a:solidFill>
+                  <a:srgbClr val="222222"/>
+                </a:solidFill>
+                <a:effectLst/>
+                <a:latin typeface="Gill Sans MT" panose="020B0502020104020203" pitchFamily="34" charset="77"/>
+              </a:rPr>
+              <a:t>, 12281 (2021). https://</a:t>
+            </a:r>
+            <a:r>
+              <a:rPr lang="en-GB" sz="900" b="0" i="0" u="none" strike="noStrike" dirty="0" err="1">
+                <a:solidFill>
+                  <a:srgbClr val="222222"/>
+                </a:solidFill>
+                <a:effectLst/>
+                <a:latin typeface="Gill Sans MT" panose="020B0502020104020203" pitchFamily="34" charset="77"/>
+              </a:rPr>
+              <a:t>doi.org</a:t>
+            </a:r>
+            <a:r>
+              <a:rPr lang="en-GB" sz="900" b="0" i="0" u="none" strike="noStrike" dirty="0">
+                <a:solidFill>
+                  <a:srgbClr val="222222"/>
+                </a:solidFill>
+                <a:effectLst/>
+                <a:latin typeface="Gill Sans MT" panose="020B0502020104020203" pitchFamily="34" charset="77"/>
+              </a:rPr>
+              <a:t>/10.1038/s41598-021-91656-8</a:t>
+            </a:r>
+            <a:endParaRPr lang="en-GB" sz="900" dirty="0">
+              <a:latin typeface="Gill Sans MT" panose="020B0502020104020203" pitchFamily="34" charset="77"/>
+            </a:endParaRPr>
+          </a:p>
+        </p:txBody>
+      </p:sp>
     </p:spTree>
     <p:extLst>
       <p:ext uri="{BB962C8B-B14F-4D97-AF65-F5344CB8AC3E}">
-        <p14:creationId xmlns:p14="http://schemas.microsoft.com/office/powerpoint/2010/main" val="97283031"/>
+        <p14:creationId xmlns:p14="http://schemas.microsoft.com/office/powerpoint/2010/main" val="3993955397"/>
       </p:ext>
     </p:extLst>
   </p:cSld>
@@ -12937,7 +12946,7 @@
           <p:cNvPr id="2" name="Title 1">
             <a:extLst>
               <a:ext uri="{FF2B5EF4-FFF2-40B4-BE49-F238E27FC236}">
-                <a16:creationId xmlns:a16="http://schemas.microsoft.com/office/drawing/2014/main" id="{5A80561B-24DA-A65C-1F9F-C74506834517}"/>
+                <a16:creationId xmlns:a16="http://schemas.microsoft.com/office/drawing/2014/main" id="{B2A61551-092D-BFBA-889E-1ACE242D6E73}"/>
               </a:ext>
             </a:extLst>
           </p:cNvPr>
@@ -12955,7 +12964,7 @@
           <a:p>
             <a:r>
               <a:rPr lang="en-GB" dirty="0"/>
-              <a:t>Random Forests</a:t>
+              <a:t>Example</a:t>
             </a:r>
           </a:p>
         </p:txBody>
@@ -12965,7 +12974,7 @@
           <p:cNvPr id="3" name="Content Placeholder 2">
             <a:extLst>
               <a:ext uri="{FF2B5EF4-FFF2-40B4-BE49-F238E27FC236}">
-                <a16:creationId xmlns:a16="http://schemas.microsoft.com/office/drawing/2014/main" id="{D64A94CF-3704-8BF7-2276-53908538AE63}"/>
+                <a16:creationId xmlns:a16="http://schemas.microsoft.com/office/drawing/2014/main" id="{2CA596FD-FE3B-7D0F-F2B4-CEE2F61FA37C}"/>
               </a:ext>
             </a:extLst>
           </p:cNvPr>
@@ -12982,71 +12991,50 @@
           <a:lstStyle/>
           <a:p>
             <a:r>
-              <a:rPr lang="en-GB" dirty="0"/>
-              <a:t>Individual decision trees typically exhibit high variance and tend to overfit.</a:t>
-            </a:r>
-          </a:p>
-          <a:p>
-            <a:pPr marL="0" indent="0">
-              <a:buNone/>
-            </a:pPr>
-            <a:r>
-              <a:rPr lang="en-GB" dirty="0"/>
-              <a:t> </a:t>
-            </a:r>
-          </a:p>
-          <a:p>
-            <a:r>
-              <a:rPr lang="en-GB" dirty="0"/>
-              <a:t>The injected randomness in forests yields decision trees with somewhat decoupled prediction errors. </a:t>
-            </a:r>
-          </a:p>
-          <a:p>
-            <a:pPr marL="0" indent="0">
-              <a:buNone/>
-            </a:pPr>
-            <a:endParaRPr lang="en-GB" dirty="0"/>
-          </a:p>
-          <a:p>
-            <a:pPr>
-              <a:spcBef>
-                <a:spcPts val="0"/>
-              </a:spcBef>
-              <a:spcAft>
-                <a:spcPts val="0"/>
-              </a:spcAft>
-            </a:pPr>
-            <a:r>
-              <a:rPr lang="en-GB" dirty="0">
-                <a:solidFill>
-                  <a:srgbClr val="0E101A"/>
+              <a:rPr lang="en-GB" i="0" u="none" strike="noStrike" dirty="0">
+                <a:solidFill>
+                  <a:srgbClr val="222222"/>
                 </a:solidFill>
                 <a:effectLst/>
               </a:rPr>
-              <a:t>By taking an average of those predictions, some errors can cancel out. Random forests achieve a reduced variance by combining diverse trees, sometimes at the cost of a slight increase in bias. </a:t>
-            </a:r>
-          </a:p>
-          <a:p>
-            <a:pPr marL="0" indent="0">
-              <a:spcBef>
-                <a:spcPts val="0"/>
-              </a:spcBef>
-              <a:spcAft>
-                <a:spcPts val="0"/>
-              </a:spcAft>
-              <a:buNone/>
-            </a:pPr>
-            <a:br>
-              <a:rPr lang="en-GB" dirty="0">
-                <a:solidFill>
-                  <a:srgbClr val="0E101A"/>
+              <a:t>Selecting the most important self-assessed features for predicting conversion to mild cognitive impairment with random forest and permutation-based methods:</a:t>
+            </a:r>
+          </a:p>
+          <a:p>
+            <a:pPr lvl="1"/>
+            <a:r>
+              <a:rPr lang="en-GB" b="0" i="0" u="none" strike="noStrike" dirty="0">
+                <a:solidFill>
+                  <a:srgbClr val="222222"/>
                 </a:solidFill>
                 <a:effectLst/>
-              </a:rPr>
-            </a:br>
-            <a:endParaRPr lang="en-GB" dirty="0">
+                <a:latin typeface="-apple-system"/>
+              </a:rPr>
+              <a:t>Gómez-Ramírez, J.,  et al.(2020), https://</a:t>
+            </a:r>
+            <a:r>
+              <a:rPr lang="en-GB" b="0" i="0" u="none" strike="noStrike" dirty="0" err="1">
+                <a:solidFill>
+                  <a:srgbClr val="222222"/>
+                </a:solidFill>
+                <a:effectLst/>
+                <a:latin typeface="-apple-system"/>
+              </a:rPr>
+              <a:t>doi.org</a:t>
+            </a:r>
+            <a:r>
+              <a:rPr lang="en-GB" b="0" i="0" u="none" strike="noStrike" dirty="0">
+                <a:solidFill>
+                  <a:srgbClr val="222222"/>
+                </a:solidFill>
+                <a:effectLst/>
+                <a:latin typeface="-apple-system"/>
+              </a:rPr>
+              <a:t>/10.1038/s41598-020-77296-4</a:t>
+            </a:r>
+            <a:endParaRPr lang="en-GB" i="0" u="none" strike="noStrike" dirty="0">
               <a:solidFill>
-                <a:srgbClr val="0E101A"/>
+                <a:srgbClr val="222222"/>
               </a:solidFill>
               <a:effectLst/>
             </a:endParaRPr>
@@ -13054,9 +13042,6 @@
           <a:p>
             <a:endParaRPr lang="en-GB" dirty="0"/>
           </a:p>
-          <a:p>
-            <a:endParaRPr lang="en-GB" dirty="0"/>
-          </a:p>
         </p:txBody>
       </p:sp>
       <p:sp>
@@ -13064,7 +13049,7 @@
           <p:cNvPr id="4" name="Slide Number Placeholder 3">
             <a:extLst>
               <a:ext uri="{FF2B5EF4-FFF2-40B4-BE49-F238E27FC236}">
-                <a16:creationId xmlns:a16="http://schemas.microsoft.com/office/drawing/2014/main" id="{1A0A4572-1681-92AF-86D6-AE3689C9E1F3}"/>
+                <a16:creationId xmlns:a16="http://schemas.microsoft.com/office/drawing/2014/main" id="{A2C77F3C-A545-FA60-4CDE-72006FAD7CA1}"/>
               </a:ext>
             </a:extLst>
           </p:cNvPr>
@@ -13089,68 +13074,55 @@
           </a:p>
         </p:txBody>
       </p:sp>
-      <p:sp>
-        <p:nvSpPr>
-          <p:cNvPr id="5" name="TextBox 4">
-            <a:extLst>
-              <a:ext uri="{FF2B5EF4-FFF2-40B4-BE49-F238E27FC236}">
-                <a16:creationId xmlns:a16="http://schemas.microsoft.com/office/drawing/2014/main" id="{8156FDB0-C7FC-23BE-5F6B-4389973B962D}"/>
-              </a:ext>
-            </a:extLst>
-          </p:cNvPr>
-          <p:cNvSpPr txBox="1"/>
+      <p:pic>
+        <p:nvPicPr>
+          <p:cNvPr id="5122" name="Picture 2" descr="figure 6">
+            <a:extLst>
+              <a:ext uri="{FF2B5EF4-FFF2-40B4-BE49-F238E27FC236}">
+                <a16:creationId xmlns:a16="http://schemas.microsoft.com/office/drawing/2014/main" id="{F8C90DF3-5E36-5A7F-A423-12B9EE22ABBC}"/>
+              </a:ext>
+            </a:extLst>
+          </p:cNvPr>
+          <p:cNvPicPr>
+            <a:picLocks noChangeAspect="1" noChangeArrowheads="1"/>
+          </p:cNvPicPr>
           <p:nvPr/>
-        </p:nvSpPr>
-        <p:spPr>
+        </p:nvPicPr>
+        <p:blipFill rotWithShape="1">
+          <a:blip r:embed="rId2">
+            <a:extLst>
+              <a:ext uri="{28A0092B-C50C-407E-A947-70E740481C1C}">
+                <a14:useLocalDpi xmlns:a14="http://schemas.microsoft.com/office/drawing/2010/main" val="0"/>
+              </a:ext>
+            </a:extLst>
+          </a:blip>
+          <a:srcRect t="55040"/>
+          <a:stretch/>
+        </p:blipFill>
+        <p:spPr bwMode="auto">
           <a:xfrm>
-            <a:off x="457200" y="5142517"/>
-            <a:ext cx="3610744" cy="230832"/>
+            <a:off x="2279650" y="2688465"/>
+            <a:ext cx="4584700" cy="2569468"/>
           </a:xfrm>
           <a:prstGeom prst="rect">
             <a:avLst/>
           </a:prstGeom>
           <a:noFill/>
+          <a:extLst>
+            <a:ext uri="{909E8E84-426E-40DD-AFC4-6F175D3DCCD1}">
+              <a14:hiddenFill xmlns:a14="http://schemas.microsoft.com/office/drawing/2010/main">
+                <a:solidFill>
+                  <a:srgbClr val="FFFFFF"/>
+                </a:solidFill>
+              </a14:hiddenFill>
+            </a:ext>
+          </a:extLst>
         </p:spPr>
-        <p:txBody>
-          <a:bodyPr wrap="square">
-            <a:spAutoFit/>
-          </a:bodyPr>
-          <a:lstStyle/>
-          <a:p>
-            <a:r>
-              <a:rPr lang="en-GB" sz="900" dirty="0">
-                <a:latin typeface="Gill Sans MT" panose="020B0502020104020203" pitchFamily="34" charset="77"/>
-              </a:rPr>
-              <a:t>Source: https://scikit-</a:t>
-            </a:r>
-            <a:r>
-              <a:rPr lang="en-GB" sz="900" dirty="0" err="1">
-                <a:latin typeface="Gill Sans MT" panose="020B0502020104020203" pitchFamily="34" charset="77"/>
-              </a:rPr>
-              <a:t>learn.org</a:t>
-            </a:r>
-            <a:r>
-              <a:rPr lang="en-GB" sz="900" dirty="0">
-                <a:latin typeface="Gill Sans MT" panose="020B0502020104020203" pitchFamily="34" charset="77"/>
-              </a:rPr>
-              <a:t>/stable/modules/</a:t>
-            </a:r>
-            <a:r>
-              <a:rPr lang="en-GB" sz="900" dirty="0" err="1">
-                <a:latin typeface="Gill Sans MT" panose="020B0502020104020203" pitchFamily="34" charset="77"/>
-              </a:rPr>
-              <a:t>ensemble.html</a:t>
-            </a:r>
-            <a:endParaRPr lang="en-GB" sz="900" dirty="0">
-              <a:latin typeface="Gill Sans MT" panose="020B0502020104020203" pitchFamily="34" charset="77"/>
-            </a:endParaRPr>
-          </a:p>
-        </p:txBody>
-      </p:sp>
+      </p:pic>
     </p:spTree>
     <p:extLst>
       <p:ext uri="{BB962C8B-B14F-4D97-AF65-F5344CB8AC3E}">
-        <p14:creationId xmlns:p14="http://schemas.microsoft.com/office/powerpoint/2010/main" val="1023586558"/>
+        <p14:creationId xmlns:p14="http://schemas.microsoft.com/office/powerpoint/2010/main" val="97283031"/>
       </p:ext>
     </p:extLst>
   </p:cSld>
@@ -13324,7 +13296,7 @@
           <p:cNvPr id="2" name="Title 1">
             <a:extLst>
               <a:ext uri="{FF2B5EF4-FFF2-40B4-BE49-F238E27FC236}">
-                <a16:creationId xmlns:a16="http://schemas.microsoft.com/office/drawing/2014/main" id="{4C1863AF-A142-86DF-CD60-6B99DA223D7A}"/>
+                <a16:creationId xmlns:a16="http://schemas.microsoft.com/office/drawing/2014/main" id="{5A80561B-24DA-A65C-1F9F-C74506834517}"/>
               </a:ext>
             </a:extLst>
           </p:cNvPr>
@@ -13342,7 +13314,7 @@
           <a:p>
             <a:r>
               <a:rPr lang="en-GB" dirty="0"/>
-              <a:t>Practical note on RFs</a:t>
+              <a:t>Random Forests</a:t>
             </a:r>
           </a:p>
         </p:txBody>
@@ -13352,7 +13324,7 @@
           <p:cNvPr id="3" name="Content Placeholder 2">
             <a:extLst>
               <a:ext uri="{FF2B5EF4-FFF2-40B4-BE49-F238E27FC236}">
-                <a16:creationId xmlns:a16="http://schemas.microsoft.com/office/drawing/2014/main" id="{DCF2001B-3654-876F-873D-9943F2C10C6A}"/>
+                <a16:creationId xmlns:a16="http://schemas.microsoft.com/office/drawing/2014/main" id="{D64A94CF-3704-8BF7-2276-53908538AE63}"/>
               </a:ext>
             </a:extLst>
           </p:cNvPr>
@@ -13367,6 +13339,33 @@
         <p:txBody>
           <a:bodyPr/>
           <a:lstStyle/>
+          <a:p>
+            <a:r>
+              <a:rPr lang="en-GB" dirty="0"/>
+              <a:t>Individual decision trees typically exhibit high variance and tend to overfit.</a:t>
+            </a:r>
+          </a:p>
+          <a:p>
+            <a:pPr marL="0" indent="0">
+              <a:buNone/>
+            </a:pPr>
+            <a:r>
+              <a:rPr lang="en-GB" dirty="0"/>
+              <a:t> </a:t>
+            </a:r>
+          </a:p>
+          <a:p>
+            <a:r>
+              <a:rPr lang="en-GB" dirty="0"/>
+              <a:t>The injected randomness in forests yields decision trees with somewhat decoupled prediction errors. </a:t>
+            </a:r>
+          </a:p>
+          <a:p>
+            <a:pPr marL="0" indent="0">
+              <a:buNone/>
+            </a:pPr>
+            <a:endParaRPr lang="en-GB" dirty="0"/>
+          </a:p>
           <a:p>
             <a:pPr>
               <a:spcBef>
@@ -13383,7 +13382,7 @@
                 </a:solidFill>
                 <a:effectLst/>
               </a:rPr>
-              <a:t>In practice, the variance reduction is often significant, yielding an overall better model.</a:t>
+              <a:t>By taking an average of those predictions, some errors can cancel out. Random forests achieve a reduced variance by combining diverse trees, sometimes at the cost of a slight increase in bias. </a:t>
             </a:r>
           </a:p>
           <a:p>
@@ -13412,46 +13411,11 @@
             </a:endParaRPr>
           </a:p>
           <a:p>
-            <a:pPr>
-              <a:spcBef>
-                <a:spcPts val="0"/>
-              </a:spcBef>
-              <a:spcAft>
-                <a:spcPts val="0"/>
-              </a:spcAft>
-            </a:pPr>
-            <a:r>
-              <a:rPr lang="en-GB" dirty="0">
-                <a:solidFill>
-                  <a:srgbClr val="0E101A"/>
-                </a:solidFill>
-                <a:effectLst/>
-              </a:rPr>
-              <a:t>In contrast to the original publication </a:t>
-            </a:r>
-            <a:r>
-              <a:rPr lang="en-GB" dirty="0">
-                <a:solidFill>
-                  <a:srgbClr val="4A6EE0"/>
-                </a:solidFill>
-                <a:effectLst/>
-                <a:hlinkClick r:id="rId2"/>
-              </a:rPr>
-              <a:t>[B2001]</a:t>
-            </a:r>
-            <a:r>
-              <a:rPr lang="en-GB" dirty="0">
-                <a:solidFill>
-                  <a:srgbClr val="0E101A"/>
-                </a:solidFill>
-                <a:effectLst/>
-              </a:rPr>
-              <a:t>, the scikit-learn implementation combines classifiers by averaging their probabilistic prediction, instead of letting each classifier vote for a single class.</a:t>
-            </a:r>
-          </a:p>
-          <a:p>
             <a:endParaRPr lang="en-GB" dirty="0"/>
           </a:p>
+          <a:p>
+            <a:endParaRPr lang="en-GB" dirty="0"/>
+          </a:p>
         </p:txBody>
       </p:sp>
       <p:sp>
@@ -13459,7 +13423,7 @@
           <p:cNvPr id="4" name="Slide Number Placeholder 3">
             <a:extLst>
               <a:ext uri="{FF2B5EF4-FFF2-40B4-BE49-F238E27FC236}">
-                <a16:creationId xmlns:a16="http://schemas.microsoft.com/office/drawing/2014/main" id="{6DB0F69D-6A55-E665-BB33-6D49DEA993BA}"/>
+                <a16:creationId xmlns:a16="http://schemas.microsoft.com/office/drawing/2014/main" id="{1A0A4572-1681-92AF-86D6-AE3689C9E1F3}"/>
               </a:ext>
             </a:extLst>
           </p:cNvPr>
@@ -13489,7 +13453,7 @@
           <p:cNvPr id="5" name="TextBox 4">
             <a:extLst>
               <a:ext uri="{FF2B5EF4-FFF2-40B4-BE49-F238E27FC236}">
-                <a16:creationId xmlns:a16="http://schemas.microsoft.com/office/drawing/2014/main" id="{D773CE62-9F87-B82B-61D4-1766DA6DE567}"/>
+                <a16:creationId xmlns:a16="http://schemas.microsoft.com/office/drawing/2014/main" id="{8156FDB0-C7FC-23BE-5F6B-4389973B962D}"/>
               </a:ext>
             </a:extLst>
           </p:cNvPr>
@@ -13545,7 +13509,7 @@
     </p:spTree>
     <p:extLst>
       <p:ext uri="{BB962C8B-B14F-4D97-AF65-F5344CB8AC3E}">
-        <p14:creationId xmlns:p14="http://schemas.microsoft.com/office/powerpoint/2010/main" val="726433949"/>
+        <p14:creationId xmlns:p14="http://schemas.microsoft.com/office/powerpoint/2010/main" val="1023586558"/>
       </p:ext>
     </p:extLst>
   </p:cSld>
@@ -13577,7 +13541,7 @@
           <p:cNvPr id="2" name="Title 1">
             <a:extLst>
               <a:ext uri="{FF2B5EF4-FFF2-40B4-BE49-F238E27FC236}">
-                <a16:creationId xmlns:a16="http://schemas.microsoft.com/office/drawing/2014/main" id="{4B474C0E-7BC3-F822-FA36-4C59121E7AA8}"/>
+                <a16:creationId xmlns:a16="http://schemas.microsoft.com/office/drawing/2014/main" id="{4C1863AF-A142-86DF-CD60-6B99DA223D7A}"/>
               </a:ext>
             </a:extLst>
           </p:cNvPr>
@@ -13595,7 +13559,7 @@
           <a:p>
             <a:r>
               <a:rPr lang="en-GB" dirty="0"/>
-              <a:t>SHAP</a:t>
+              <a:t>Practical note on RFs</a:t>
             </a:r>
           </a:p>
         </p:txBody>
@@ -13605,7 +13569,7 @@
           <p:cNvPr id="3" name="Content Placeholder 2">
             <a:extLst>
               <a:ext uri="{FF2B5EF4-FFF2-40B4-BE49-F238E27FC236}">
-                <a16:creationId xmlns:a16="http://schemas.microsoft.com/office/drawing/2014/main" id="{C0662F57-DC14-48E0-795A-8C5BA9015351}"/>
+                <a16:creationId xmlns:a16="http://schemas.microsoft.com/office/drawing/2014/main" id="{DCF2001B-3654-876F-873D-9943F2C10C6A}"/>
               </a:ext>
             </a:extLst>
           </p:cNvPr>
@@ -13621,119 +13585,88 @@
           <a:bodyPr/>
           <a:lstStyle/>
           <a:p>
-            <a:r>
-              <a:rPr lang="en-GB" i="0" u="none" strike="noStrike" dirty="0">
-                <a:solidFill>
-                  <a:srgbClr val="24292F"/>
+            <a:pPr>
+              <a:spcBef>
+                <a:spcPts val="0"/>
+              </a:spcBef>
+              <a:spcAft>
+                <a:spcPts val="0"/>
+              </a:spcAft>
+            </a:pPr>
+            <a:r>
+              <a:rPr lang="en-GB" dirty="0">
+                <a:solidFill>
+                  <a:srgbClr val="0E101A"/>
                 </a:solidFill>
                 <a:effectLst/>
               </a:rPr>
-              <a:t>SHAP (</a:t>
-            </a:r>
-            <a:r>
-              <a:rPr lang="en-GB" i="0" u="none" strike="noStrike" dirty="0" err="1">
-                <a:solidFill>
-                  <a:srgbClr val="24292F"/>
+              <a:t>In practice, the variance reduction is often significant, yielding an overall better model.</a:t>
+            </a:r>
+          </a:p>
+          <a:p>
+            <a:pPr marL="0" indent="0">
+              <a:spcBef>
+                <a:spcPts val="0"/>
+              </a:spcBef>
+              <a:spcAft>
+                <a:spcPts val="0"/>
+              </a:spcAft>
+              <a:buNone/>
+            </a:pPr>
+            <a:br>
+              <a:rPr lang="en-GB" dirty="0">
+                <a:solidFill>
+                  <a:srgbClr val="0E101A"/>
                 </a:solidFill>
                 <a:effectLst/>
               </a:rPr>
-              <a:t>SHapley</a:t>
-            </a:r>
-            <a:r>
-              <a:rPr lang="en-GB" i="0" u="none" strike="noStrike" dirty="0">
-                <a:solidFill>
-                  <a:srgbClr val="24292F"/>
-                </a:solidFill>
-                <a:effectLst/>
-              </a:rPr>
-              <a:t> Additive </a:t>
-            </a:r>
-            <a:r>
-              <a:rPr lang="en-GB" i="0" u="none" strike="noStrike" dirty="0" err="1">
-                <a:solidFill>
-                  <a:srgbClr val="24292F"/>
-                </a:solidFill>
-                <a:effectLst/>
-              </a:rPr>
-              <a:t>exPlanations</a:t>
-            </a:r>
-            <a:r>
-              <a:rPr lang="en-GB" i="0" u="none" strike="noStrike" dirty="0">
-                <a:solidFill>
-                  <a:srgbClr val="24292F"/>
-                </a:solidFill>
-                <a:effectLst/>
-              </a:rPr>
-              <a:t>) is a game theoretic approach to explain the output of any machine learning model. </a:t>
-            </a:r>
-          </a:p>
-          <a:p>
-            <a:r>
-              <a:rPr lang="en-GB" i="0" u="none" strike="noStrike" dirty="0">
-                <a:solidFill>
-                  <a:srgbClr val="24292F"/>
-                </a:solidFill>
-                <a:effectLst/>
-              </a:rPr>
-              <a:t>It connects optimal credit allocation with local explanations using the classic Shapley values from game theory and their related extensions.</a:t>
-            </a:r>
-          </a:p>
-          <a:p>
+            </a:br>
             <a:endParaRPr lang="en-GB" dirty="0">
               <a:solidFill>
-                <a:srgbClr val="24292F"/>
+                <a:srgbClr val="0E101A"/>
               </a:solidFill>
+              <a:effectLst/>
             </a:endParaRPr>
           </a:p>
           <a:p>
+            <a:pPr>
+              <a:spcBef>
+                <a:spcPts val="0"/>
+              </a:spcBef>
+              <a:spcAft>
+                <a:spcPts val="0"/>
+              </a:spcAft>
+            </a:pPr>
             <a:r>
               <a:rPr lang="en-GB" dirty="0">
                 <a:solidFill>
-                  <a:srgbClr val="24292F"/>
-                </a:solidFill>
-              </a:rPr>
-              <a:t>See: https://</a:t>
-            </a:r>
-            <a:r>
-              <a:rPr lang="en-GB" dirty="0" err="1">
-                <a:solidFill>
-                  <a:srgbClr val="24292F"/>
-                </a:solidFill>
-              </a:rPr>
-              <a:t>github.com</a:t>
+                  <a:srgbClr val="0E101A"/>
+                </a:solidFill>
+                <a:effectLst/>
+              </a:rPr>
+              <a:t>In contrast to the original publication </a:t>
             </a:r>
             <a:r>
               <a:rPr lang="en-GB" dirty="0">
                 <a:solidFill>
-                  <a:srgbClr val="24292F"/>
-                </a:solidFill>
-              </a:rPr>
-              <a:t>/</a:t>
-            </a:r>
-            <a:r>
-              <a:rPr lang="en-GB" dirty="0" err="1">
-                <a:solidFill>
-                  <a:srgbClr val="24292F"/>
-                </a:solidFill>
-              </a:rPr>
-              <a:t>slundberg</a:t>
+                  <a:srgbClr val="4A6EE0"/>
+                </a:solidFill>
+                <a:effectLst/>
+                <a:hlinkClick r:id="rId2"/>
+              </a:rPr>
+              <a:t>[B2001]</a:t>
             </a:r>
             <a:r>
               <a:rPr lang="en-GB" dirty="0">
                 <a:solidFill>
-                  <a:srgbClr val="24292F"/>
-                </a:solidFill>
-              </a:rPr>
-              <a:t>/</a:t>
-            </a:r>
-            <a:r>
-              <a:rPr lang="en-GB" dirty="0" err="1">
-                <a:solidFill>
-                  <a:srgbClr val="24292F"/>
-                </a:solidFill>
-              </a:rPr>
-              <a:t>shap</a:t>
-            </a:r>
+                  <a:srgbClr val="0E101A"/>
+                </a:solidFill>
+                <a:effectLst/>
+              </a:rPr>
+              <a:t>, the scikit-learn implementation combines classifiers by averaging their probabilistic prediction, instead of letting each classifier vote for a single class.</a:t>
+            </a:r>
+          </a:p>
+          <a:p>
             <a:endParaRPr lang="en-GB" dirty="0"/>
           </a:p>
         </p:txBody>
@@ -13743,7 +13676,7 @@
           <p:cNvPr id="4" name="Slide Number Placeholder 3">
             <a:extLst>
               <a:ext uri="{FF2B5EF4-FFF2-40B4-BE49-F238E27FC236}">
-                <a16:creationId xmlns:a16="http://schemas.microsoft.com/office/drawing/2014/main" id="{B965A4D8-1BA9-C628-9BC8-6068B5960857}"/>
+                <a16:creationId xmlns:a16="http://schemas.microsoft.com/office/drawing/2014/main" id="{6DB0F69D-6A55-E665-BB33-6D49DEA993BA}"/>
               </a:ext>
             </a:extLst>
           </p:cNvPr>
@@ -13768,10 +13701,68 @@
           </a:p>
         </p:txBody>
       </p:sp>
+      <p:sp>
+        <p:nvSpPr>
+          <p:cNvPr id="5" name="TextBox 4">
+            <a:extLst>
+              <a:ext uri="{FF2B5EF4-FFF2-40B4-BE49-F238E27FC236}">
+                <a16:creationId xmlns:a16="http://schemas.microsoft.com/office/drawing/2014/main" id="{D773CE62-9F87-B82B-61D4-1766DA6DE567}"/>
+              </a:ext>
+            </a:extLst>
+          </p:cNvPr>
+          <p:cNvSpPr txBox="1"/>
+          <p:nvPr/>
+        </p:nvSpPr>
+        <p:spPr>
+          <a:xfrm>
+            <a:off x="457200" y="5142517"/>
+            <a:ext cx="3610744" cy="230832"/>
+          </a:xfrm>
+          <a:prstGeom prst="rect">
+            <a:avLst/>
+          </a:prstGeom>
+          <a:noFill/>
+        </p:spPr>
+        <p:txBody>
+          <a:bodyPr wrap="square">
+            <a:spAutoFit/>
+          </a:bodyPr>
+          <a:lstStyle/>
+          <a:p>
+            <a:r>
+              <a:rPr lang="en-GB" sz="900" dirty="0">
+                <a:latin typeface="Gill Sans MT" panose="020B0502020104020203" pitchFamily="34" charset="77"/>
+              </a:rPr>
+              <a:t>Source: https://scikit-</a:t>
+            </a:r>
+            <a:r>
+              <a:rPr lang="en-GB" sz="900" dirty="0" err="1">
+                <a:latin typeface="Gill Sans MT" panose="020B0502020104020203" pitchFamily="34" charset="77"/>
+              </a:rPr>
+              <a:t>learn.org</a:t>
+            </a:r>
+            <a:r>
+              <a:rPr lang="en-GB" sz="900" dirty="0">
+                <a:latin typeface="Gill Sans MT" panose="020B0502020104020203" pitchFamily="34" charset="77"/>
+              </a:rPr>
+              <a:t>/stable/modules/</a:t>
+            </a:r>
+            <a:r>
+              <a:rPr lang="en-GB" sz="900" dirty="0" err="1">
+                <a:latin typeface="Gill Sans MT" panose="020B0502020104020203" pitchFamily="34" charset="77"/>
+              </a:rPr>
+              <a:t>ensemble.html</a:t>
+            </a:r>
+            <a:endParaRPr lang="en-GB" sz="900" dirty="0">
+              <a:latin typeface="Gill Sans MT" panose="020B0502020104020203" pitchFamily="34" charset="77"/>
+            </a:endParaRPr>
+          </a:p>
+        </p:txBody>
+      </p:sp>
     </p:spTree>
     <p:extLst>
       <p:ext uri="{BB962C8B-B14F-4D97-AF65-F5344CB8AC3E}">
-        <p14:creationId xmlns:p14="http://schemas.microsoft.com/office/powerpoint/2010/main" val="2328032191"/>
+        <p14:creationId xmlns:p14="http://schemas.microsoft.com/office/powerpoint/2010/main" val="726433949"/>
       </p:ext>
     </p:extLst>
   </p:cSld>
@@ -13803,6 +13794,232 @@
           <p:cNvPr id="2" name="Title 1">
             <a:extLst>
               <a:ext uri="{FF2B5EF4-FFF2-40B4-BE49-F238E27FC236}">
+                <a16:creationId xmlns:a16="http://schemas.microsoft.com/office/drawing/2014/main" id="{4B474C0E-7BC3-F822-FA36-4C59121E7AA8}"/>
+              </a:ext>
+            </a:extLst>
+          </p:cNvPr>
+          <p:cNvSpPr>
+            <a:spLocks noGrp="1"/>
+          </p:cNvSpPr>
+          <p:nvPr>
+            <p:ph type="title"/>
+          </p:nvPr>
+        </p:nvSpPr>
+        <p:spPr/>
+        <p:txBody>
+          <a:bodyPr/>
+          <a:lstStyle/>
+          <a:p>
+            <a:r>
+              <a:rPr lang="en-GB" dirty="0"/>
+              <a:t>SHAP</a:t>
+            </a:r>
+          </a:p>
+        </p:txBody>
+      </p:sp>
+      <p:sp>
+        <p:nvSpPr>
+          <p:cNvPr id="3" name="Content Placeholder 2">
+            <a:extLst>
+              <a:ext uri="{FF2B5EF4-FFF2-40B4-BE49-F238E27FC236}">
+                <a16:creationId xmlns:a16="http://schemas.microsoft.com/office/drawing/2014/main" id="{C0662F57-DC14-48E0-795A-8C5BA9015351}"/>
+              </a:ext>
+            </a:extLst>
+          </p:cNvPr>
+          <p:cNvSpPr>
+            <a:spLocks noGrp="1"/>
+          </p:cNvSpPr>
+          <p:nvPr>
+            <p:ph idx="1"/>
+          </p:nvPr>
+        </p:nvSpPr>
+        <p:spPr/>
+        <p:txBody>
+          <a:bodyPr/>
+          <a:lstStyle/>
+          <a:p>
+            <a:r>
+              <a:rPr lang="en-GB" i="0" u="none" strike="noStrike" dirty="0">
+                <a:solidFill>
+                  <a:srgbClr val="24292F"/>
+                </a:solidFill>
+                <a:effectLst/>
+              </a:rPr>
+              <a:t>SHAP (</a:t>
+            </a:r>
+            <a:r>
+              <a:rPr lang="en-GB" i="0" u="none" strike="noStrike" dirty="0" err="1">
+                <a:solidFill>
+                  <a:srgbClr val="24292F"/>
+                </a:solidFill>
+                <a:effectLst/>
+              </a:rPr>
+              <a:t>SHapley</a:t>
+            </a:r>
+            <a:r>
+              <a:rPr lang="en-GB" i="0" u="none" strike="noStrike" dirty="0">
+                <a:solidFill>
+                  <a:srgbClr val="24292F"/>
+                </a:solidFill>
+                <a:effectLst/>
+              </a:rPr>
+              <a:t> Additive </a:t>
+            </a:r>
+            <a:r>
+              <a:rPr lang="en-GB" i="0" u="none" strike="noStrike" dirty="0" err="1">
+                <a:solidFill>
+                  <a:srgbClr val="24292F"/>
+                </a:solidFill>
+                <a:effectLst/>
+              </a:rPr>
+              <a:t>exPlanations</a:t>
+            </a:r>
+            <a:r>
+              <a:rPr lang="en-GB" i="0" u="none" strike="noStrike" dirty="0">
+                <a:solidFill>
+                  <a:srgbClr val="24292F"/>
+                </a:solidFill>
+                <a:effectLst/>
+              </a:rPr>
+              <a:t>) is a game theoretic approach to explain the output of any machine learning model. </a:t>
+            </a:r>
+          </a:p>
+          <a:p>
+            <a:r>
+              <a:rPr lang="en-GB" i="0" u="none" strike="noStrike" dirty="0">
+                <a:solidFill>
+                  <a:srgbClr val="24292F"/>
+                </a:solidFill>
+                <a:effectLst/>
+              </a:rPr>
+              <a:t>It connects optimal credit allocation with local explanations using the classic Shapley values from game theory and their related extensions.</a:t>
+            </a:r>
+          </a:p>
+          <a:p>
+            <a:endParaRPr lang="en-GB" dirty="0">
+              <a:solidFill>
+                <a:srgbClr val="24292F"/>
+              </a:solidFill>
+            </a:endParaRPr>
+          </a:p>
+          <a:p>
+            <a:r>
+              <a:rPr lang="en-GB" dirty="0">
+                <a:solidFill>
+                  <a:srgbClr val="24292F"/>
+                </a:solidFill>
+              </a:rPr>
+              <a:t>See: https://</a:t>
+            </a:r>
+            <a:r>
+              <a:rPr lang="en-GB" dirty="0" err="1">
+                <a:solidFill>
+                  <a:srgbClr val="24292F"/>
+                </a:solidFill>
+              </a:rPr>
+              <a:t>github.com</a:t>
+            </a:r>
+            <a:r>
+              <a:rPr lang="en-GB" dirty="0">
+                <a:solidFill>
+                  <a:srgbClr val="24292F"/>
+                </a:solidFill>
+              </a:rPr>
+              <a:t>/</a:t>
+            </a:r>
+            <a:r>
+              <a:rPr lang="en-GB" dirty="0" err="1">
+                <a:solidFill>
+                  <a:srgbClr val="24292F"/>
+                </a:solidFill>
+              </a:rPr>
+              <a:t>slundberg</a:t>
+            </a:r>
+            <a:r>
+              <a:rPr lang="en-GB" dirty="0">
+                <a:solidFill>
+                  <a:srgbClr val="24292F"/>
+                </a:solidFill>
+              </a:rPr>
+              <a:t>/</a:t>
+            </a:r>
+            <a:r>
+              <a:rPr lang="en-GB" dirty="0" err="1">
+                <a:solidFill>
+                  <a:srgbClr val="24292F"/>
+                </a:solidFill>
+              </a:rPr>
+              <a:t>shap</a:t>
+            </a:r>
+            <a:endParaRPr lang="en-GB" dirty="0"/>
+          </a:p>
+        </p:txBody>
+      </p:sp>
+      <p:sp>
+        <p:nvSpPr>
+          <p:cNvPr id="4" name="Slide Number Placeholder 3">
+            <a:extLst>
+              <a:ext uri="{FF2B5EF4-FFF2-40B4-BE49-F238E27FC236}">
+                <a16:creationId xmlns:a16="http://schemas.microsoft.com/office/drawing/2014/main" id="{B965A4D8-1BA9-C628-9BC8-6068B5960857}"/>
+              </a:ext>
+            </a:extLst>
+          </p:cNvPr>
+          <p:cNvSpPr>
+            <a:spLocks noGrp="1"/>
+          </p:cNvSpPr>
+          <p:nvPr>
+            <p:ph type="sldNum" sz="quarter" idx="12"/>
+          </p:nvPr>
+        </p:nvSpPr>
+        <p:spPr/>
+        <p:txBody>
+          <a:bodyPr/>
+          <a:lstStyle/>
+          <a:p>
+            <a:fld id="{44E22EE9-B8A0-0641-9265-052CFE9B95A7}" type="slidenum">
+              <a:rPr lang="en-GB" altLang="en-US" smtClean="0"/>
+              <a:pPr/>
+              <a:t>42</a:t>
+            </a:fld>
+            <a:endParaRPr lang="en-GB" altLang="en-US" dirty="0"/>
+          </a:p>
+        </p:txBody>
+      </p:sp>
+    </p:spTree>
+    <p:extLst>
+      <p:ext uri="{BB962C8B-B14F-4D97-AF65-F5344CB8AC3E}">
+        <p14:creationId xmlns:p14="http://schemas.microsoft.com/office/powerpoint/2010/main" val="2328032191"/>
+      </p:ext>
+    </p:extLst>
+  </p:cSld>
+  <p:clrMapOvr>
+    <a:masterClrMapping/>
+  </p:clrMapOvr>
+</p:sld>
+</file>
+
+<file path=ppt/slides/slide43.xml><?xml version="1.0" encoding="utf-8"?>
+<p:sld xmlns:a="http://schemas.openxmlformats.org/drawingml/2006/main" xmlns:r="http://schemas.openxmlformats.org/officeDocument/2006/relationships" xmlns:p="http://schemas.openxmlformats.org/presentationml/2006/main">
+  <p:cSld>
+    <p:spTree>
+      <p:nvGrpSpPr>
+        <p:cNvPr id="1" name=""/>
+        <p:cNvGrpSpPr/>
+        <p:nvPr/>
+      </p:nvGrpSpPr>
+      <p:grpSpPr>
+        <a:xfrm>
+          <a:off x="0" y="0"/>
+          <a:ext cx="0" cy="0"/>
+          <a:chOff x="0" y="0"/>
+          <a:chExt cx="0" cy="0"/>
+        </a:xfrm>
+      </p:grpSpPr>
+      <p:sp>
+        <p:nvSpPr>
+          <p:cNvPr id="2" name="Title 1">
+            <a:extLst>
+              <a:ext uri="{FF2B5EF4-FFF2-40B4-BE49-F238E27FC236}">
                 <a16:creationId xmlns:a16="http://schemas.microsoft.com/office/drawing/2014/main" id="{9D506756-159A-039D-7D0E-488E0746EC08}"/>
               </a:ext>
             </a:extLst>
@@ -13850,7 +14067,7 @@
             <a:fld id="{BB98F552-A29D-2D4E-8192-F20670493719}" type="slidenum">
               <a:rPr lang="en-GB" altLang="en-US" smtClean="0"/>
               <a:pPr/>
-              <a:t>42</a:t>
+              <a:t>43</a:t>
             </a:fld>
             <a:endParaRPr lang="en-GB" altLang="en-US" dirty="0"/>
           </a:p>
@@ -13905,7 +14122,7 @@
 </p:sld>
 </file>
 
-<file path=ppt/slides/slide43.xml><?xml version="1.0" encoding="utf-8"?>
+<file path=ppt/slides/slide44.xml><?xml version="1.0" encoding="utf-8"?>
 <p:sld xmlns:a="http://schemas.openxmlformats.org/drawingml/2006/main" xmlns:r="http://schemas.openxmlformats.org/officeDocument/2006/relationships" xmlns:p="http://schemas.openxmlformats.org/presentationml/2006/main">
   <p:cSld>
     <p:spTree>
@@ -13974,7 +14191,7 @@
             <a:fld id="{BB98F552-A29D-2D4E-8192-F20670493719}" type="slidenum">
               <a:rPr lang="en-GB" altLang="en-US" smtClean="0"/>
               <a:pPr/>
-              <a:t>43</a:t>
+              <a:t>44</a:t>
             </a:fld>
             <a:endParaRPr lang="en-GB" altLang="en-US" dirty="0"/>
           </a:p>
@@ -14029,7 +14246,7 @@
 </p:sld>
 </file>
 
-<file path=ppt/slides/slide44.xml><?xml version="1.0" encoding="utf-8"?>
+<file path=ppt/slides/slide45.xml><?xml version="1.0" encoding="utf-8"?>
 <p:sld xmlns:a="http://schemas.openxmlformats.org/drawingml/2006/main" xmlns:r="http://schemas.openxmlformats.org/officeDocument/2006/relationships" xmlns:p="http://schemas.openxmlformats.org/presentationml/2006/main">
   <p:cSld>
     <p:spTree>
@@ -14098,7 +14315,7 @@
             <a:fld id="{44E22EE9-B8A0-0641-9265-052CFE9B95A7}" type="slidenum">
               <a:rPr lang="en-GB" altLang="en-US" smtClean="0"/>
               <a:pPr/>
-              <a:t>44</a:t>
+              <a:t>45</a:t>
             </a:fld>
             <a:endParaRPr lang="en-GB" altLang="en-US" dirty="0"/>
           </a:p>
@@ -14177,7 +14394,7 @@
 </p:sld>
 </file>
 
-<file path=ppt/slides/slide45.xml><?xml version="1.0" encoding="utf-8"?>
+<file path=ppt/slides/slide46.xml><?xml version="1.0" encoding="utf-8"?>
 <p:sld xmlns:a="http://schemas.openxmlformats.org/drawingml/2006/main" xmlns:r="http://schemas.openxmlformats.org/officeDocument/2006/relationships" xmlns:p="http://schemas.openxmlformats.org/presentationml/2006/main">
   <p:cSld>
     <p:spTree>
@@ -14339,135 +14556,6 @@
 </p:sld>
 </file>
 
-<file path=ppt/slides/slide46.xml><?xml version="1.0" encoding="utf-8"?>
-<p:sld xmlns:a="http://schemas.openxmlformats.org/drawingml/2006/main" xmlns:r="http://schemas.openxmlformats.org/officeDocument/2006/relationships" xmlns:p="http://schemas.openxmlformats.org/presentationml/2006/main">
-  <p:cSld>
-    <p:spTree>
-      <p:nvGrpSpPr>
-        <p:cNvPr id="1" name=""/>
-        <p:cNvGrpSpPr/>
-        <p:nvPr/>
-      </p:nvGrpSpPr>
-      <p:grpSpPr>
-        <a:xfrm>
-          <a:off x="0" y="0"/>
-          <a:ext cx="0" cy="0"/>
-          <a:chOff x="0" y="0"/>
-          <a:chExt cx="0" cy="0"/>
-        </a:xfrm>
-      </p:grpSpPr>
-      <p:sp>
-        <p:nvSpPr>
-          <p:cNvPr id="2" name="Title 1">
-            <a:extLst>
-              <a:ext uri="{FF2B5EF4-FFF2-40B4-BE49-F238E27FC236}">
-                <a16:creationId xmlns:a16="http://schemas.microsoft.com/office/drawing/2014/main" id="{457ED76A-0EE9-34A1-EF11-3C294409EB3F}"/>
-              </a:ext>
-            </a:extLst>
-          </p:cNvPr>
-          <p:cNvSpPr>
-            <a:spLocks noGrp="1"/>
-          </p:cNvSpPr>
-          <p:nvPr>
-            <p:ph type="title"/>
-          </p:nvPr>
-        </p:nvSpPr>
-        <p:spPr/>
-        <p:txBody>
-          <a:bodyPr/>
-          <a:lstStyle/>
-          <a:p>
-            <a:r>
-              <a:rPr lang="en-GB" dirty="0"/>
-              <a:t>Q1 – RF vs DT</a:t>
-            </a:r>
-          </a:p>
-        </p:txBody>
-      </p:sp>
-      <p:sp>
-        <p:nvSpPr>
-          <p:cNvPr id="3" name="Content Placeholder 2">
-            <a:extLst>
-              <a:ext uri="{FF2B5EF4-FFF2-40B4-BE49-F238E27FC236}">
-                <a16:creationId xmlns:a16="http://schemas.microsoft.com/office/drawing/2014/main" id="{0A2C8A23-EB07-D851-A025-5137671C8A62}"/>
-              </a:ext>
-            </a:extLst>
-          </p:cNvPr>
-          <p:cNvSpPr>
-            <a:spLocks noGrp="1"/>
-          </p:cNvSpPr>
-          <p:nvPr>
-            <p:ph idx="1"/>
-          </p:nvPr>
-        </p:nvSpPr>
-        <p:spPr/>
-        <p:txBody>
-          <a:bodyPr/>
-          <a:lstStyle/>
-          <a:p>
-            <a:r>
-              <a:rPr lang="en-GB" dirty="0"/>
-              <a:t>If we have a dataset with multiple features in which the samples vary, and the different features contribute to the overall class prediction, which of DT or RF could be a good choice? </a:t>
-            </a:r>
-          </a:p>
-          <a:p>
-            <a:endParaRPr lang="en-GB" dirty="0"/>
-          </a:p>
-          <a:p>
-            <a:r>
-              <a:rPr lang="en-GB" dirty="0" err="1"/>
-              <a:t>menti</a:t>
-            </a:r>
-            <a:r>
-              <a:rPr lang="en-GB" dirty="0"/>
-              <a:t> code will be provided. </a:t>
-            </a:r>
-          </a:p>
-        </p:txBody>
-      </p:sp>
-      <p:sp>
-        <p:nvSpPr>
-          <p:cNvPr id="4" name="Slide Number Placeholder 3">
-            <a:extLst>
-              <a:ext uri="{FF2B5EF4-FFF2-40B4-BE49-F238E27FC236}">
-                <a16:creationId xmlns:a16="http://schemas.microsoft.com/office/drawing/2014/main" id="{C35B87EF-D44B-A966-13BB-5CB3BA9A894F}"/>
-              </a:ext>
-            </a:extLst>
-          </p:cNvPr>
-          <p:cNvSpPr>
-            <a:spLocks noGrp="1"/>
-          </p:cNvSpPr>
-          <p:nvPr>
-            <p:ph type="sldNum" sz="quarter" idx="12"/>
-          </p:nvPr>
-        </p:nvSpPr>
-        <p:spPr/>
-        <p:txBody>
-          <a:bodyPr/>
-          <a:lstStyle/>
-          <a:p>
-            <a:fld id="{44E22EE9-B8A0-0641-9265-052CFE9B95A7}" type="slidenum">
-              <a:rPr lang="en-GB" altLang="en-US" smtClean="0"/>
-              <a:pPr/>
-              <a:t>46</a:t>
-            </a:fld>
-            <a:endParaRPr lang="en-GB" altLang="en-US" dirty="0"/>
-          </a:p>
-        </p:txBody>
-      </p:sp>
-    </p:spTree>
-    <p:extLst>
-      <p:ext uri="{BB962C8B-B14F-4D97-AF65-F5344CB8AC3E}">
-        <p14:creationId xmlns:p14="http://schemas.microsoft.com/office/powerpoint/2010/main" val="3639377692"/>
-      </p:ext>
-    </p:extLst>
-  </p:cSld>
-  <p:clrMapOvr>
-    <a:masterClrMapping/>
-  </p:clrMapOvr>
-</p:sld>
-</file>
-
 <file path=ppt/slides/slide47.xml><?xml version="1.0" encoding="utf-8"?>
 <p:sld xmlns:a="http://schemas.openxmlformats.org/drawingml/2006/main" xmlns:r="http://schemas.openxmlformats.org/officeDocument/2006/relationships" xmlns:p="http://schemas.openxmlformats.org/presentationml/2006/main">
   <p:cSld>
@@ -14490,7 +14578,7 @@
           <p:cNvPr id="2" name="Title 1">
             <a:extLst>
               <a:ext uri="{FF2B5EF4-FFF2-40B4-BE49-F238E27FC236}">
-                <a16:creationId xmlns:a16="http://schemas.microsoft.com/office/drawing/2014/main" id="{9AE41C0D-265D-A602-3B1B-A163035B63FC}"/>
+                <a16:creationId xmlns:a16="http://schemas.microsoft.com/office/drawing/2014/main" id="{457ED76A-0EE9-34A1-EF11-3C294409EB3F}"/>
               </a:ext>
             </a:extLst>
           </p:cNvPr>
@@ -14508,7 +14596,7 @@
           <a:p>
             <a:r>
               <a:rPr lang="en-GB" dirty="0"/>
-              <a:t>Q2</a:t>
+              <a:t>Q1 – RF vs DT</a:t>
             </a:r>
           </a:p>
         </p:txBody>
@@ -14518,7 +14606,7 @@
           <p:cNvPr id="3" name="Content Placeholder 2">
             <a:extLst>
               <a:ext uri="{FF2B5EF4-FFF2-40B4-BE49-F238E27FC236}">
-                <a16:creationId xmlns:a16="http://schemas.microsoft.com/office/drawing/2014/main" id="{DFA6B0B8-B110-E235-1A81-C9587A06287C}"/>
+                <a16:creationId xmlns:a16="http://schemas.microsoft.com/office/drawing/2014/main" id="{0A2C8A23-EB07-D851-A025-5137671C8A62}"/>
               </a:ext>
             </a:extLst>
           </p:cNvPr>
@@ -14535,16 +14623,23 @@
           <a:lstStyle/>
           <a:p>
             <a:r>
-              <a:rPr lang="en-GB" sz="2000" b="0" i="0" u="none" strike="noStrike" dirty="0">
-                <a:solidFill>
-                  <a:srgbClr val="212529"/>
-                </a:solidFill>
-                <a:effectLst/>
-              </a:rPr>
-              <a:t>In a Random forest model, when samples are drawn with replacement, what is the method known as?</a:t>
-            </a:r>
+              <a:rPr lang="en-GB" dirty="0"/>
+              <a:t>If we have a dataset with multiple features in which the samples vary, and the different features contribute to the overall class prediction, which of DT or RF could be a good choice? </a:t>
+            </a:r>
+          </a:p>
+          <a:p>
             <a:endParaRPr lang="en-GB" dirty="0"/>
           </a:p>
+          <a:p>
+            <a:r>
+              <a:rPr lang="en-GB" dirty="0" err="1"/>
+              <a:t>menti</a:t>
+            </a:r>
+            <a:r>
+              <a:rPr lang="en-GB" dirty="0"/>
+              <a:t> code will be provided. </a:t>
+            </a:r>
+          </a:p>
         </p:txBody>
       </p:sp>
       <p:sp>
@@ -14552,7 +14647,7 @@
           <p:cNvPr id="4" name="Slide Number Placeholder 3">
             <a:extLst>
               <a:ext uri="{FF2B5EF4-FFF2-40B4-BE49-F238E27FC236}">
-                <a16:creationId xmlns:a16="http://schemas.microsoft.com/office/drawing/2014/main" id="{41E93681-5D98-12FA-E4D7-25247B3D83E8}"/>
+                <a16:creationId xmlns:a16="http://schemas.microsoft.com/office/drawing/2014/main" id="{C35B87EF-D44B-A966-13BB-5CB3BA9A894F}"/>
               </a:ext>
             </a:extLst>
           </p:cNvPr>
@@ -14580,7 +14675,7 @@
     </p:spTree>
     <p:extLst>
       <p:ext uri="{BB962C8B-B14F-4D97-AF65-F5344CB8AC3E}">
-        <p14:creationId xmlns:p14="http://schemas.microsoft.com/office/powerpoint/2010/main" val="2877191945"/>
+        <p14:creationId xmlns:p14="http://schemas.microsoft.com/office/powerpoint/2010/main" val="3639377692"/>
       </p:ext>
     </p:extLst>
   </p:cSld>
@@ -14612,7 +14707,7 @@
           <p:cNvPr id="2" name="Title 1">
             <a:extLst>
               <a:ext uri="{FF2B5EF4-FFF2-40B4-BE49-F238E27FC236}">
-                <a16:creationId xmlns:a16="http://schemas.microsoft.com/office/drawing/2014/main" id="{A9C29240-2B07-33F2-713E-146C198C0CA2}"/>
+                <a16:creationId xmlns:a16="http://schemas.microsoft.com/office/drawing/2014/main" id="{9AE41C0D-265D-A602-3B1B-A163035B63FC}"/>
               </a:ext>
             </a:extLst>
           </p:cNvPr>
@@ -14630,7 +14725,7 @@
           <a:p>
             <a:r>
               <a:rPr lang="en-GB" dirty="0"/>
-              <a:t>Q3</a:t>
+              <a:t>Q2</a:t>
             </a:r>
           </a:p>
         </p:txBody>
@@ -14640,7 +14735,7 @@
           <p:cNvPr id="3" name="Content Placeholder 2">
             <a:extLst>
               <a:ext uri="{FF2B5EF4-FFF2-40B4-BE49-F238E27FC236}">
-                <a16:creationId xmlns:a16="http://schemas.microsoft.com/office/drawing/2014/main" id="{6AC76671-778E-835A-B193-CF1D171B418B}"/>
+                <a16:creationId xmlns:a16="http://schemas.microsoft.com/office/drawing/2014/main" id="{DFA6B0B8-B110-E235-1A81-C9587A06287C}"/>
               </a:ext>
             </a:extLst>
           </p:cNvPr>
@@ -14657,39 +14752,15 @@
           <a:lstStyle/>
           <a:p>
             <a:r>
-              <a:rPr lang="en-GB" dirty="0"/>
-              <a:t>In SVM models, there is a hyperparameter known as the Soft Margin of SVM (shown as </a:t>
-            </a:r>
-            <a:r>
-              <a:rPr lang="en-GB" b="1" dirty="0"/>
-              <a:t>C</a:t>
-            </a:r>
-            <a:r>
-              <a:rPr lang="en-GB" dirty="0"/>
-              <a:t> in the model implementation). The </a:t>
-            </a:r>
-            <a:r>
-              <a:rPr lang="en-GB" b="1" dirty="0"/>
-              <a:t>C</a:t>
-            </a:r>
-            <a:r>
-              <a:rPr lang="en-GB" dirty="0"/>
-              <a:t> hyperparameter introduces a penalty for each misclassified sample.</a:t>
-            </a:r>
-          </a:p>
-          <a:p>
-            <a:r>
-              <a:rPr lang="en-GB" dirty="0"/>
-              <a:t>If you set </a:t>
-            </a:r>
-            <a:r>
-              <a:rPr lang="en-GB" b="1" dirty="0"/>
-              <a:t>C</a:t>
-            </a:r>
-            <a:r>
-              <a:rPr lang="en-GB" dirty="0"/>
-              <a:t> to a large value, it will imply a small margin in support vectors. What issue do you think the small margins in support vectors could then cause?</a:t>
-            </a:r>
+              <a:rPr lang="en-GB" sz="2000" b="0" i="0" u="none" strike="noStrike" dirty="0">
+                <a:solidFill>
+                  <a:srgbClr val="212529"/>
+                </a:solidFill>
+                <a:effectLst/>
+              </a:rPr>
+              <a:t>In a Random forest model, when samples are drawn with replacement, what is the method known as?</a:t>
+            </a:r>
+            <a:endParaRPr lang="en-GB" dirty="0"/>
           </a:p>
         </p:txBody>
       </p:sp>
@@ -14698,7 +14769,7 @@
           <p:cNvPr id="4" name="Slide Number Placeholder 3">
             <a:extLst>
               <a:ext uri="{FF2B5EF4-FFF2-40B4-BE49-F238E27FC236}">
-                <a16:creationId xmlns:a16="http://schemas.microsoft.com/office/drawing/2014/main" id="{D4DAAEEB-0DE1-2D37-5F0E-993F65F7C32D}"/>
+                <a16:creationId xmlns:a16="http://schemas.microsoft.com/office/drawing/2014/main" id="{41E93681-5D98-12FA-E4D7-25247B3D83E8}"/>
               </a:ext>
             </a:extLst>
           </p:cNvPr>
@@ -14726,7 +14797,7 @@
     </p:spTree>
     <p:extLst>
       <p:ext uri="{BB962C8B-B14F-4D97-AF65-F5344CB8AC3E}">
-        <p14:creationId xmlns:p14="http://schemas.microsoft.com/office/powerpoint/2010/main" val="1012841933"/>
+        <p14:creationId xmlns:p14="http://schemas.microsoft.com/office/powerpoint/2010/main" val="2877191945"/>
       </p:ext>
     </p:extLst>
   </p:cSld>
@@ -14758,7 +14829,7 @@
           <p:cNvPr id="2" name="Title 1">
             <a:extLst>
               <a:ext uri="{FF2B5EF4-FFF2-40B4-BE49-F238E27FC236}">
-                <a16:creationId xmlns:a16="http://schemas.microsoft.com/office/drawing/2014/main" id="{4A0D4B0E-EC4B-AF65-F5A6-6C77B84E688D}"/>
+                <a16:creationId xmlns:a16="http://schemas.microsoft.com/office/drawing/2014/main" id="{A9C29240-2B07-33F2-713E-146C198C0CA2}"/>
               </a:ext>
             </a:extLst>
           </p:cNvPr>
@@ -14775,8 +14846,8 @@
           <a:lstStyle/>
           <a:p>
             <a:r>
-              <a:rPr lang="en-US" dirty="0"/>
-              <a:t>If you have any questions </a:t>
+              <a:rPr lang="en-GB" dirty="0"/>
+              <a:t>Q3</a:t>
             </a:r>
           </a:p>
         </p:txBody>
@@ -14786,7 +14857,7 @@
           <p:cNvPr id="3" name="Content Placeholder 2">
             <a:extLst>
               <a:ext uri="{FF2B5EF4-FFF2-40B4-BE49-F238E27FC236}">
-                <a16:creationId xmlns:a16="http://schemas.microsoft.com/office/drawing/2014/main" id="{F37C2CD0-A4E6-0FCE-E04C-C1C1CB0C3E1D}"/>
+                <a16:creationId xmlns:a16="http://schemas.microsoft.com/office/drawing/2014/main" id="{6AC76671-778E-835A-B193-CF1D171B418B}"/>
               </a:ext>
             </a:extLst>
           </p:cNvPr>
@@ -14803,20 +14874,39 @@
           <a:lstStyle/>
           <a:p>
             <a:r>
-              <a:rPr lang="en-US" dirty="0"/>
-              <a:t>Please feel free to come and see me (9</a:t>
-            </a:r>
-            <a:r>
-              <a:rPr lang="en-US" baseline="30000" dirty="0"/>
-              <a:t>th</a:t>
-            </a:r>
-            <a:r>
-              <a:rPr lang="en-US" dirty="0"/>
-              <a:t> Floor, Sir Michael Uren Research Hub, White City Campus) or email (p.barnaghi@imperial.ac.uk). </a:t>
-            </a:r>
-          </a:p>
-          <a:p>
-            <a:endParaRPr lang="en-US" dirty="0"/>
+              <a:rPr lang="en-GB" dirty="0"/>
+              <a:t>In SVM models, there is a hyperparameter known as the Soft Margin of SVM (shown as </a:t>
+            </a:r>
+            <a:r>
+              <a:rPr lang="en-GB" b="1" dirty="0"/>
+              <a:t>C</a:t>
+            </a:r>
+            <a:r>
+              <a:rPr lang="en-GB" dirty="0"/>
+              <a:t> in the model implementation). The </a:t>
+            </a:r>
+            <a:r>
+              <a:rPr lang="en-GB" b="1" dirty="0"/>
+              <a:t>C</a:t>
+            </a:r>
+            <a:r>
+              <a:rPr lang="en-GB" dirty="0"/>
+              <a:t> hyperparameter introduces a penalty for each misclassified sample.</a:t>
+            </a:r>
+          </a:p>
+          <a:p>
+            <a:r>
+              <a:rPr lang="en-GB" dirty="0"/>
+              <a:t>If you set </a:t>
+            </a:r>
+            <a:r>
+              <a:rPr lang="en-GB" b="1" dirty="0"/>
+              <a:t>C</a:t>
+            </a:r>
+            <a:r>
+              <a:rPr lang="en-GB" dirty="0"/>
+              <a:t> to a large value, it will imply a small margin in support vectors. What issue do you think the small margins in support vectors could then cause?</a:t>
+            </a:r>
           </a:p>
         </p:txBody>
       </p:sp>
@@ -14825,7 +14915,7 @@
           <p:cNvPr id="4" name="Slide Number Placeholder 3">
             <a:extLst>
               <a:ext uri="{FF2B5EF4-FFF2-40B4-BE49-F238E27FC236}">
-                <a16:creationId xmlns:a16="http://schemas.microsoft.com/office/drawing/2014/main" id="{5871F661-CD16-4A1E-EAB3-76CFDCC66AF4}"/>
+                <a16:creationId xmlns:a16="http://schemas.microsoft.com/office/drawing/2014/main" id="{D4DAAEEB-0DE1-2D37-5F0E-993F65F7C32D}"/>
               </a:ext>
             </a:extLst>
           </p:cNvPr>
@@ -14853,7 +14943,7 @@
     </p:spTree>
     <p:extLst>
       <p:ext uri="{BB962C8B-B14F-4D97-AF65-F5344CB8AC3E}">
-        <p14:creationId xmlns:p14="http://schemas.microsoft.com/office/powerpoint/2010/main" val="339632004"/>
+        <p14:creationId xmlns:p14="http://schemas.microsoft.com/office/powerpoint/2010/main" val="1012841933"/>
       </p:ext>
     </p:extLst>
   </p:cSld>
@@ -15023,6 +15113,133 @@
     <p:extLst>
       <p:ext uri="{BB962C8B-B14F-4D97-AF65-F5344CB8AC3E}">
         <p14:creationId xmlns:p14="http://schemas.microsoft.com/office/powerpoint/2010/main" val="2902106762"/>
+      </p:ext>
+    </p:extLst>
+  </p:cSld>
+  <p:clrMapOvr>
+    <a:masterClrMapping/>
+  </p:clrMapOvr>
+</p:sld>
+</file>
+
+<file path=ppt/slides/slide50.xml><?xml version="1.0" encoding="utf-8"?>
+<p:sld xmlns:a="http://schemas.openxmlformats.org/drawingml/2006/main" xmlns:r="http://schemas.openxmlformats.org/officeDocument/2006/relationships" xmlns:p="http://schemas.openxmlformats.org/presentationml/2006/main">
+  <p:cSld>
+    <p:spTree>
+      <p:nvGrpSpPr>
+        <p:cNvPr id="1" name=""/>
+        <p:cNvGrpSpPr/>
+        <p:nvPr/>
+      </p:nvGrpSpPr>
+      <p:grpSpPr>
+        <a:xfrm>
+          <a:off x="0" y="0"/>
+          <a:ext cx="0" cy="0"/>
+          <a:chOff x="0" y="0"/>
+          <a:chExt cx="0" cy="0"/>
+        </a:xfrm>
+      </p:grpSpPr>
+      <p:sp>
+        <p:nvSpPr>
+          <p:cNvPr id="2" name="Title 1">
+            <a:extLst>
+              <a:ext uri="{FF2B5EF4-FFF2-40B4-BE49-F238E27FC236}">
+                <a16:creationId xmlns:a16="http://schemas.microsoft.com/office/drawing/2014/main" id="{4A0D4B0E-EC4B-AF65-F5A6-6C77B84E688D}"/>
+              </a:ext>
+            </a:extLst>
+          </p:cNvPr>
+          <p:cNvSpPr>
+            <a:spLocks noGrp="1"/>
+          </p:cNvSpPr>
+          <p:nvPr>
+            <p:ph type="title"/>
+          </p:nvPr>
+        </p:nvSpPr>
+        <p:spPr/>
+        <p:txBody>
+          <a:bodyPr/>
+          <a:lstStyle/>
+          <a:p>
+            <a:r>
+              <a:rPr lang="en-US" dirty="0"/>
+              <a:t>If you have any questions </a:t>
+            </a:r>
+          </a:p>
+        </p:txBody>
+      </p:sp>
+      <p:sp>
+        <p:nvSpPr>
+          <p:cNvPr id="3" name="Content Placeholder 2">
+            <a:extLst>
+              <a:ext uri="{FF2B5EF4-FFF2-40B4-BE49-F238E27FC236}">
+                <a16:creationId xmlns:a16="http://schemas.microsoft.com/office/drawing/2014/main" id="{F37C2CD0-A4E6-0FCE-E04C-C1C1CB0C3E1D}"/>
+              </a:ext>
+            </a:extLst>
+          </p:cNvPr>
+          <p:cNvSpPr>
+            <a:spLocks noGrp="1"/>
+          </p:cNvSpPr>
+          <p:nvPr>
+            <p:ph idx="1"/>
+          </p:nvPr>
+        </p:nvSpPr>
+        <p:spPr/>
+        <p:txBody>
+          <a:bodyPr/>
+          <a:lstStyle/>
+          <a:p>
+            <a:r>
+              <a:rPr lang="en-US" dirty="0"/>
+              <a:t>Please feel free to come and see me (9</a:t>
+            </a:r>
+            <a:r>
+              <a:rPr lang="en-US" baseline="30000" dirty="0"/>
+              <a:t>th</a:t>
+            </a:r>
+            <a:r>
+              <a:rPr lang="en-US" dirty="0"/>
+              <a:t> Floor, Sir Michael Uren Research Hub, White City Campus) or email (p.barnaghi@imperial.ac.uk). </a:t>
+            </a:r>
+          </a:p>
+          <a:p>
+            <a:endParaRPr lang="en-US" dirty="0"/>
+          </a:p>
+        </p:txBody>
+      </p:sp>
+      <p:sp>
+        <p:nvSpPr>
+          <p:cNvPr id="4" name="Slide Number Placeholder 3">
+            <a:extLst>
+              <a:ext uri="{FF2B5EF4-FFF2-40B4-BE49-F238E27FC236}">
+                <a16:creationId xmlns:a16="http://schemas.microsoft.com/office/drawing/2014/main" id="{5871F661-CD16-4A1E-EAB3-76CFDCC66AF4}"/>
+              </a:ext>
+            </a:extLst>
+          </p:cNvPr>
+          <p:cNvSpPr>
+            <a:spLocks noGrp="1"/>
+          </p:cNvSpPr>
+          <p:nvPr>
+            <p:ph type="sldNum" sz="quarter" idx="12"/>
+          </p:nvPr>
+        </p:nvSpPr>
+        <p:spPr/>
+        <p:txBody>
+          <a:bodyPr/>
+          <a:lstStyle/>
+          <a:p>
+            <a:fld id="{44E22EE9-B8A0-0641-9265-052CFE9B95A7}" type="slidenum">
+              <a:rPr lang="en-GB" altLang="en-US" smtClean="0"/>
+              <a:pPr/>
+              <a:t>50</a:t>
+            </a:fld>
+            <a:endParaRPr lang="en-GB" altLang="en-US" dirty="0"/>
+          </a:p>
+        </p:txBody>
+      </p:sp>
+    </p:spTree>
+    <p:extLst>
+      <p:ext uri="{BB962C8B-B14F-4D97-AF65-F5344CB8AC3E}">
+        <p14:creationId xmlns:p14="http://schemas.microsoft.com/office/powerpoint/2010/main" val="339632004"/>
       </p:ext>
     </p:extLst>
   </p:cSld>
